--- a/soc prezentace.pptx
+++ b/soc prezentace.pptx
@@ -5,25 +5,22 @@
     <p:sldMasterId id="2147483648" r:id="rId1"/>
   </p:sldMasterIdLst>
   <p:notesMasterIdLst>
-    <p:notesMasterId r:id="rId18"/>
+    <p:notesMasterId r:id="rId15"/>
   </p:notesMasterIdLst>
   <p:sldIdLst>
     <p:sldId id="256" r:id="rId2"/>
     <p:sldId id="259" r:id="rId3"/>
-    <p:sldId id="258" r:id="rId4"/>
-    <p:sldId id="260" r:id="rId5"/>
-    <p:sldId id="262" r:id="rId6"/>
-    <p:sldId id="261" r:id="rId7"/>
-    <p:sldId id="264" r:id="rId8"/>
-    <p:sldId id="263" r:id="rId9"/>
-    <p:sldId id="265" r:id="rId10"/>
-    <p:sldId id="266" r:id="rId11"/>
-    <p:sldId id="267" r:id="rId12"/>
-    <p:sldId id="268" r:id="rId13"/>
-    <p:sldId id="269" r:id="rId14"/>
-    <p:sldId id="271" r:id="rId15"/>
-    <p:sldId id="270" r:id="rId16"/>
-    <p:sldId id="272" r:id="rId17"/>
+    <p:sldId id="273" r:id="rId4"/>
+    <p:sldId id="277" r:id="rId5"/>
+    <p:sldId id="285" r:id="rId6"/>
+    <p:sldId id="284" r:id="rId7"/>
+    <p:sldId id="271" r:id="rId8"/>
+    <p:sldId id="280" r:id="rId9"/>
+    <p:sldId id="282" r:id="rId10"/>
+    <p:sldId id="283" r:id="rId11"/>
+    <p:sldId id="278" r:id="rId12"/>
+    <p:sldId id="270" r:id="rId13"/>
+    <p:sldId id="272" r:id="rId14"/>
   </p:sldIdLst>
   <p:sldSz cx="12192000" cy="6858000"/>
   <p:notesSz cx="6858000" cy="9144000"/>
@@ -130,6 +127,2658 @@
 </p:presentation>
 </file>
 
+<file path=ppt/charts/chart1.xml><?xml version="1.0" encoding="utf-8"?>
+<c:chartSpace xmlns:c="http://schemas.openxmlformats.org/drawingml/2006/chart" xmlns:a="http://schemas.openxmlformats.org/drawingml/2006/main" xmlns:r="http://schemas.openxmlformats.org/officeDocument/2006/relationships" xmlns:c16r2="http://schemas.microsoft.com/office/drawing/2015/06/chart">
+  <c:date1904 val="0"/>
+  <c:lang val="cs-CZ"/>
+  <c:roundedCorners val="0"/>
+  <mc:AlternateContent xmlns:mc="http://schemas.openxmlformats.org/markup-compatibility/2006">
+    <mc:Choice xmlns:c14="http://schemas.microsoft.com/office/drawing/2007/8/2/chart" Requires="c14">
+      <c14:style val="102"/>
+    </mc:Choice>
+    <mc:Fallback>
+      <c:style val="2"/>
+    </mc:Fallback>
+  </mc:AlternateContent>
+  <c:chart>
+    <c:title>
+      <c:overlay val="0"/>
+      <c:spPr>
+        <a:noFill/>
+        <a:ln>
+          <a:noFill/>
+        </a:ln>
+        <a:effectLst/>
+      </c:spPr>
+      <c:txPr>
+        <a:bodyPr rot="0" spcFirstLastPara="1" vertOverflow="ellipsis" vert="horz" wrap="square" anchor="ctr" anchorCtr="1"/>
+        <a:lstStyle/>
+        <a:p>
+          <a:pPr>
+            <a:defRPr sz="1862" b="0" i="0" u="none" strike="noStrike" kern="1200" spc="0" baseline="0">
+              <a:solidFill>
+                <a:schemeClr val="tx1">
+                  <a:lumMod val="65000"/>
+                  <a:lumOff val="35000"/>
+                </a:schemeClr>
+              </a:solidFill>
+              <a:latin typeface="+mn-lt"/>
+              <a:ea typeface="+mn-ea"/>
+              <a:cs typeface="+mn-cs"/>
+            </a:defRPr>
+          </a:pPr>
+          <a:endParaRPr lang="de-DE"/>
+        </a:p>
+      </c:txPr>
+    </c:title>
+    <c:autoTitleDeleted val="0"/>
+    <c:plotArea>
+      <c:layout/>
+      <c:pieChart>
+        <c:varyColors val="1"/>
+        <c:ser>
+          <c:idx val="0"/>
+          <c:order val="0"/>
+          <c:tx>
+            <c:strRef>
+              <c:f>List1!$B$1</c:f>
+              <c:strCache>
+                <c:ptCount val="1"/>
+                <c:pt idx="0">
+                  <c:v>Myslíte si, že má aplikace využití?</c:v>
+                </c:pt>
+              </c:strCache>
+            </c:strRef>
+          </c:tx>
+          <c:dPt>
+            <c:idx val="0"/>
+            <c:bubble3D val="0"/>
+            <c:spPr>
+              <a:solidFill>
+                <a:schemeClr val="accent1"/>
+              </a:solidFill>
+              <a:ln w="19050">
+                <a:solidFill>
+                  <a:schemeClr val="lt1"/>
+                </a:solidFill>
+              </a:ln>
+              <a:effectLst/>
+            </c:spPr>
+            <c:extLst>
+              <c:ext xmlns:c16="http://schemas.microsoft.com/office/drawing/2014/chart" uri="{C3380CC4-5D6E-409C-BE32-E72D297353CC}">
+                <c16:uniqueId val="{00000001-FF79-481C-9B98-617659FCFCA8}"/>
+              </c:ext>
+            </c:extLst>
+          </c:dPt>
+          <c:dPt>
+            <c:idx val="1"/>
+            <c:bubble3D val="0"/>
+            <c:spPr>
+              <a:solidFill>
+                <a:schemeClr val="accent2"/>
+              </a:solidFill>
+              <a:ln w="19050">
+                <a:solidFill>
+                  <a:schemeClr val="lt1"/>
+                </a:solidFill>
+              </a:ln>
+              <a:effectLst/>
+            </c:spPr>
+            <c:extLst>
+              <c:ext xmlns:c16="http://schemas.microsoft.com/office/drawing/2014/chart" uri="{C3380CC4-5D6E-409C-BE32-E72D297353CC}">
+                <c16:uniqueId val="{00000003-FF79-481C-9B98-617659FCFCA8}"/>
+              </c:ext>
+            </c:extLst>
+          </c:dPt>
+          <c:dPt>
+            <c:idx val="2"/>
+            <c:bubble3D val="0"/>
+            <c:spPr>
+              <a:solidFill>
+                <a:schemeClr val="accent3"/>
+              </a:solidFill>
+              <a:ln w="19050">
+                <a:solidFill>
+                  <a:schemeClr val="lt1"/>
+                </a:solidFill>
+              </a:ln>
+              <a:effectLst/>
+            </c:spPr>
+            <c:extLst>
+              <c:ext xmlns:c16="http://schemas.microsoft.com/office/drawing/2014/chart" uri="{C3380CC4-5D6E-409C-BE32-E72D297353CC}">
+                <c16:uniqueId val="{00000005-FF79-481C-9B98-617659FCFCA8}"/>
+              </c:ext>
+            </c:extLst>
+          </c:dPt>
+          <c:dPt>
+            <c:idx val="3"/>
+            <c:bubble3D val="0"/>
+            <c:spPr>
+              <a:solidFill>
+                <a:schemeClr val="accent4"/>
+              </a:solidFill>
+              <a:ln w="19050">
+                <a:solidFill>
+                  <a:schemeClr val="lt1"/>
+                </a:solidFill>
+              </a:ln>
+              <a:effectLst/>
+            </c:spPr>
+            <c:extLst>
+              <c:ext xmlns:c16="http://schemas.microsoft.com/office/drawing/2014/chart" uri="{C3380CC4-5D6E-409C-BE32-E72D297353CC}">
+                <c16:uniqueId val="{00000007-FF79-481C-9B98-617659FCFCA8}"/>
+              </c:ext>
+            </c:extLst>
+          </c:dPt>
+          <c:cat>
+            <c:strRef>
+              <c:f>List1!$A$2:$A$5</c:f>
+              <c:strCache>
+                <c:ptCount val="4"/>
+                <c:pt idx="0">
+                  <c:v>Určitě ano.</c:v>
+                </c:pt>
+                <c:pt idx="1">
+                  <c:v>Asi ano</c:v>
+                </c:pt>
+                <c:pt idx="2">
+                  <c:v>Nevím</c:v>
+                </c:pt>
+                <c:pt idx="3">
+                  <c:v>Určitě ne</c:v>
+                </c:pt>
+              </c:strCache>
+            </c:strRef>
+          </c:cat>
+          <c:val>
+            <c:numRef>
+              <c:f>List1!$B$2:$B$5</c:f>
+              <c:numCache>
+                <c:formatCode>General</c:formatCode>
+                <c:ptCount val="4"/>
+                <c:pt idx="0">
+                  <c:v>75</c:v>
+                </c:pt>
+                <c:pt idx="1">
+                  <c:v>7</c:v>
+                </c:pt>
+                <c:pt idx="2">
+                  <c:v>1</c:v>
+                </c:pt>
+                <c:pt idx="3">
+                  <c:v>1</c:v>
+                </c:pt>
+              </c:numCache>
+            </c:numRef>
+          </c:val>
+          <c:extLst>
+            <c:ext xmlns:c16="http://schemas.microsoft.com/office/drawing/2014/chart" uri="{C3380CC4-5D6E-409C-BE32-E72D297353CC}">
+              <c16:uniqueId val="{00000000-9124-45B6-A3C7-6D22F30C2628}"/>
+            </c:ext>
+          </c:extLst>
+        </c:ser>
+        <c:dLbls>
+          <c:showLegendKey val="0"/>
+          <c:showVal val="0"/>
+          <c:showCatName val="0"/>
+          <c:showSerName val="0"/>
+          <c:showPercent val="0"/>
+          <c:showBubbleSize val="0"/>
+          <c:showLeaderLines val="1"/>
+        </c:dLbls>
+        <c:firstSliceAng val="0"/>
+      </c:pieChart>
+      <c:spPr>
+        <a:noFill/>
+        <a:ln>
+          <a:noFill/>
+        </a:ln>
+        <a:effectLst/>
+      </c:spPr>
+    </c:plotArea>
+    <c:legend>
+      <c:legendPos val="b"/>
+      <c:overlay val="0"/>
+      <c:spPr>
+        <a:noFill/>
+        <a:ln>
+          <a:noFill/>
+        </a:ln>
+        <a:effectLst/>
+      </c:spPr>
+      <c:txPr>
+        <a:bodyPr rot="0" spcFirstLastPara="1" vertOverflow="ellipsis" vert="horz" wrap="square" anchor="ctr" anchorCtr="1"/>
+        <a:lstStyle/>
+        <a:p>
+          <a:pPr>
+            <a:defRPr sz="1197" b="0" i="0" u="none" strike="noStrike" kern="1200" baseline="0">
+              <a:solidFill>
+                <a:schemeClr val="tx1">
+                  <a:lumMod val="65000"/>
+                  <a:lumOff val="35000"/>
+                </a:schemeClr>
+              </a:solidFill>
+              <a:latin typeface="+mn-lt"/>
+              <a:ea typeface="+mn-ea"/>
+              <a:cs typeface="+mn-cs"/>
+            </a:defRPr>
+          </a:pPr>
+          <a:endParaRPr lang="de-DE"/>
+        </a:p>
+      </c:txPr>
+    </c:legend>
+    <c:plotVisOnly val="1"/>
+    <c:dispBlanksAs val="gap"/>
+    <c:extLst>
+      <c:ext xmlns:c16r3="http://schemas.microsoft.com/office/drawing/2017/03/chart" uri="{56B9EC1D-385E-4148-901F-78D8002777C0}">
+        <c16r3:dataDisplayOptions16>
+          <c16r3:dispNaAsBlank val="1"/>
+        </c16r3:dataDisplayOptions16>
+      </c:ext>
+    </c:extLst>
+    <c:showDLblsOverMax val="0"/>
+  </c:chart>
+  <c:spPr>
+    <a:noFill/>
+    <a:ln>
+      <a:noFill/>
+    </a:ln>
+    <a:effectLst/>
+  </c:spPr>
+  <c:txPr>
+    <a:bodyPr/>
+    <a:lstStyle/>
+    <a:p>
+      <a:pPr>
+        <a:defRPr/>
+      </a:pPr>
+      <a:endParaRPr lang="de-DE"/>
+    </a:p>
+  </c:txPr>
+  <c:externalData r:id="rId3">
+    <c:autoUpdate val="0"/>
+  </c:externalData>
+</c:chartSpace>
+</file>
+
+<file path=ppt/charts/chart2.xml><?xml version="1.0" encoding="utf-8"?>
+<c:chartSpace xmlns:c="http://schemas.openxmlformats.org/drawingml/2006/chart" xmlns:a="http://schemas.openxmlformats.org/drawingml/2006/main" xmlns:r="http://schemas.openxmlformats.org/officeDocument/2006/relationships" xmlns:c16r2="http://schemas.microsoft.com/office/drawing/2015/06/chart">
+  <c:date1904 val="0"/>
+  <c:lang val="cs-CZ"/>
+  <c:roundedCorners val="0"/>
+  <mc:AlternateContent xmlns:mc="http://schemas.openxmlformats.org/markup-compatibility/2006">
+    <mc:Choice xmlns:c14="http://schemas.microsoft.com/office/drawing/2007/8/2/chart" Requires="c14">
+      <c14:style val="102"/>
+    </mc:Choice>
+    <mc:Fallback>
+      <c:style val="2"/>
+    </mc:Fallback>
+  </mc:AlternateContent>
+  <c:chart>
+    <c:title>
+      <c:tx>
+        <c:rich>
+          <a:bodyPr rot="0" spcFirstLastPara="1" vertOverflow="ellipsis" vert="horz" wrap="square" anchor="ctr" anchorCtr="1"/>
+          <a:lstStyle/>
+          <a:p>
+            <a:pPr>
+              <a:defRPr sz="1862" b="0" i="0" u="none" strike="noStrike" kern="1200" spc="0" baseline="0">
+                <a:solidFill>
+                  <a:schemeClr val="tx1">
+                    <a:lumMod val="65000"/>
+                    <a:lumOff val="35000"/>
+                  </a:schemeClr>
+                </a:solidFill>
+                <a:latin typeface="+mn-lt"/>
+                <a:ea typeface="+mn-ea"/>
+                <a:cs typeface="+mn-cs"/>
+              </a:defRPr>
+            </a:pPr>
+            <a:r>
+              <a:rPr lang="en-US" dirty="0"/>
+              <a:t>Spektrum</a:t>
+            </a:r>
+            <a:r>
+              <a:rPr lang="cs-CZ" dirty="0"/>
+              <a:t> 84</a:t>
+            </a:r>
+            <a:r>
+              <a:rPr lang="en-US" dirty="0"/>
+              <a:t> </a:t>
+            </a:r>
+            <a:r>
+              <a:rPr lang="en-US" dirty="0" err="1"/>
+              <a:t>odpovědí</a:t>
+            </a:r>
+            <a:endParaRPr lang="en-US" dirty="0"/>
+          </a:p>
+        </c:rich>
+      </c:tx>
+      <c:overlay val="0"/>
+      <c:spPr>
+        <a:noFill/>
+        <a:ln>
+          <a:noFill/>
+        </a:ln>
+        <a:effectLst/>
+      </c:spPr>
+      <c:txPr>
+        <a:bodyPr rot="0" spcFirstLastPara="1" vertOverflow="ellipsis" vert="horz" wrap="square" anchor="ctr" anchorCtr="1"/>
+        <a:lstStyle/>
+        <a:p>
+          <a:pPr>
+            <a:defRPr sz="1862" b="0" i="0" u="none" strike="noStrike" kern="1200" spc="0" baseline="0">
+              <a:solidFill>
+                <a:schemeClr val="tx1">
+                  <a:lumMod val="65000"/>
+                  <a:lumOff val="35000"/>
+                </a:schemeClr>
+              </a:solidFill>
+              <a:latin typeface="+mn-lt"/>
+              <a:ea typeface="+mn-ea"/>
+              <a:cs typeface="+mn-cs"/>
+            </a:defRPr>
+          </a:pPr>
+          <a:endParaRPr lang="de-DE"/>
+        </a:p>
+      </c:txPr>
+    </c:title>
+    <c:autoTitleDeleted val="0"/>
+    <c:plotArea>
+      <c:layout/>
+      <c:pieChart>
+        <c:varyColors val="1"/>
+        <c:ser>
+          <c:idx val="0"/>
+          <c:order val="0"/>
+          <c:tx>
+            <c:strRef>
+              <c:f>List1!$B$1</c:f>
+              <c:strCache>
+                <c:ptCount val="1"/>
+                <c:pt idx="0">
+                  <c:v>Spektrum odpovědí</c:v>
+                </c:pt>
+              </c:strCache>
+            </c:strRef>
+          </c:tx>
+          <c:dPt>
+            <c:idx val="0"/>
+            <c:bubble3D val="0"/>
+            <c:spPr>
+              <a:solidFill>
+                <a:schemeClr val="accent1"/>
+              </a:solidFill>
+              <a:ln w="19050">
+                <a:solidFill>
+                  <a:schemeClr val="lt1"/>
+                </a:solidFill>
+              </a:ln>
+              <a:effectLst/>
+            </c:spPr>
+            <c:extLst>
+              <c:ext xmlns:c16="http://schemas.microsoft.com/office/drawing/2014/chart" uri="{C3380CC4-5D6E-409C-BE32-E72D297353CC}">
+                <c16:uniqueId val="{00000001-B406-4C3A-BFBC-D9A59FFCE7AF}"/>
+              </c:ext>
+            </c:extLst>
+          </c:dPt>
+          <c:dPt>
+            <c:idx val="1"/>
+            <c:bubble3D val="0"/>
+            <c:spPr>
+              <a:solidFill>
+                <a:schemeClr val="accent2"/>
+              </a:solidFill>
+              <a:ln w="19050">
+                <a:solidFill>
+                  <a:schemeClr val="lt1"/>
+                </a:solidFill>
+              </a:ln>
+              <a:effectLst/>
+            </c:spPr>
+            <c:extLst>
+              <c:ext xmlns:c16="http://schemas.microsoft.com/office/drawing/2014/chart" uri="{C3380CC4-5D6E-409C-BE32-E72D297353CC}">
+                <c16:uniqueId val="{00000003-B406-4C3A-BFBC-D9A59FFCE7AF}"/>
+              </c:ext>
+            </c:extLst>
+          </c:dPt>
+          <c:dPt>
+            <c:idx val="2"/>
+            <c:bubble3D val="0"/>
+            <c:spPr>
+              <a:solidFill>
+                <a:schemeClr val="accent3"/>
+              </a:solidFill>
+              <a:ln w="19050">
+                <a:solidFill>
+                  <a:schemeClr val="lt1"/>
+                </a:solidFill>
+              </a:ln>
+              <a:effectLst/>
+            </c:spPr>
+            <c:extLst>
+              <c:ext xmlns:c16="http://schemas.microsoft.com/office/drawing/2014/chart" uri="{C3380CC4-5D6E-409C-BE32-E72D297353CC}">
+                <c16:uniqueId val="{00000005-B406-4C3A-BFBC-D9A59FFCE7AF}"/>
+              </c:ext>
+            </c:extLst>
+          </c:dPt>
+          <c:dPt>
+            <c:idx val="3"/>
+            <c:bubble3D val="0"/>
+            <c:spPr>
+              <a:solidFill>
+                <a:schemeClr val="accent4"/>
+              </a:solidFill>
+              <a:ln w="19050">
+                <a:solidFill>
+                  <a:schemeClr val="lt1"/>
+                </a:solidFill>
+              </a:ln>
+              <a:effectLst/>
+            </c:spPr>
+            <c:extLst>
+              <c:ext xmlns:c16="http://schemas.microsoft.com/office/drawing/2014/chart" uri="{C3380CC4-5D6E-409C-BE32-E72D297353CC}">
+                <c16:uniqueId val="{00000007-B406-4C3A-BFBC-D9A59FFCE7AF}"/>
+              </c:ext>
+            </c:extLst>
+          </c:dPt>
+          <c:dPt>
+            <c:idx val="4"/>
+            <c:bubble3D val="0"/>
+            <c:spPr>
+              <a:solidFill>
+                <a:schemeClr val="accent5"/>
+              </a:solidFill>
+              <a:ln w="19050">
+                <a:solidFill>
+                  <a:schemeClr val="lt1"/>
+                </a:solidFill>
+              </a:ln>
+              <a:effectLst/>
+            </c:spPr>
+            <c:extLst>
+              <c:ext xmlns:c16="http://schemas.microsoft.com/office/drawing/2014/chart" uri="{C3380CC4-5D6E-409C-BE32-E72D297353CC}">
+                <c16:uniqueId val="{00000009-B406-4C3A-BFBC-D9A59FFCE7AF}"/>
+              </c:ext>
+            </c:extLst>
+          </c:dPt>
+          <c:cat>
+            <c:strRef>
+              <c:f>List1!$A$2:$A$6</c:f>
+              <c:strCache>
+                <c:ptCount val="5"/>
+                <c:pt idx="0">
+                  <c:v>Autista v rodině</c:v>
+                </c:pt>
+                <c:pt idx="1">
+                  <c:v>Odborník</c:v>
+                </c:pt>
+                <c:pt idx="2">
+                  <c:v>Autista v okolí</c:v>
+                </c:pt>
+                <c:pt idx="3">
+                  <c:v>Jsem autista</c:v>
+                </c:pt>
+                <c:pt idx="4">
+                  <c:v>Jiné</c:v>
+                </c:pt>
+              </c:strCache>
+            </c:strRef>
+          </c:cat>
+          <c:val>
+            <c:numRef>
+              <c:f>List1!$B$2:$B$6</c:f>
+              <c:numCache>
+                <c:formatCode>General</c:formatCode>
+                <c:ptCount val="5"/>
+                <c:pt idx="0">
+                  <c:v>64</c:v>
+                </c:pt>
+                <c:pt idx="1">
+                  <c:v>12</c:v>
+                </c:pt>
+                <c:pt idx="2">
+                  <c:v>2</c:v>
+                </c:pt>
+                <c:pt idx="3">
+                  <c:v>3</c:v>
+                </c:pt>
+                <c:pt idx="4">
+                  <c:v>3</c:v>
+                </c:pt>
+              </c:numCache>
+            </c:numRef>
+          </c:val>
+          <c:extLst>
+            <c:ext xmlns:c16="http://schemas.microsoft.com/office/drawing/2014/chart" uri="{C3380CC4-5D6E-409C-BE32-E72D297353CC}">
+              <c16:uniqueId val="{0000000A-B406-4C3A-BFBC-D9A59FFCE7AF}"/>
+            </c:ext>
+          </c:extLst>
+        </c:ser>
+        <c:dLbls>
+          <c:showLegendKey val="0"/>
+          <c:showVal val="0"/>
+          <c:showCatName val="0"/>
+          <c:showSerName val="0"/>
+          <c:showPercent val="0"/>
+          <c:showBubbleSize val="0"/>
+          <c:showLeaderLines val="1"/>
+        </c:dLbls>
+        <c:firstSliceAng val="0"/>
+      </c:pieChart>
+      <c:spPr>
+        <a:noFill/>
+        <a:ln>
+          <a:noFill/>
+        </a:ln>
+        <a:effectLst/>
+      </c:spPr>
+    </c:plotArea>
+    <c:legend>
+      <c:legendPos val="b"/>
+      <c:overlay val="0"/>
+      <c:spPr>
+        <a:noFill/>
+        <a:ln>
+          <a:noFill/>
+        </a:ln>
+        <a:effectLst/>
+      </c:spPr>
+      <c:txPr>
+        <a:bodyPr rot="0" spcFirstLastPara="1" vertOverflow="ellipsis" vert="horz" wrap="square" anchor="ctr" anchorCtr="1"/>
+        <a:lstStyle/>
+        <a:p>
+          <a:pPr>
+            <a:defRPr sz="1197" b="0" i="0" u="none" strike="noStrike" kern="1200" baseline="0">
+              <a:solidFill>
+                <a:schemeClr val="tx1">
+                  <a:lumMod val="65000"/>
+                  <a:lumOff val="35000"/>
+                </a:schemeClr>
+              </a:solidFill>
+              <a:latin typeface="+mn-lt"/>
+              <a:ea typeface="+mn-ea"/>
+              <a:cs typeface="+mn-cs"/>
+            </a:defRPr>
+          </a:pPr>
+          <a:endParaRPr lang="de-DE"/>
+        </a:p>
+      </c:txPr>
+    </c:legend>
+    <c:plotVisOnly val="1"/>
+    <c:dispBlanksAs val="gap"/>
+    <c:extLst>
+      <c:ext xmlns:c16r3="http://schemas.microsoft.com/office/drawing/2017/03/chart" uri="{56B9EC1D-385E-4148-901F-78D8002777C0}">
+        <c16r3:dataDisplayOptions16>
+          <c16r3:dispNaAsBlank val="1"/>
+        </c16r3:dataDisplayOptions16>
+      </c:ext>
+    </c:extLst>
+    <c:showDLblsOverMax val="0"/>
+  </c:chart>
+  <c:spPr>
+    <a:noFill/>
+    <a:ln>
+      <a:noFill/>
+    </a:ln>
+    <a:effectLst/>
+  </c:spPr>
+  <c:txPr>
+    <a:bodyPr/>
+    <a:lstStyle/>
+    <a:p>
+      <a:pPr>
+        <a:defRPr/>
+      </a:pPr>
+      <a:endParaRPr lang="de-DE"/>
+    </a:p>
+  </c:txPr>
+  <c:externalData r:id="rId3">
+    <c:autoUpdate val="0"/>
+  </c:externalData>
+</c:chartSpace>
+</file>
+
+<file path=ppt/charts/chart3.xml><?xml version="1.0" encoding="utf-8"?>
+<c:chartSpace xmlns:c="http://schemas.openxmlformats.org/drawingml/2006/chart" xmlns:a="http://schemas.openxmlformats.org/drawingml/2006/main" xmlns:r="http://schemas.openxmlformats.org/officeDocument/2006/relationships" xmlns:c16r2="http://schemas.microsoft.com/office/drawing/2015/06/chart">
+  <c:date1904 val="0"/>
+  <c:lang val="cs-CZ"/>
+  <c:roundedCorners val="0"/>
+  <mc:AlternateContent xmlns:mc="http://schemas.openxmlformats.org/markup-compatibility/2006">
+    <mc:Choice xmlns:c14="http://schemas.microsoft.com/office/drawing/2007/8/2/chart" Requires="c14">
+      <c14:style val="102"/>
+    </mc:Choice>
+    <mc:Fallback>
+      <c:style val="2"/>
+    </mc:Fallback>
+  </mc:AlternateContent>
+  <c:chart>
+    <c:title>
+      <c:tx>
+        <c:rich>
+          <a:bodyPr rot="0" spcFirstLastPara="1" vertOverflow="ellipsis" vert="horz" wrap="square" anchor="ctr" anchorCtr="1"/>
+          <a:lstStyle/>
+          <a:p>
+            <a:pPr>
+              <a:defRPr sz="1862" b="0" i="0" u="none" strike="noStrike" kern="1200" spc="0" baseline="0">
+                <a:solidFill>
+                  <a:schemeClr val="tx1">
+                    <a:lumMod val="65000"/>
+                    <a:lumOff val="35000"/>
+                  </a:schemeClr>
+                </a:solidFill>
+                <a:latin typeface="+mn-lt"/>
+                <a:ea typeface="+mn-ea"/>
+                <a:cs typeface="+mn-cs"/>
+              </a:defRPr>
+            </a:pPr>
+            <a:r>
+              <a:rPr lang="en-US" dirty="0" err="1"/>
+              <a:t>Využití</a:t>
+            </a:r>
+            <a:r>
+              <a:rPr lang="en-US" dirty="0"/>
+              <a:t> </a:t>
+            </a:r>
+            <a:r>
+              <a:rPr lang="en-US" dirty="0" err="1"/>
+              <a:t>aplikace</a:t>
+            </a:r>
+            <a:r>
+              <a:rPr lang="en-US" dirty="0"/>
+              <a:t> </a:t>
+            </a:r>
+            <a:r>
+              <a:rPr lang="en-US" dirty="0" err="1"/>
+              <a:t>podle</a:t>
+            </a:r>
+            <a:r>
+              <a:rPr lang="en-US" dirty="0"/>
+              <a:t> </a:t>
+            </a:r>
+            <a:r>
+              <a:rPr lang="cs-CZ" dirty="0"/>
+              <a:t>jedenácti</a:t>
+            </a:r>
+            <a:r>
+              <a:rPr lang="cs-CZ" baseline="0" dirty="0"/>
+              <a:t> </a:t>
+            </a:r>
+            <a:r>
+              <a:rPr lang="en-US" dirty="0" err="1"/>
+              <a:t>odborníků</a:t>
+            </a:r>
+            <a:endParaRPr lang="en-US" dirty="0"/>
+          </a:p>
+        </c:rich>
+      </c:tx>
+      <c:overlay val="0"/>
+      <c:spPr>
+        <a:noFill/>
+        <a:ln>
+          <a:noFill/>
+        </a:ln>
+        <a:effectLst/>
+      </c:spPr>
+      <c:txPr>
+        <a:bodyPr rot="0" spcFirstLastPara="1" vertOverflow="ellipsis" vert="horz" wrap="square" anchor="ctr" anchorCtr="1"/>
+        <a:lstStyle/>
+        <a:p>
+          <a:pPr>
+            <a:defRPr sz="1862" b="0" i="0" u="none" strike="noStrike" kern="1200" spc="0" baseline="0">
+              <a:solidFill>
+                <a:schemeClr val="tx1">
+                  <a:lumMod val="65000"/>
+                  <a:lumOff val="35000"/>
+                </a:schemeClr>
+              </a:solidFill>
+              <a:latin typeface="+mn-lt"/>
+              <a:ea typeface="+mn-ea"/>
+              <a:cs typeface="+mn-cs"/>
+            </a:defRPr>
+          </a:pPr>
+          <a:endParaRPr lang="de-DE"/>
+        </a:p>
+      </c:txPr>
+    </c:title>
+    <c:autoTitleDeleted val="0"/>
+    <c:plotArea>
+      <c:layout/>
+      <c:barChart>
+        <c:barDir val="col"/>
+        <c:grouping val="clustered"/>
+        <c:varyColors val="0"/>
+        <c:ser>
+          <c:idx val="0"/>
+          <c:order val="0"/>
+          <c:tx>
+            <c:strRef>
+              <c:f>List1!$B$1</c:f>
+              <c:strCache>
+                <c:ptCount val="1"/>
+                <c:pt idx="0">
+                  <c:v>Využití aplikace podle odborníků</c:v>
+                </c:pt>
+              </c:strCache>
+            </c:strRef>
+          </c:tx>
+          <c:spPr>
+            <a:solidFill>
+              <a:schemeClr val="accent1"/>
+            </a:solidFill>
+            <a:ln>
+              <a:noFill/>
+            </a:ln>
+            <a:effectLst/>
+          </c:spPr>
+          <c:invertIfNegative val="0"/>
+          <c:cat>
+            <c:strRef>
+              <c:f>List1!$A$2:$A$6</c:f>
+              <c:strCache>
+                <c:ptCount val="5"/>
+                <c:pt idx="0">
+                  <c:v>V domácím prostředí dítěte</c:v>
+                </c:pt>
+                <c:pt idx="1">
+                  <c:v>Na terapiích</c:v>
+                </c:pt>
+                <c:pt idx="2">
+                  <c:v>Ve škoních zařízeních</c:v>
+                </c:pt>
+                <c:pt idx="3">
+                  <c:v>Všude, kde je dítě</c:v>
+                </c:pt>
+                <c:pt idx="4">
+                  <c:v>Nemá využití</c:v>
+                </c:pt>
+              </c:strCache>
+            </c:strRef>
+          </c:cat>
+          <c:val>
+            <c:numRef>
+              <c:f>List1!$B$2:$B$6</c:f>
+              <c:numCache>
+                <c:formatCode>General</c:formatCode>
+                <c:ptCount val="5"/>
+                <c:pt idx="0">
+                  <c:v>10</c:v>
+                </c:pt>
+                <c:pt idx="1">
+                  <c:v>9</c:v>
+                </c:pt>
+                <c:pt idx="2">
+                  <c:v>8</c:v>
+                </c:pt>
+                <c:pt idx="3">
+                  <c:v>3</c:v>
+                </c:pt>
+                <c:pt idx="4">
+                  <c:v>0</c:v>
+                </c:pt>
+              </c:numCache>
+            </c:numRef>
+          </c:val>
+          <c:extLst>
+            <c:ext xmlns:c16="http://schemas.microsoft.com/office/drawing/2014/chart" uri="{C3380CC4-5D6E-409C-BE32-E72D297353CC}">
+              <c16:uniqueId val="{00000000-BD2A-41E9-A2D6-58DB3F77353C}"/>
+            </c:ext>
+          </c:extLst>
+        </c:ser>
+        <c:dLbls>
+          <c:showLegendKey val="0"/>
+          <c:showVal val="0"/>
+          <c:showCatName val="0"/>
+          <c:showSerName val="0"/>
+          <c:showPercent val="0"/>
+          <c:showBubbleSize val="0"/>
+        </c:dLbls>
+        <c:gapWidth val="219"/>
+        <c:overlap val="-27"/>
+        <c:axId val="582760447"/>
+        <c:axId val="2045907967"/>
+      </c:barChart>
+      <c:catAx>
+        <c:axId val="582760447"/>
+        <c:scaling>
+          <c:orientation val="minMax"/>
+        </c:scaling>
+        <c:delete val="0"/>
+        <c:axPos val="b"/>
+        <c:numFmt formatCode="General" sourceLinked="1"/>
+        <c:majorTickMark val="none"/>
+        <c:minorTickMark val="none"/>
+        <c:tickLblPos val="nextTo"/>
+        <c:spPr>
+          <a:noFill/>
+          <a:ln w="9525" cap="flat" cmpd="sng" algn="ctr">
+            <a:solidFill>
+              <a:schemeClr val="tx1">
+                <a:lumMod val="15000"/>
+                <a:lumOff val="85000"/>
+              </a:schemeClr>
+            </a:solidFill>
+            <a:round/>
+          </a:ln>
+          <a:effectLst/>
+        </c:spPr>
+        <c:txPr>
+          <a:bodyPr rot="-60000000" spcFirstLastPara="1" vertOverflow="ellipsis" vert="horz" wrap="square" anchor="ctr" anchorCtr="1"/>
+          <a:lstStyle/>
+          <a:p>
+            <a:pPr>
+              <a:defRPr sz="1197" b="0" i="0" u="none" strike="noStrike" kern="1200" baseline="0">
+                <a:solidFill>
+                  <a:schemeClr val="tx1">
+                    <a:lumMod val="65000"/>
+                    <a:lumOff val="35000"/>
+                  </a:schemeClr>
+                </a:solidFill>
+                <a:latin typeface="+mn-lt"/>
+                <a:ea typeface="+mn-ea"/>
+                <a:cs typeface="+mn-cs"/>
+              </a:defRPr>
+            </a:pPr>
+            <a:endParaRPr lang="de-DE"/>
+          </a:p>
+        </c:txPr>
+        <c:crossAx val="2045907967"/>
+        <c:crosses val="autoZero"/>
+        <c:auto val="1"/>
+        <c:lblAlgn val="ctr"/>
+        <c:lblOffset val="100"/>
+        <c:noMultiLvlLbl val="0"/>
+      </c:catAx>
+      <c:valAx>
+        <c:axId val="2045907967"/>
+        <c:scaling>
+          <c:orientation val="minMax"/>
+        </c:scaling>
+        <c:delete val="0"/>
+        <c:axPos val="l"/>
+        <c:majorGridlines>
+          <c:spPr>
+            <a:ln w="9525" cap="flat" cmpd="sng" algn="ctr">
+              <a:solidFill>
+                <a:schemeClr val="tx1">
+                  <a:lumMod val="15000"/>
+                  <a:lumOff val="85000"/>
+                </a:schemeClr>
+              </a:solidFill>
+              <a:round/>
+            </a:ln>
+            <a:effectLst/>
+          </c:spPr>
+        </c:majorGridlines>
+        <c:numFmt formatCode="General" sourceLinked="1"/>
+        <c:majorTickMark val="none"/>
+        <c:minorTickMark val="none"/>
+        <c:tickLblPos val="nextTo"/>
+        <c:spPr>
+          <a:noFill/>
+          <a:ln>
+            <a:noFill/>
+          </a:ln>
+          <a:effectLst/>
+        </c:spPr>
+        <c:txPr>
+          <a:bodyPr rot="-60000000" spcFirstLastPara="1" vertOverflow="ellipsis" vert="horz" wrap="square" anchor="ctr" anchorCtr="1"/>
+          <a:lstStyle/>
+          <a:p>
+            <a:pPr>
+              <a:defRPr sz="1197" b="0" i="0" u="none" strike="noStrike" kern="1200" baseline="0">
+                <a:solidFill>
+                  <a:schemeClr val="tx1">
+                    <a:lumMod val="65000"/>
+                    <a:lumOff val="35000"/>
+                  </a:schemeClr>
+                </a:solidFill>
+                <a:latin typeface="+mn-lt"/>
+                <a:ea typeface="+mn-ea"/>
+                <a:cs typeface="+mn-cs"/>
+              </a:defRPr>
+            </a:pPr>
+            <a:endParaRPr lang="de-DE"/>
+          </a:p>
+        </c:txPr>
+        <c:crossAx val="582760447"/>
+        <c:crosses val="autoZero"/>
+        <c:crossBetween val="between"/>
+      </c:valAx>
+      <c:spPr>
+        <a:noFill/>
+        <a:ln>
+          <a:noFill/>
+        </a:ln>
+        <a:effectLst/>
+      </c:spPr>
+    </c:plotArea>
+    <c:legend>
+      <c:legendPos val="b"/>
+      <c:overlay val="0"/>
+      <c:spPr>
+        <a:noFill/>
+        <a:ln>
+          <a:noFill/>
+        </a:ln>
+        <a:effectLst/>
+      </c:spPr>
+      <c:txPr>
+        <a:bodyPr rot="0" spcFirstLastPara="1" vertOverflow="ellipsis" vert="horz" wrap="square" anchor="ctr" anchorCtr="1"/>
+        <a:lstStyle/>
+        <a:p>
+          <a:pPr>
+            <a:defRPr sz="1197" b="0" i="0" u="none" strike="noStrike" kern="1200" baseline="0">
+              <a:solidFill>
+                <a:schemeClr val="tx1">
+                  <a:lumMod val="65000"/>
+                  <a:lumOff val="35000"/>
+                </a:schemeClr>
+              </a:solidFill>
+              <a:latin typeface="+mn-lt"/>
+              <a:ea typeface="+mn-ea"/>
+              <a:cs typeface="+mn-cs"/>
+            </a:defRPr>
+          </a:pPr>
+          <a:endParaRPr lang="de-DE"/>
+        </a:p>
+      </c:txPr>
+    </c:legend>
+    <c:plotVisOnly val="1"/>
+    <c:dispBlanksAs val="gap"/>
+    <c:extLst>
+      <c:ext xmlns:c16r3="http://schemas.microsoft.com/office/drawing/2017/03/chart" uri="{56B9EC1D-385E-4148-901F-78D8002777C0}">
+        <c16r3:dataDisplayOptions16>
+          <c16r3:dispNaAsBlank val="1"/>
+        </c16r3:dataDisplayOptions16>
+      </c:ext>
+    </c:extLst>
+    <c:showDLblsOverMax val="0"/>
+  </c:chart>
+  <c:spPr>
+    <a:noFill/>
+    <a:ln>
+      <a:noFill/>
+    </a:ln>
+    <a:effectLst/>
+  </c:spPr>
+  <c:txPr>
+    <a:bodyPr/>
+    <a:lstStyle/>
+    <a:p>
+      <a:pPr>
+        <a:defRPr/>
+      </a:pPr>
+      <a:endParaRPr lang="de-DE"/>
+    </a:p>
+  </c:txPr>
+  <c:externalData r:id="rId3">
+    <c:autoUpdate val="0"/>
+  </c:externalData>
+</c:chartSpace>
+</file>
+
+<file path=ppt/charts/colors1.xml><?xml version="1.0" encoding="utf-8"?>
+<cs:colorStyle xmlns:cs="http://schemas.microsoft.com/office/drawing/2012/chartStyle" xmlns:a="http://schemas.openxmlformats.org/drawingml/2006/main" meth="cycle" id="10">
+  <a:schemeClr val="accent1"/>
+  <a:schemeClr val="accent2"/>
+  <a:schemeClr val="accent3"/>
+  <a:schemeClr val="accent4"/>
+  <a:schemeClr val="accent5"/>
+  <a:schemeClr val="accent6"/>
+  <cs:variation/>
+  <cs:variation>
+    <a:lumMod val="60000"/>
+  </cs:variation>
+  <cs:variation>
+    <a:lumMod val="80000"/>
+    <a:lumOff val="20000"/>
+  </cs:variation>
+  <cs:variation>
+    <a:lumMod val="80000"/>
+  </cs:variation>
+  <cs:variation>
+    <a:lumMod val="60000"/>
+    <a:lumOff val="40000"/>
+  </cs:variation>
+  <cs:variation>
+    <a:lumMod val="50000"/>
+  </cs:variation>
+  <cs:variation>
+    <a:lumMod val="70000"/>
+    <a:lumOff val="30000"/>
+  </cs:variation>
+  <cs:variation>
+    <a:lumMod val="70000"/>
+  </cs:variation>
+  <cs:variation>
+    <a:lumMod val="50000"/>
+    <a:lumOff val="50000"/>
+  </cs:variation>
+</cs:colorStyle>
+</file>
+
+<file path=ppt/charts/colors2.xml><?xml version="1.0" encoding="utf-8"?>
+<cs:colorStyle xmlns:cs="http://schemas.microsoft.com/office/drawing/2012/chartStyle" xmlns:a="http://schemas.openxmlformats.org/drawingml/2006/main" meth="cycle" id="10">
+  <a:schemeClr val="accent1"/>
+  <a:schemeClr val="accent2"/>
+  <a:schemeClr val="accent3"/>
+  <a:schemeClr val="accent4"/>
+  <a:schemeClr val="accent5"/>
+  <a:schemeClr val="accent6"/>
+  <cs:variation/>
+  <cs:variation>
+    <a:lumMod val="60000"/>
+  </cs:variation>
+  <cs:variation>
+    <a:lumMod val="80000"/>
+    <a:lumOff val="20000"/>
+  </cs:variation>
+  <cs:variation>
+    <a:lumMod val="80000"/>
+  </cs:variation>
+  <cs:variation>
+    <a:lumMod val="60000"/>
+    <a:lumOff val="40000"/>
+  </cs:variation>
+  <cs:variation>
+    <a:lumMod val="50000"/>
+  </cs:variation>
+  <cs:variation>
+    <a:lumMod val="70000"/>
+    <a:lumOff val="30000"/>
+  </cs:variation>
+  <cs:variation>
+    <a:lumMod val="70000"/>
+  </cs:variation>
+  <cs:variation>
+    <a:lumMod val="50000"/>
+    <a:lumOff val="50000"/>
+  </cs:variation>
+</cs:colorStyle>
+</file>
+
+<file path=ppt/charts/colors3.xml><?xml version="1.0" encoding="utf-8"?>
+<cs:colorStyle xmlns:cs="http://schemas.microsoft.com/office/drawing/2012/chartStyle" xmlns:a="http://schemas.openxmlformats.org/drawingml/2006/main" meth="cycle" id="10">
+  <a:schemeClr val="accent1"/>
+  <a:schemeClr val="accent2"/>
+  <a:schemeClr val="accent3"/>
+  <a:schemeClr val="accent4"/>
+  <a:schemeClr val="accent5"/>
+  <a:schemeClr val="accent6"/>
+  <cs:variation/>
+  <cs:variation>
+    <a:lumMod val="60000"/>
+  </cs:variation>
+  <cs:variation>
+    <a:lumMod val="80000"/>
+    <a:lumOff val="20000"/>
+  </cs:variation>
+  <cs:variation>
+    <a:lumMod val="80000"/>
+  </cs:variation>
+  <cs:variation>
+    <a:lumMod val="60000"/>
+    <a:lumOff val="40000"/>
+  </cs:variation>
+  <cs:variation>
+    <a:lumMod val="50000"/>
+  </cs:variation>
+  <cs:variation>
+    <a:lumMod val="70000"/>
+    <a:lumOff val="30000"/>
+  </cs:variation>
+  <cs:variation>
+    <a:lumMod val="70000"/>
+  </cs:variation>
+  <cs:variation>
+    <a:lumMod val="50000"/>
+    <a:lumOff val="50000"/>
+  </cs:variation>
+</cs:colorStyle>
+</file>
+
+<file path=ppt/charts/style1.xml><?xml version="1.0" encoding="utf-8"?>
+<cs:chartStyle xmlns:cs="http://schemas.microsoft.com/office/drawing/2012/chartStyle" xmlns:a="http://schemas.openxmlformats.org/drawingml/2006/main" id="251">
+  <cs:axisTitle>
+    <cs:lnRef idx="0"/>
+    <cs:fillRef idx="0"/>
+    <cs:effectRef idx="0"/>
+    <cs:fontRef idx="minor">
+      <a:schemeClr val="tx1">
+        <a:lumMod val="65000"/>
+        <a:lumOff val="35000"/>
+      </a:schemeClr>
+    </cs:fontRef>
+    <cs:defRPr sz="1330" kern="1200"/>
+  </cs:axisTitle>
+  <cs:categoryAxis>
+    <cs:lnRef idx="0"/>
+    <cs:fillRef idx="0"/>
+    <cs:effectRef idx="0"/>
+    <cs:fontRef idx="minor">
+      <a:schemeClr val="tx1">
+        <a:lumMod val="65000"/>
+        <a:lumOff val="35000"/>
+      </a:schemeClr>
+    </cs:fontRef>
+    <cs:spPr>
+      <a:ln w="9525" cap="flat" cmpd="sng" algn="ctr">
+        <a:solidFill>
+          <a:schemeClr val="tx1">
+            <a:lumMod val="15000"/>
+            <a:lumOff val="85000"/>
+          </a:schemeClr>
+        </a:solidFill>
+        <a:round/>
+      </a:ln>
+    </cs:spPr>
+    <cs:defRPr sz="1197" kern="1200"/>
+  </cs:categoryAxis>
+  <cs:chartArea mods="allowNoFillOverride allowNoLineOverride">
+    <cs:lnRef idx="0"/>
+    <cs:fillRef idx="0"/>
+    <cs:effectRef idx="0"/>
+    <cs:fontRef idx="minor">
+      <a:schemeClr val="tx1"/>
+    </cs:fontRef>
+    <cs:spPr>
+      <a:solidFill>
+        <a:schemeClr val="bg1"/>
+      </a:solidFill>
+      <a:ln w="9525" cap="flat" cmpd="sng" algn="ctr">
+        <a:solidFill>
+          <a:schemeClr val="tx1">
+            <a:lumMod val="15000"/>
+            <a:lumOff val="85000"/>
+          </a:schemeClr>
+        </a:solidFill>
+        <a:round/>
+      </a:ln>
+    </cs:spPr>
+    <cs:defRPr sz="1197" kern="1200"/>
+  </cs:chartArea>
+  <cs:dataLabel>
+    <cs:lnRef idx="0"/>
+    <cs:fillRef idx="0"/>
+    <cs:effectRef idx="0"/>
+    <cs:fontRef idx="minor">
+      <a:schemeClr val="tx1">
+        <a:lumMod val="75000"/>
+        <a:lumOff val="25000"/>
+      </a:schemeClr>
+    </cs:fontRef>
+    <cs:defRPr sz="1197" kern="1200"/>
+  </cs:dataLabel>
+  <cs:dataLabelCallout>
+    <cs:lnRef idx="0"/>
+    <cs:fillRef idx="0"/>
+    <cs:effectRef idx="0"/>
+    <cs:fontRef idx="minor">
+      <a:schemeClr val="dk1">
+        <a:lumMod val="65000"/>
+        <a:lumOff val="35000"/>
+      </a:schemeClr>
+    </cs:fontRef>
+    <cs:spPr>
+      <a:solidFill>
+        <a:schemeClr val="lt1"/>
+      </a:solidFill>
+      <a:ln>
+        <a:solidFill>
+          <a:schemeClr val="dk1">
+            <a:lumMod val="25000"/>
+            <a:lumOff val="75000"/>
+          </a:schemeClr>
+        </a:solidFill>
+      </a:ln>
+    </cs:spPr>
+    <cs:defRPr sz="1197" kern="1200"/>
+    <cs:bodyPr rot="0" spcFirstLastPara="1" vertOverflow="clip" horzOverflow="clip" vert="horz" wrap="square" lIns="36576" tIns="18288" rIns="36576" bIns="18288" anchor="ctr" anchorCtr="1">
+      <a:spAutoFit/>
+    </cs:bodyPr>
+  </cs:dataLabelCallout>
+  <cs:dataPoint>
+    <cs:lnRef idx="0"/>
+    <cs:fillRef idx="1">
+      <cs:styleClr val="auto"/>
+    </cs:fillRef>
+    <cs:effectRef idx="0"/>
+    <cs:fontRef idx="minor">
+      <a:schemeClr val="tx1"/>
+    </cs:fontRef>
+    <cs:spPr>
+      <a:ln w="19050">
+        <a:solidFill>
+          <a:schemeClr val="lt1"/>
+        </a:solidFill>
+      </a:ln>
+    </cs:spPr>
+  </cs:dataPoint>
+  <cs:dataPoint3D>
+    <cs:lnRef idx="0"/>
+    <cs:fillRef idx="1">
+      <cs:styleClr val="auto"/>
+    </cs:fillRef>
+    <cs:effectRef idx="0"/>
+    <cs:fontRef idx="minor">
+      <a:schemeClr val="tx1"/>
+    </cs:fontRef>
+    <cs:spPr>
+      <a:ln w="25400">
+        <a:solidFill>
+          <a:schemeClr val="lt1"/>
+        </a:solidFill>
+      </a:ln>
+    </cs:spPr>
+  </cs:dataPoint3D>
+  <cs:dataPointLine>
+    <cs:lnRef idx="0">
+      <cs:styleClr val="auto"/>
+    </cs:lnRef>
+    <cs:fillRef idx="0"/>
+    <cs:effectRef idx="0"/>
+    <cs:fontRef idx="minor">
+      <a:schemeClr val="tx1"/>
+    </cs:fontRef>
+    <cs:spPr>
+      <a:ln w="28575" cap="rnd">
+        <a:solidFill>
+          <a:schemeClr val="phClr"/>
+        </a:solidFill>
+        <a:round/>
+      </a:ln>
+    </cs:spPr>
+  </cs:dataPointLine>
+  <cs:dataPointMarker>
+    <cs:lnRef idx="0">
+      <cs:styleClr val="auto"/>
+    </cs:lnRef>
+    <cs:fillRef idx="1">
+      <cs:styleClr val="auto"/>
+    </cs:fillRef>
+    <cs:effectRef idx="0"/>
+    <cs:fontRef idx="minor">
+      <a:schemeClr val="tx1"/>
+    </cs:fontRef>
+    <cs:spPr>
+      <a:ln w="9525">
+        <a:solidFill>
+          <a:schemeClr val="phClr"/>
+        </a:solidFill>
+      </a:ln>
+    </cs:spPr>
+  </cs:dataPointMarker>
+  <cs:dataPointMarkerLayout symbol="circle" size="5"/>
+  <cs:dataPointWireframe>
+    <cs:lnRef idx="0">
+      <cs:styleClr val="auto"/>
+    </cs:lnRef>
+    <cs:fillRef idx="0"/>
+    <cs:effectRef idx="0"/>
+    <cs:fontRef idx="minor">
+      <a:schemeClr val="tx1"/>
+    </cs:fontRef>
+    <cs:spPr>
+      <a:ln w="9525" cap="rnd">
+        <a:solidFill>
+          <a:schemeClr val="phClr"/>
+        </a:solidFill>
+        <a:round/>
+      </a:ln>
+    </cs:spPr>
+  </cs:dataPointWireframe>
+  <cs:dataTable>
+    <cs:lnRef idx="0"/>
+    <cs:fillRef idx="0"/>
+    <cs:effectRef idx="0"/>
+    <cs:fontRef idx="minor">
+      <a:schemeClr val="tx1">
+        <a:lumMod val="65000"/>
+        <a:lumOff val="35000"/>
+      </a:schemeClr>
+    </cs:fontRef>
+    <cs:spPr>
+      <a:noFill/>
+      <a:ln w="9525" cap="flat" cmpd="sng" algn="ctr">
+        <a:solidFill>
+          <a:schemeClr val="tx1">
+            <a:lumMod val="15000"/>
+            <a:lumOff val="85000"/>
+          </a:schemeClr>
+        </a:solidFill>
+        <a:round/>
+      </a:ln>
+    </cs:spPr>
+    <cs:defRPr sz="1197" kern="1200"/>
+  </cs:dataTable>
+  <cs:downBar>
+    <cs:lnRef idx="0"/>
+    <cs:fillRef idx="0"/>
+    <cs:effectRef idx="0"/>
+    <cs:fontRef idx="minor">
+      <a:schemeClr val="tx1"/>
+    </cs:fontRef>
+    <cs:spPr>
+      <a:solidFill>
+        <a:schemeClr val="dk1">
+          <a:lumMod val="75000"/>
+          <a:lumOff val="25000"/>
+        </a:schemeClr>
+      </a:solidFill>
+      <a:ln w="9525" cap="flat" cmpd="sng" algn="ctr">
+        <a:solidFill>
+          <a:schemeClr val="tx1">
+            <a:lumMod val="65000"/>
+            <a:lumOff val="35000"/>
+          </a:schemeClr>
+        </a:solidFill>
+        <a:round/>
+      </a:ln>
+    </cs:spPr>
+  </cs:downBar>
+  <cs:dropLine>
+    <cs:lnRef idx="0"/>
+    <cs:fillRef idx="0"/>
+    <cs:effectRef idx="0"/>
+    <cs:fontRef idx="minor">
+      <a:schemeClr val="tx1"/>
+    </cs:fontRef>
+    <cs:spPr>
+      <a:ln w="9525" cap="flat" cmpd="sng" algn="ctr">
+        <a:solidFill>
+          <a:schemeClr val="tx1">
+            <a:lumMod val="35000"/>
+            <a:lumOff val="65000"/>
+          </a:schemeClr>
+        </a:solidFill>
+        <a:round/>
+      </a:ln>
+    </cs:spPr>
+  </cs:dropLine>
+  <cs:errorBar>
+    <cs:lnRef idx="0"/>
+    <cs:fillRef idx="0"/>
+    <cs:effectRef idx="0"/>
+    <cs:fontRef idx="minor">
+      <a:schemeClr val="tx1"/>
+    </cs:fontRef>
+    <cs:spPr>
+      <a:ln w="9525" cap="flat" cmpd="sng" algn="ctr">
+        <a:solidFill>
+          <a:schemeClr val="tx1">
+            <a:lumMod val="65000"/>
+            <a:lumOff val="35000"/>
+          </a:schemeClr>
+        </a:solidFill>
+        <a:round/>
+      </a:ln>
+    </cs:spPr>
+  </cs:errorBar>
+  <cs:floor>
+    <cs:lnRef idx="0"/>
+    <cs:fillRef idx="0"/>
+    <cs:effectRef idx="0"/>
+    <cs:fontRef idx="minor">
+      <a:schemeClr val="tx1"/>
+    </cs:fontRef>
+    <cs:spPr>
+      <a:noFill/>
+      <a:ln>
+        <a:noFill/>
+      </a:ln>
+    </cs:spPr>
+  </cs:floor>
+  <cs:gridlineMajor>
+    <cs:lnRef idx="0"/>
+    <cs:fillRef idx="0"/>
+    <cs:effectRef idx="0"/>
+    <cs:fontRef idx="minor">
+      <a:schemeClr val="tx1"/>
+    </cs:fontRef>
+    <cs:spPr>
+      <a:ln w="9525" cap="flat" cmpd="sng" algn="ctr">
+        <a:solidFill>
+          <a:schemeClr val="tx1">
+            <a:lumMod val="15000"/>
+            <a:lumOff val="85000"/>
+          </a:schemeClr>
+        </a:solidFill>
+        <a:round/>
+      </a:ln>
+    </cs:spPr>
+  </cs:gridlineMajor>
+  <cs:gridlineMinor>
+    <cs:lnRef idx="0"/>
+    <cs:fillRef idx="0"/>
+    <cs:effectRef idx="0"/>
+    <cs:fontRef idx="minor">
+      <a:schemeClr val="tx1"/>
+    </cs:fontRef>
+    <cs:spPr>
+      <a:ln w="9525" cap="flat" cmpd="sng" algn="ctr">
+        <a:solidFill>
+          <a:schemeClr val="tx1">
+            <a:lumMod val="5000"/>
+            <a:lumOff val="95000"/>
+          </a:schemeClr>
+        </a:solidFill>
+        <a:round/>
+      </a:ln>
+    </cs:spPr>
+  </cs:gridlineMinor>
+  <cs:hiLoLine>
+    <cs:lnRef idx="0"/>
+    <cs:fillRef idx="0"/>
+    <cs:effectRef idx="0"/>
+    <cs:fontRef idx="minor">
+      <a:schemeClr val="tx1"/>
+    </cs:fontRef>
+    <cs:spPr>
+      <a:ln w="9525" cap="flat" cmpd="sng" algn="ctr">
+        <a:solidFill>
+          <a:schemeClr val="tx1">
+            <a:lumMod val="50000"/>
+            <a:lumOff val="50000"/>
+          </a:schemeClr>
+        </a:solidFill>
+        <a:round/>
+      </a:ln>
+    </cs:spPr>
+  </cs:hiLoLine>
+  <cs:leaderLine>
+    <cs:lnRef idx="0"/>
+    <cs:fillRef idx="0"/>
+    <cs:effectRef idx="0"/>
+    <cs:fontRef idx="minor">
+      <a:schemeClr val="tx1"/>
+    </cs:fontRef>
+    <cs:spPr>
+      <a:ln w="9525" cap="flat" cmpd="sng" algn="ctr">
+        <a:solidFill>
+          <a:schemeClr val="tx1">
+            <a:lumMod val="35000"/>
+            <a:lumOff val="65000"/>
+          </a:schemeClr>
+        </a:solidFill>
+        <a:round/>
+      </a:ln>
+    </cs:spPr>
+  </cs:leaderLine>
+  <cs:legend>
+    <cs:lnRef idx="0"/>
+    <cs:fillRef idx="0"/>
+    <cs:effectRef idx="0"/>
+    <cs:fontRef idx="minor">
+      <a:schemeClr val="tx1">
+        <a:lumMod val="65000"/>
+        <a:lumOff val="35000"/>
+      </a:schemeClr>
+    </cs:fontRef>
+    <cs:defRPr sz="1197" kern="1200"/>
+  </cs:legend>
+  <cs:plotArea mods="allowNoFillOverride allowNoLineOverride">
+    <cs:lnRef idx="0"/>
+    <cs:fillRef idx="0"/>
+    <cs:effectRef idx="0"/>
+    <cs:fontRef idx="minor">
+      <a:schemeClr val="tx1"/>
+    </cs:fontRef>
+  </cs:plotArea>
+  <cs:plotArea3D mods="allowNoFillOverride allowNoLineOverride">
+    <cs:lnRef idx="0"/>
+    <cs:fillRef idx="0"/>
+    <cs:effectRef idx="0"/>
+    <cs:fontRef idx="minor">
+      <a:schemeClr val="tx1"/>
+    </cs:fontRef>
+  </cs:plotArea3D>
+  <cs:seriesAxis>
+    <cs:lnRef idx="0"/>
+    <cs:fillRef idx="0"/>
+    <cs:effectRef idx="0"/>
+    <cs:fontRef idx="minor">
+      <a:schemeClr val="tx1">
+        <a:lumMod val="65000"/>
+        <a:lumOff val="35000"/>
+      </a:schemeClr>
+    </cs:fontRef>
+    <cs:defRPr sz="1197" kern="1200"/>
+  </cs:seriesAxis>
+  <cs:seriesLine>
+    <cs:lnRef idx="0"/>
+    <cs:fillRef idx="0"/>
+    <cs:effectRef idx="0"/>
+    <cs:fontRef idx="minor">
+      <a:schemeClr val="tx1"/>
+    </cs:fontRef>
+    <cs:spPr>
+      <a:ln w="9525" cap="flat" cmpd="sng" algn="ctr">
+        <a:solidFill>
+          <a:schemeClr val="tx1">
+            <a:lumMod val="35000"/>
+            <a:lumOff val="65000"/>
+          </a:schemeClr>
+        </a:solidFill>
+        <a:round/>
+      </a:ln>
+    </cs:spPr>
+  </cs:seriesLine>
+  <cs:title>
+    <cs:lnRef idx="0"/>
+    <cs:fillRef idx="0"/>
+    <cs:effectRef idx="0"/>
+    <cs:fontRef idx="minor">
+      <a:schemeClr val="tx1">
+        <a:lumMod val="65000"/>
+        <a:lumOff val="35000"/>
+      </a:schemeClr>
+    </cs:fontRef>
+    <cs:defRPr sz="1862" b="0" kern="1200" spc="0" baseline="0"/>
+  </cs:title>
+  <cs:trendline>
+    <cs:lnRef idx="0">
+      <cs:styleClr val="auto"/>
+    </cs:lnRef>
+    <cs:fillRef idx="0"/>
+    <cs:effectRef idx="0"/>
+    <cs:fontRef idx="minor">
+      <a:schemeClr val="tx1"/>
+    </cs:fontRef>
+    <cs:spPr>
+      <a:ln w="19050" cap="rnd">
+        <a:solidFill>
+          <a:schemeClr val="phClr"/>
+        </a:solidFill>
+        <a:prstDash val="sysDot"/>
+      </a:ln>
+    </cs:spPr>
+  </cs:trendline>
+  <cs:trendlineLabel>
+    <cs:lnRef idx="0"/>
+    <cs:fillRef idx="0"/>
+    <cs:effectRef idx="0"/>
+    <cs:fontRef idx="minor">
+      <a:schemeClr val="tx1">
+        <a:lumMod val="65000"/>
+        <a:lumOff val="35000"/>
+      </a:schemeClr>
+    </cs:fontRef>
+    <cs:defRPr sz="1197" kern="1200"/>
+  </cs:trendlineLabel>
+  <cs:upBar>
+    <cs:lnRef idx="0"/>
+    <cs:fillRef idx="0"/>
+    <cs:effectRef idx="0"/>
+    <cs:fontRef idx="minor">
+      <a:schemeClr val="tx1"/>
+    </cs:fontRef>
+    <cs:spPr>
+      <a:solidFill>
+        <a:schemeClr val="lt1"/>
+      </a:solidFill>
+      <a:ln w="9525" cap="flat" cmpd="sng" algn="ctr">
+        <a:solidFill>
+          <a:schemeClr val="tx1">
+            <a:lumMod val="65000"/>
+            <a:lumOff val="35000"/>
+          </a:schemeClr>
+        </a:solidFill>
+        <a:round/>
+      </a:ln>
+    </cs:spPr>
+  </cs:upBar>
+  <cs:valueAxis>
+    <cs:lnRef idx="0"/>
+    <cs:fillRef idx="0"/>
+    <cs:effectRef idx="0"/>
+    <cs:fontRef idx="minor">
+      <a:schemeClr val="tx1">
+        <a:lumMod val="65000"/>
+        <a:lumOff val="35000"/>
+      </a:schemeClr>
+    </cs:fontRef>
+    <cs:defRPr sz="1197" kern="1200"/>
+  </cs:valueAxis>
+  <cs:wall>
+    <cs:lnRef idx="0"/>
+    <cs:fillRef idx="0"/>
+    <cs:effectRef idx="0"/>
+    <cs:fontRef idx="minor">
+      <a:schemeClr val="tx1"/>
+    </cs:fontRef>
+    <cs:spPr>
+      <a:noFill/>
+      <a:ln>
+        <a:noFill/>
+      </a:ln>
+    </cs:spPr>
+  </cs:wall>
+</cs:chartStyle>
+</file>
+
+<file path=ppt/charts/style2.xml><?xml version="1.0" encoding="utf-8"?>
+<cs:chartStyle xmlns:cs="http://schemas.microsoft.com/office/drawing/2012/chartStyle" xmlns:a="http://schemas.openxmlformats.org/drawingml/2006/main" id="251">
+  <cs:axisTitle>
+    <cs:lnRef idx="0"/>
+    <cs:fillRef idx="0"/>
+    <cs:effectRef idx="0"/>
+    <cs:fontRef idx="minor">
+      <a:schemeClr val="tx1">
+        <a:lumMod val="65000"/>
+        <a:lumOff val="35000"/>
+      </a:schemeClr>
+    </cs:fontRef>
+    <cs:defRPr sz="1330" kern="1200"/>
+  </cs:axisTitle>
+  <cs:categoryAxis>
+    <cs:lnRef idx="0"/>
+    <cs:fillRef idx="0"/>
+    <cs:effectRef idx="0"/>
+    <cs:fontRef idx="minor">
+      <a:schemeClr val="tx1">
+        <a:lumMod val="65000"/>
+        <a:lumOff val="35000"/>
+      </a:schemeClr>
+    </cs:fontRef>
+    <cs:spPr>
+      <a:ln w="9525" cap="flat" cmpd="sng" algn="ctr">
+        <a:solidFill>
+          <a:schemeClr val="tx1">
+            <a:lumMod val="15000"/>
+            <a:lumOff val="85000"/>
+          </a:schemeClr>
+        </a:solidFill>
+        <a:round/>
+      </a:ln>
+    </cs:spPr>
+    <cs:defRPr sz="1197" kern="1200"/>
+  </cs:categoryAxis>
+  <cs:chartArea mods="allowNoFillOverride allowNoLineOverride">
+    <cs:lnRef idx="0"/>
+    <cs:fillRef idx="0"/>
+    <cs:effectRef idx="0"/>
+    <cs:fontRef idx="minor">
+      <a:schemeClr val="tx1"/>
+    </cs:fontRef>
+    <cs:spPr>
+      <a:solidFill>
+        <a:schemeClr val="bg1"/>
+      </a:solidFill>
+      <a:ln w="9525" cap="flat" cmpd="sng" algn="ctr">
+        <a:solidFill>
+          <a:schemeClr val="tx1">
+            <a:lumMod val="15000"/>
+            <a:lumOff val="85000"/>
+          </a:schemeClr>
+        </a:solidFill>
+        <a:round/>
+      </a:ln>
+    </cs:spPr>
+    <cs:defRPr sz="1197" kern="1200"/>
+  </cs:chartArea>
+  <cs:dataLabel>
+    <cs:lnRef idx="0"/>
+    <cs:fillRef idx="0"/>
+    <cs:effectRef idx="0"/>
+    <cs:fontRef idx="minor">
+      <a:schemeClr val="tx1">
+        <a:lumMod val="75000"/>
+        <a:lumOff val="25000"/>
+      </a:schemeClr>
+    </cs:fontRef>
+    <cs:defRPr sz="1197" kern="1200"/>
+  </cs:dataLabel>
+  <cs:dataLabelCallout>
+    <cs:lnRef idx="0"/>
+    <cs:fillRef idx="0"/>
+    <cs:effectRef idx="0"/>
+    <cs:fontRef idx="minor">
+      <a:schemeClr val="dk1">
+        <a:lumMod val="65000"/>
+        <a:lumOff val="35000"/>
+      </a:schemeClr>
+    </cs:fontRef>
+    <cs:spPr>
+      <a:solidFill>
+        <a:schemeClr val="lt1"/>
+      </a:solidFill>
+      <a:ln>
+        <a:solidFill>
+          <a:schemeClr val="dk1">
+            <a:lumMod val="25000"/>
+            <a:lumOff val="75000"/>
+          </a:schemeClr>
+        </a:solidFill>
+      </a:ln>
+    </cs:spPr>
+    <cs:defRPr sz="1197" kern="1200"/>
+    <cs:bodyPr rot="0" spcFirstLastPara="1" vertOverflow="clip" horzOverflow="clip" vert="horz" wrap="square" lIns="36576" tIns="18288" rIns="36576" bIns="18288" anchor="ctr" anchorCtr="1">
+      <a:spAutoFit/>
+    </cs:bodyPr>
+  </cs:dataLabelCallout>
+  <cs:dataPoint>
+    <cs:lnRef idx="0"/>
+    <cs:fillRef idx="1">
+      <cs:styleClr val="auto"/>
+    </cs:fillRef>
+    <cs:effectRef idx="0"/>
+    <cs:fontRef idx="minor">
+      <a:schemeClr val="tx1"/>
+    </cs:fontRef>
+    <cs:spPr>
+      <a:ln w="19050">
+        <a:solidFill>
+          <a:schemeClr val="lt1"/>
+        </a:solidFill>
+      </a:ln>
+    </cs:spPr>
+  </cs:dataPoint>
+  <cs:dataPoint3D>
+    <cs:lnRef idx="0"/>
+    <cs:fillRef idx="1">
+      <cs:styleClr val="auto"/>
+    </cs:fillRef>
+    <cs:effectRef idx="0"/>
+    <cs:fontRef idx="minor">
+      <a:schemeClr val="tx1"/>
+    </cs:fontRef>
+    <cs:spPr>
+      <a:ln w="25400">
+        <a:solidFill>
+          <a:schemeClr val="lt1"/>
+        </a:solidFill>
+      </a:ln>
+    </cs:spPr>
+  </cs:dataPoint3D>
+  <cs:dataPointLine>
+    <cs:lnRef idx="0">
+      <cs:styleClr val="auto"/>
+    </cs:lnRef>
+    <cs:fillRef idx="0"/>
+    <cs:effectRef idx="0"/>
+    <cs:fontRef idx="minor">
+      <a:schemeClr val="tx1"/>
+    </cs:fontRef>
+    <cs:spPr>
+      <a:ln w="28575" cap="rnd">
+        <a:solidFill>
+          <a:schemeClr val="phClr"/>
+        </a:solidFill>
+        <a:round/>
+      </a:ln>
+    </cs:spPr>
+  </cs:dataPointLine>
+  <cs:dataPointMarker>
+    <cs:lnRef idx="0">
+      <cs:styleClr val="auto"/>
+    </cs:lnRef>
+    <cs:fillRef idx="1">
+      <cs:styleClr val="auto"/>
+    </cs:fillRef>
+    <cs:effectRef idx="0"/>
+    <cs:fontRef idx="minor">
+      <a:schemeClr val="tx1"/>
+    </cs:fontRef>
+    <cs:spPr>
+      <a:ln w="9525">
+        <a:solidFill>
+          <a:schemeClr val="phClr"/>
+        </a:solidFill>
+      </a:ln>
+    </cs:spPr>
+  </cs:dataPointMarker>
+  <cs:dataPointMarkerLayout symbol="circle" size="5"/>
+  <cs:dataPointWireframe>
+    <cs:lnRef idx="0">
+      <cs:styleClr val="auto"/>
+    </cs:lnRef>
+    <cs:fillRef idx="0"/>
+    <cs:effectRef idx="0"/>
+    <cs:fontRef idx="minor">
+      <a:schemeClr val="tx1"/>
+    </cs:fontRef>
+    <cs:spPr>
+      <a:ln w="9525" cap="rnd">
+        <a:solidFill>
+          <a:schemeClr val="phClr"/>
+        </a:solidFill>
+        <a:round/>
+      </a:ln>
+    </cs:spPr>
+  </cs:dataPointWireframe>
+  <cs:dataTable>
+    <cs:lnRef idx="0"/>
+    <cs:fillRef idx="0"/>
+    <cs:effectRef idx="0"/>
+    <cs:fontRef idx="minor">
+      <a:schemeClr val="tx1">
+        <a:lumMod val="65000"/>
+        <a:lumOff val="35000"/>
+      </a:schemeClr>
+    </cs:fontRef>
+    <cs:spPr>
+      <a:noFill/>
+      <a:ln w="9525" cap="flat" cmpd="sng" algn="ctr">
+        <a:solidFill>
+          <a:schemeClr val="tx1">
+            <a:lumMod val="15000"/>
+            <a:lumOff val="85000"/>
+          </a:schemeClr>
+        </a:solidFill>
+        <a:round/>
+      </a:ln>
+    </cs:spPr>
+    <cs:defRPr sz="1197" kern="1200"/>
+  </cs:dataTable>
+  <cs:downBar>
+    <cs:lnRef idx="0"/>
+    <cs:fillRef idx="0"/>
+    <cs:effectRef idx="0"/>
+    <cs:fontRef idx="minor">
+      <a:schemeClr val="tx1"/>
+    </cs:fontRef>
+    <cs:spPr>
+      <a:solidFill>
+        <a:schemeClr val="dk1">
+          <a:lumMod val="75000"/>
+          <a:lumOff val="25000"/>
+        </a:schemeClr>
+      </a:solidFill>
+      <a:ln w="9525" cap="flat" cmpd="sng" algn="ctr">
+        <a:solidFill>
+          <a:schemeClr val="tx1">
+            <a:lumMod val="65000"/>
+            <a:lumOff val="35000"/>
+          </a:schemeClr>
+        </a:solidFill>
+        <a:round/>
+      </a:ln>
+    </cs:spPr>
+  </cs:downBar>
+  <cs:dropLine>
+    <cs:lnRef idx="0"/>
+    <cs:fillRef idx="0"/>
+    <cs:effectRef idx="0"/>
+    <cs:fontRef idx="minor">
+      <a:schemeClr val="tx1"/>
+    </cs:fontRef>
+    <cs:spPr>
+      <a:ln w="9525" cap="flat" cmpd="sng" algn="ctr">
+        <a:solidFill>
+          <a:schemeClr val="tx1">
+            <a:lumMod val="35000"/>
+            <a:lumOff val="65000"/>
+          </a:schemeClr>
+        </a:solidFill>
+        <a:round/>
+      </a:ln>
+    </cs:spPr>
+  </cs:dropLine>
+  <cs:errorBar>
+    <cs:lnRef idx="0"/>
+    <cs:fillRef idx="0"/>
+    <cs:effectRef idx="0"/>
+    <cs:fontRef idx="minor">
+      <a:schemeClr val="tx1"/>
+    </cs:fontRef>
+    <cs:spPr>
+      <a:ln w="9525" cap="flat" cmpd="sng" algn="ctr">
+        <a:solidFill>
+          <a:schemeClr val="tx1">
+            <a:lumMod val="65000"/>
+            <a:lumOff val="35000"/>
+          </a:schemeClr>
+        </a:solidFill>
+        <a:round/>
+      </a:ln>
+    </cs:spPr>
+  </cs:errorBar>
+  <cs:floor>
+    <cs:lnRef idx="0"/>
+    <cs:fillRef idx="0"/>
+    <cs:effectRef idx="0"/>
+    <cs:fontRef idx="minor">
+      <a:schemeClr val="tx1"/>
+    </cs:fontRef>
+    <cs:spPr>
+      <a:noFill/>
+      <a:ln>
+        <a:noFill/>
+      </a:ln>
+    </cs:spPr>
+  </cs:floor>
+  <cs:gridlineMajor>
+    <cs:lnRef idx="0"/>
+    <cs:fillRef idx="0"/>
+    <cs:effectRef idx="0"/>
+    <cs:fontRef idx="minor">
+      <a:schemeClr val="tx1"/>
+    </cs:fontRef>
+    <cs:spPr>
+      <a:ln w="9525" cap="flat" cmpd="sng" algn="ctr">
+        <a:solidFill>
+          <a:schemeClr val="tx1">
+            <a:lumMod val="15000"/>
+            <a:lumOff val="85000"/>
+          </a:schemeClr>
+        </a:solidFill>
+        <a:round/>
+      </a:ln>
+    </cs:spPr>
+  </cs:gridlineMajor>
+  <cs:gridlineMinor>
+    <cs:lnRef idx="0"/>
+    <cs:fillRef idx="0"/>
+    <cs:effectRef idx="0"/>
+    <cs:fontRef idx="minor">
+      <a:schemeClr val="tx1"/>
+    </cs:fontRef>
+    <cs:spPr>
+      <a:ln w="9525" cap="flat" cmpd="sng" algn="ctr">
+        <a:solidFill>
+          <a:schemeClr val="tx1">
+            <a:lumMod val="5000"/>
+            <a:lumOff val="95000"/>
+          </a:schemeClr>
+        </a:solidFill>
+        <a:round/>
+      </a:ln>
+    </cs:spPr>
+  </cs:gridlineMinor>
+  <cs:hiLoLine>
+    <cs:lnRef idx="0"/>
+    <cs:fillRef idx="0"/>
+    <cs:effectRef idx="0"/>
+    <cs:fontRef idx="minor">
+      <a:schemeClr val="tx1"/>
+    </cs:fontRef>
+    <cs:spPr>
+      <a:ln w="9525" cap="flat" cmpd="sng" algn="ctr">
+        <a:solidFill>
+          <a:schemeClr val="tx1">
+            <a:lumMod val="50000"/>
+            <a:lumOff val="50000"/>
+          </a:schemeClr>
+        </a:solidFill>
+        <a:round/>
+      </a:ln>
+    </cs:spPr>
+  </cs:hiLoLine>
+  <cs:leaderLine>
+    <cs:lnRef idx="0"/>
+    <cs:fillRef idx="0"/>
+    <cs:effectRef idx="0"/>
+    <cs:fontRef idx="minor">
+      <a:schemeClr val="tx1"/>
+    </cs:fontRef>
+    <cs:spPr>
+      <a:ln w="9525" cap="flat" cmpd="sng" algn="ctr">
+        <a:solidFill>
+          <a:schemeClr val="tx1">
+            <a:lumMod val="35000"/>
+            <a:lumOff val="65000"/>
+          </a:schemeClr>
+        </a:solidFill>
+        <a:round/>
+      </a:ln>
+    </cs:spPr>
+  </cs:leaderLine>
+  <cs:legend>
+    <cs:lnRef idx="0"/>
+    <cs:fillRef idx="0"/>
+    <cs:effectRef idx="0"/>
+    <cs:fontRef idx="minor">
+      <a:schemeClr val="tx1">
+        <a:lumMod val="65000"/>
+        <a:lumOff val="35000"/>
+      </a:schemeClr>
+    </cs:fontRef>
+    <cs:defRPr sz="1197" kern="1200"/>
+  </cs:legend>
+  <cs:plotArea mods="allowNoFillOverride allowNoLineOverride">
+    <cs:lnRef idx="0"/>
+    <cs:fillRef idx="0"/>
+    <cs:effectRef idx="0"/>
+    <cs:fontRef idx="minor">
+      <a:schemeClr val="tx1"/>
+    </cs:fontRef>
+  </cs:plotArea>
+  <cs:plotArea3D mods="allowNoFillOverride allowNoLineOverride">
+    <cs:lnRef idx="0"/>
+    <cs:fillRef idx="0"/>
+    <cs:effectRef idx="0"/>
+    <cs:fontRef idx="minor">
+      <a:schemeClr val="tx1"/>
+    </cs:fontRef>
+  </cs:plotArea3D>
+  <cs:seriesAxis>
+    <cs:lnRef idx="0"/>
+    <cs:fillRef idx="0"/>
+    <cs:effectRef idx="0"/>
+    <cs:fontRef idx="minor">
+      <a:schemeClr val="tx1">
+        <a:lumMod val="65000"/>
+        <a:lumOff val="35000"/>
+      </a:schemeClr>
+    </cs:fontRef>
+    <cs:defRPr sz="1197" kern="1200"/>
+  </cs:seriesAxis>
+  <cs:seriesLine>
+    <cs:lnRef idx="0"/>
+    <cs:fillRef idx="0"/>
+    <cs:effectRef idx="0"/>
+    <cs:fontRef idx="minor">
+      <a:schemeClr val="tx1"/>
+    </cs:fontRef>
+    <cs:spPr>
+      <a:ln w="9525" cap="flat" cmpd="sng" algn="ctr">
+        <a:solidFill>
+          <a:schemeClr val="tx1">
+            <a:lumMod val="35000"/>
+            <a:lumOff val="65000"/>
+          </a:schemeClr>
+        </a:solidFill>
+        <a:round/>
+      </a:ln>
+    </cs:spPr>
+  </cs:seriesLine>
+  <cs:title>
+    <cs:lnRef idx="0"/>
+    <cs:fillRef idx="0"/>
+    <cs:effectRef idx="0"/>
+    <cs:fontRef idx="minor">
+      <a:schemeClr val="tx1">
+        <a:lumMod val="65000"/>
+        <a:lumOff val="35000"/>
+      </a:schemeClr>
+    </cs:fontRef>
+    <cs:defRPr sz="1862" b="0" kern="1200" spc="0" baseline="0"/>
+  </cs:title>
+  <cs:trendline>
+    <cs:lnRef idx="0">
+      <cs:styleClr val="auto"/>
+    </cs:lnRef>
+    <cs:fillRef idx="0"/>
+    <cs:effectRef idx="0"/>
+    <cs:fontRef idx="minor">
+      <a:schemeClr val="tx1"/>
+    </cs:fontRef>
+    <cs:spPr>
+      <a:ln w="19050" cap="rnd">
+        <a:solidFill>
+          <a:schemeClr val="phClr"/>
+        </a:solidFill>
+        <a:prstDash val="sysDot"/>
+      </a:ln>
+    </cs:spPr>
+  </cs:trendline>
+  <cs:trendlineLabel>
+    <cs:lnRef idx="0"/>
+    <cs:fillRef idx="0"/>
+    <cs:effectRef idx="0"/>
+    <cs:fontRef idx="minor">
+      <a:schemeClr val="tx1">
+        <a:lumMod val="65000"/>
+        <a:lumOff val="35000"/>
+      </a:schemeClr>
+    </cs:fontRef>
+    <cs:defRPr sz="1197" kern="1200"/>
+  </cs:trendlineLabel>
+  <cs:upBar>
+    <cs:lnRef idx="0"/>
+    <cs:fillRef idx="0"/>
+    <cs:effectRef idx="0"/>
+    <cs:fontRef idx="minor">
+      <a:schemeClr val="tx1"/>
+    </cs:fontRef>
+    <cs:spPr>
+      <a:solidFill>
+        <a:schemeClr val="lt1"/>
+      </a:solidFill>
+      <a:ln w="9525" cap="flat" cmpd="sng" algn="ctr">
+        <a:solidFill>
+          <a:schemeClr val="tx1">
+            <a:lumMod val="65000"/>
+            <a:lumOff val="35000"/>
+          </a:schemeClr>
+        </a:solidFill>
+        <a:round/>
+      </a:ln>
+    </cs:spPr>
+  </cs:upBar>
+  <cs:valueAxis>
+    <cs:lnRef idx="0"/>
+    <cs:fillRef idx="0"/>
+    <cs:effectRef idx="0"/>
+    <cs:fontRef idx="minor">
+      <a:schemeClr val="tx1">
+        <a:lumMod val="65000"/>
+        <a:lumOff val="35000"/>
+      </a:schemeClr>
+    </cs:fontRef>
+    <cs:defRPr sz="1197" kern="1200"/>
+  </cs:valueAxis>
+  <cs:wall>
+    <cs:lnRef idx="0"/>
+    <cs:fillRef idx="0"/>
+    <cs:effectRef idx="0"/>
+    <cs:fontRef idx="minor">
+      <a:schemeClr val="tx1"/>
+    </cs:fontRef>
+    <cs:spPr>
+      <a:noFill/>
+      <a:ln>
+        <a:noFill/>
+      </a:ln>
+    </cs:spPr>
+  </cs:wall>
+</cs:chartStyle>
+</file>
+
+<file path=ppt/charts/style3.xml><?xml version="1.0" encoding="utf-8"?>
+<cs:chartStyle xmlns:cs="http://schemas.microsoft.com/office/drawing/2012/chartStyle" xmlns:a="http://schemas.openxmlformats.org/drawingml/2006/main" id="201">
+  <cs:axisTitle>
+    <cs:lnRef idx="0"/>
+    <cs:fillRef idx="0"/>
+    <cs:effectRef idx="0"/>
+    <cs:fontRef idx="minor">
+      <a:schemeClr val="tx1">
+        <a:lumMod val="65000"/>
+        <a:lumOff val="35000"/>
+      </a:schemeClr>
+    </cs:fontRef>
+    <cs:defRPr sz="1330" kern="1200"/>
+  </cs:axisTitle>
+  <cs:categoryAxis>
+    <cs:lnRef idx="0"/>
+    <cs:fillRef idx="0"/>
+    <cs:effectRef idx="0"/>
+    <cs:fontRef idx="minor">
+      <a:schemeClr val="tx1">
+        <a:lumMod val="65000"/>
+        <a:lumOff val="35000"/>
+      </a:schemeClr>
+    </cs:fontRef>
+    <cs:spPr>
+      <a:ln w="9525" cap="flat" cmpd="sng" algn="ctr">
+        <a:solidFill>
+          <a:schemeClr val="tx1">
+            <a:lumMod val="15000"/>
+            <a:lumOff val="85000"/>
+          </a:schemeClr>
+        </a:solidFill>
+        <a:round/>
+      </a:ln>
+    </cs:spPr>
+    <cs:defRPr sz="1197" kern="1200"/>
+  </cs:categoryAxis>
+  <cs:chartArea mods="allowNoFillOverride allowNoLineOverride">
+    <cs:lnRef idx="0"/>
+    <cs:fillRef idx="0"/>
+    <cs:effectRef idx="0"/>
+    <cs:fontRef idx="minor">
+      <a:schemeClr val="tx1"/>
+    </cs:fontRef>
+    <cs:spPr>
+      <a:solidFill>
+        <a:schemeClr val="bg1"/>
+      </a:solidFill>
+      <a:ln w="9525" cap="flat" cmpd="sng" algn="ctr">
+        <a:solidFill>
+          <a:schemeClr val="tx1">
+            <a:lumMod val="15000"/>
+            <a:lumOff val="85000"/>
+          </a:schemeClr>
+        </a:solidFill>
+        <a:round/>
+      </a:ln>
+    </cs:spPr>
+    <cs:defRPr sz="1330" kern="1200"/>
+  </cs:chartArea>
+  <cs:dataLabel>
+    <cs:lnRef idx="0"/>
+    <cs:fillRef idx="0"/>
+    <cs:effectRef idx="0"/>
+    <cs:fontRef idx="minor">
+      <a:schemeClr val="tx1">
+        <a:lumMod val="75000"/>
+        <a:lumOff val="25000"/>
+      </a:schemeClr>
+    </cs:fontRef>
+    <cs:defRPr sz="1197" kern="1200"/>
+  </cs:dataLabel>
+  <cs:dataLabelCallout>
+    <cs:lnRef idx="0"/>
+    <cs:fillRef idx="0"/>
+    <cs:effectRef idx="0"/>
+    <cs:fontRef idx="minor">
+      <a:schemeClr val="dk1">
+        <a:lumMod val="65000"/>
+        <a:lumOff val="35000"/>
+      </a:schemeClr>
+    </cs:fontRef>
+    <cs:spPr>
+      <a:solidFill>
+        <a:schemeClr val="lt1"/>
+      </a:solidFill>
+      <a:ln>
+        <a:solidFill>
+          <a:schemeClr val="dk1">
+            <a:lumMod val="25000"/>
+            <a:lumOff val="75000"/>
+          </a:schemeClr>
+        </a:solidFill>
+      </a:ln>
+    </cs:spPr>
+    <cs:defRPr sz="1197" kern="1200"/>
+    <cs:bodyPr rot="0" spcFirstLastPara="1" vertOverflow="clip" horzOverflow="clip" vert="horz" wrap="square" lIns="36576" tIns="18288" rIns="36576" bIns="18288" anchor="ctr" anchorCtr="1">
+      <a:spAutoFit/>
+    </cs:bodyPr>
+  </cs:dataLabelCallout>
+  <cs:dataPoint>
+    <cs:lnRef idx="0"/>
+    <cs:fillRef idx="1">
+      <cs:styleClr val="auto"/>
+    </cs:fillRef>
+    <cs:effectRef idx="0"/>
+    <cs:fontRef idx="minor">
+      <a:schemeClr val="tx1"/>
+    </cs:fontRef>
+  </cs:dataPoint>
+  <cs:dataPoint3D>
+    <cs:lnRef idx="0"/>
+    <cs:fillRef idx="1">
+      <cs:styleClr val="auto"/>
+    </cs:fillRef>
+    <cs:effectRef idx="0"/>
+    <cs:fontRef idx="minor">
+      <a:schemeClr val="tx1"/>
+    </cs:fontRef>
+  </cs:dataPoint3D>
+  <cs:dataPointLine>
+    <cs:lnRef idx="0">
+      <cs:styleClr val="auto"/>
+    </cs:lnRef>
+    <cs:fillRef idx="1"/>
+    <cs:effectRef idx="0"/>
+    <cs:fontRef idx="minor">
+      <a:schemeClr val="tx1"/>
+    </cs:fontRef>
+    <cs:spPr>
+      <a:ln w="28575" cap="rnd">
+        <a:solidFill>
+          <a:schemeClr val="phClr"/>
+        </a:solidFill>
+        <a:round/>
+      </a:ln>
+    </cs:spPr>
+  </cs:dataPointLine>
+  <cs:dataPointMarker>
+    <cs:lnRef idx="0">
+      <cs:styleClr val="auto"/>
+    </cs:lnRef>
+    <cs:fillRef idx="1">
+      <cs:styleClr val="auto"/>
+    </cs:fillRef>
+    <cs:effectRef idx="0"/>
+    <cs:fontRef idx="minor">
+      <a:schemeClr val="tx1"/>
+    </cs:fontRef>
+    <cs:spPr>
+      <a:ln w="9525">
+        <a:solidFill>
+          <a:schemeClr val="phClr"/>
+        </a:solidFill>
+      </a:ln>
+    </cs:spPr>
+  </cs:dataPointMarker>
+  <cs:dataPointMarkerLayout symbol="circle" size="5"/>
+  <cs:dataPointWireframe>
+    <cs:lnRef idx="0">
+      <cs:styleClr val="auto"/>
+    </cs:lnRef>
+    <cs:fillRef idx="1"/>
+    <cs:effectRef idx="0"/>
+    <cs:fontRef idx="minor">
+      <a:schemeClr val="tx1"/>
+    </cs:fontRef>
+    <cs:spPr>
+      <a:ln w="9525" cap="rnd">
+        <a:solidFill>
+          <a:schemeClr val="phClr"/>
+        </a:solidFill>
+        <a:round/>
+      </a:ln>
+    </cs:spPr>
+  </cs:dataPointWireframe>
+  <cs:dataTable>
+    <cs:lnRef idx="0"/>
+    <cs:fillRef idx="0"/>
+    <cs:effectRef idx="0"/>
+    <cs:fontRef idx="minor">
+      <a:schemeClr val="tx1">
+        <a:lumMod val="65000"/>
+        <a:lumOff val="35000"/>
+      </a:schemeClr>
+    </cs:fontRef>
+    <cs:spPr>
+      <a:noFill/>
+      <a:ln w="9525" cap="flat" cmpd="sng" algn="ctr">
+        <a:solidFill>
+          <a:schemeClr val="tx1">
+            <a:lumMod val="15000"/>
+            <a:lumOff val="85000"/>
+          </a:schemeClr>
+        </a:solidFill>
+        <a:round/>
+      </a:ln>
+    </cs:spPr>
+    <cs:defRPr sz="1197" kern="1200"/>
+  </cs:dataTable>
+  <cs:downBar>
+    <cs:lnRef idx="0"/>
+    <cs:fillRef idx="0"/>
+    <cs:effectRef idx="0"/>
+    <cs:fontRef idx="minor">
+      <a:schemeClr val="dk1"/>
+    </cs:fontRef>
+    <cs:spPr>
+      <a:solidFill>
+        <a:schemeClr val="dk1">
+          <a:lumMod val="65000"/>
+          <a:lumOff val="35000"/>
+        </a:schemeClr>
+      </a:solidFill>
+      <a:ln w="9525">
+        <a:solidFill>
+          <a:schemeClr val="tx1">
+            <a:lumMod val="65000"/>
+            <a:lumOff val="35000"/>
+          </a:schemeClr>
+        </a:solidFill>
+      </a:ln>
+    </cs:spPr>
+  </cs:downBar>
+  <cs:dropLine>
+    <cs:lnRef idx="0"/>
+    <cs:fillRef idx="0"/>
+    <cs:effectRef idx="0"/>
+    <cs:fontRef idx="minor">
+      <a:schemeClr val="tx1"/>
+    </cs:fontRef>
+    <cs:spPr>
+      <a:ln w="9525" cap="flat" cmpd="sng" algn="ctr">
+        <a:solidFill>
+          <a:schemeClr val="tx1">
+            <a:lumMod val="35000"/>
+            <a:lumOff val="65000"/>
+          </a:schemeClr>
+        </a:solidFill>
+        <a:round/>
+      </a:ln>
+    </cs:spPr>
+  </cs:dropLine>
+  <cs:errorBar>
+    <cs:lnRef idx="0"/>
+    <cs:fillRef idx="0"/>
+    <cs:effectRef idx="0"/>
+    <cs:fontRef idx="minor">
+      <a:schemeClr val="tx1"/>
+    </cs:fontRef>
+    <cs:spPr>
+      <a:ln w="9525" cap="flat" cmpd="sng" algn="ctr">
+        <a:solidFill>
+          <a:schemeClr val="tx1">
+            <a:lumMod val="65000"/>
+            <a:lumOff val="35000"/>
+          </a:schemeClr>
+        </a:solidFill>
+        <a:round/>
+      </a:ln>
+    </cs:spPr>
+  </cs:errorBar>
+  <cs:floor>
+    <cs:lnRef idx="0"/>
+    <cs:fillRef idx="0"/>
+    <cs:effectRef idx="0"/>
+    <cs:fontRef idx="minor">
+      <a:schemeClr val="tx1"/>
+    </cs:fontRef>
+    <cs:spPr>
+      <a:noFill/>
+      <a:ln>
+        <a:noFill/>
+      </a:ln>
+    </cs:spPr>
+  </cs:floor>
+  <cs:gridlineMajor>
+    <cs:lnRef idx="0"/>
+    <cs:fillRef idx="0"/>
+    <cs:effectRef idx="0"/>
+    <cs:fontRef idx="minor">
+      <a:schemeClr val="tx1"/>
+    </cs:fontRef>
+    <cs:spPr>
+      <a:ln w="9525" cap="flat" cmpd="sng" algn="ctr">
+        <a:solidFill>
+          <a:schemeClr val="tx1">
+            <a:lumMod val="15000"/>
+            <a:lumOff val="85000"/>
+          </a:schemeClr>
+        </a:solidFill>
+        <a:round/>
+      </a:ln>
+    </cs:spPr>
+  </cs:gridlineMajor>
+  <cs:gridlineMinor>
+    <cs:lnRef idx="0"/>
+    <cs:fillRef idx="0"/>
+    <cs:effectRef idx="0"/>
+    <cs:fontRef idx="minor">
+      <a:schemeClr val="tx1"/>
+    </cs:fontRef>
+    <cs:spPr>
+      <a:ln w="9525" cap="flat" cmpd="sng" algn="ctr">
+        <a:solidFill>
+          <a:schemeClr val="tx1">
+            <a:lumMod val="5000"/>
+            <a:lumOff val="95000"/>
+          </a:schemeClr>
+        </a:solidFill>
+        <a:round/>
+      </a:ln>
+    </cs:spPr>
+  </cs:gridlineMinor>
+  <cs:hiLoLine>
+    <cs:lnRef idx="0"/>
+    <cs:fillRef idx="0"/>
+    <cs:effectRef idx="0"/>
+    <cs:fontRef idx="minor">
+      <a:schemeClr val="tx1"/>
+    </cs:fontRef>
+    <cs:spPr>
+      <a:ln w="9525" cap="flat" cmpd="sng" algn="ctr">
+        <a:solidFill>
+          <a:schemeClr val="tx1">
+            <a:lumMod val="75000"/>
+            <a:lumOff val="25000"/>
+          </a:schemeClr>
+        </a:solidFill>
+        <a:round/>
+      </a:ln>
+    </cs:spPr>
+  </cs:hiLoLine>
+  <cs:leaderLine>
+    <cs:lnRef idx="0"/>
+    <cs:fillRef idx="0"/>
+    <cs:effectRef idx="0"/>
+    <cs:fontRef idx="minor">
+      <a:schemeClr val="tx1"/>
+    </cs:fontRef>
+    <cs:spPr>
+      <a:ln w="9525" cap="flat" cmpd="sng" algn="ctr">
+        <a:solidFill>
+          <a:schemeClr val="tx1">
+            <a:lumMod val="35000"/>
+            <a:lumOff val="65000"/>
+          </a:schemeClr>
+        </a:solidFill>
+        <a:round/>
+      </a:ln>
+    </cs:spPr>
+  </cs:leaderLine>
+  <cs:legend>
+    <cs:lnRef idx="0"/>
+    <cs:fillRef idx="0"/>
+    <cs:effectRef idx="0"/>
+    <cs:fontRef idx="minor">
+      <a:schemeClr val="tx1">
+        <a:lumMod val="65000"/>
+        <a:lumOff val="35000"/>
+      </a:schemeClr>
+    </cs:fontRef>
+    <cs:defRPr sz="1197" kern="1200"/>
+  </cs:legend>
+  <cs:plotArea mods="allowNoFillOverride allowNoLineOverride">
+    <cs:lnRef idx="0"/>
+    <cs:fillRef idx="0"/>
+    <cs:effectRef idx="0"/>
+    <cs:fontRef idx="minor">
+      <a:schemeClr val="tx1"/>
+    </cs:fontRef>
+  </cs:plotArea>
+  <cs:plotArea3D mods="allowNoFillOverride allowNoLineOverride">
+    <cs:lnRef idx="0"/>
+    <cs:fillRef idx="0"/>
+    <cs:effectRef idx="0"/>
+    <cs:fontRef idx="minor">
+      <a:schemeClr val="tx1"/>
+    </cs:fontRef>
+  </cs:plotArea3D>
+  <cs:seriesAxis>
+    <cs:lnRef idx="0"/>
+    <cs:fillRef idx="0"/>
+    <cs:effectRef idx="0"/>
+    <cs:fontRef idx="minor">
+      <a:schemeClr val="tx1">
+        <a:lumMod val="65000"/>
+        <a:lumOff val="35000"/>
+      </a:schemeClr>
+    </cs:fontRef>
+    <cs:defRPr sz="1197" kern="1200"/>
+  </cs:seriesAxis>
+  <cs:seriesLine>
+    <cs:lnRef idx="0"/>
+    <cs:fillRef idx="0"/>
+    <cs:effectRef idx="0"/>
+    <cs:fontRef idx="minor">
+      <a:schemeClr val="tx1"/>
+    </cs:fontRef>
+    <cs:spPr>
+      <a:ln w="9525" cap="flat" cmpd="sng" algn="ctr">
+        <a:solidFill>
+          <a:schemeClr val="tx1">
+            <a:lumMod val="35000"/>
+            <a:lumOff val="65000"/>
+          </a:schemeClr>
+        </a:solidFill>
+        <a:round/>
+      </a:ln>
+    </cs:spPr>
+  </cs:seriesLine>
+  <cs:title>
+    <cs:lnRef idx="0"/>
+    <cs:fillRef idx="0"/>
+    <cs:effectRef idx="0"/>
+    <cs:fontRef idx="minor">
+      <a:schemeClr val="tx1">
+        <a:lumMod val="65000"/>
+        <a:lumOff val="35000"/>
+      </a:schemeClr>
+    </cs:fontRef>
+    <cs:defRPr sz="1862" b="0" kern="1200" spc="0" baseline="0"/>
+  </cs:title>
+  <cs:trendline>
+    <cs:lnRef idx="0">
+      <cs:styleClr val="auto"/>
+    </cs:lnRef>
+    <cs:fillRef idx="0"/>
+    <cs:effectRef idx="0"/>
+    <cs:fontRef idx="minor">
+      <a:schemeClr val="tx1"/>
+    </cs:fontRef>
+    <cs:spPr>
+      <a:ln w="19050" cap="rnd">
+        <a:solidFill>
+          <a:schemeClr val="phClr"/>
+        </a:solidFill>
+        <a:prstDash val="sysDot"/>
+      </a:ln>
+    </cs:spPr>
+  </cs:trendline>
+  <cs:trendlineLabel>
+    <cs:lnRef idx="0"/>
+    <cs:fillRef idx="0"/>
+    <cs:effectRef idx="0"/>
+    <cs:fontRef idx="minor">
+      <a:schemeClr val="tx1">
+        <a:lumMod val="65000"/>
+        <a:lumOff val="35000"/>
+      </a:schemeClr>
+    </cs:fontRef>
+    <cs:defRPr sz="1197" kern="1200"/>
+  </cs:trendlineLabel>
+  <cs:upBar>
+    <cs:lnRef idx="0"/>
+    <cs:fillRef idx="0"/>
+    <cs:effectRef idx="0"/>
+    <cs:fontRef idx="minor">
+      <a:schemeClr val="dk1"/>
+    </cs:fontRef>
+    <cs:spPr>
+      <a:solidFill>
+        <a:schemeClr val="lt1"/>
+      </a:solidFill>
+      <a:ln w="9525">
+        <a:solidFill>
+          <a:schemeClr val="tx1">
+            <a:lumMod val="15000"/>
+            <a:lumOff val="85000"/>
+          </a:schemeClr>
+        </a:solidFill>
+      </a:ln>
+    </cs:spPr>
+  </cs:upBar>
+  <cs:valueAxis>
+    <cs:lnRef idx="0"/>
+    <cs:fillRef idx="0"/>
+    <cs:effectRef idx="0"/>
+    <cs:fontRef idx="minor">
+      <a:schemeClr val="tx1">
+        <a:lumMod val="65000"/>
+        <a:lumOff val="35000"/>
+      </a:schemeClr>
+    </cs:fontRef>
+    <cs:defRPr sz="1197" kern="1200"/>
+  </cs:valueAxis>
+  <cs:wall>
+    <cs:lnRef idx="0"/>
+    <cs:fillRef idx="0"/>
+    <cs:effectRef idx="0"/>
+    <cs:fontRef idx="minor">
+      <a:schemeClr val="tx1"/>
+    </cs:fontRef>
+    <cs:spPr>
+      <a:noFill/>
+      <a:ln>
+        <a:noFill/>
+      </a:ln>
+    </cs:spPr>
+  </cs:wall>
+</cs:chartStyle>
+</file>
+
 <file path=ppt/notesMasters/notesMaster1.xml><?xml version="1.0" encoding="utf-8"?>
 <p:notesMaster xmlns:a="http://schemas.openxmlformats.org/drawingml/2006/main" xmlns:r="http://schemas.openxmlformats.org/officeDocument/2006/relationships" xmlns:p="http://schemas.openxmlformats.org/presentationml/2006/main">
   <p:cSld>
@@ -212,7 +2861,7 @@
           <a:p>
             <a:fld id="{690E95D2-5477-4BEB-AF65-E79B532831D0}" type="datetimeFigureOut">
               <a:rPr lang="cs-CZ" smtClean="0"/>
-              <a:t>14.03.2023</a:t>
+              <a:t>19.03.2023</a:t>
             </a:fld>
             <a:endParaRPr lang="cs-CZ"/>
           </a:p>
@@ -2700,7 +5349,7 @@
           <p:nvPr userDrawn="1"/>
         </p:nvPicPr>
         <p:blipFill>
-          <a:blip r:embed="rId13" cstate="hqprint">
+          <a:blip r:embed="rId13">
             <a:extLst>
               <a:ext uri="{28A0092B-C50C-407E-A947-70E740481C1C}">
                 <a14:useLocalDpi xmlns:a14="http://schemas.microsoft.com/office/drawing/2010/main" val="0"/>
@@ -3073,35 +5722,30 @@
           <a:p>
             <a:pPr algn="l"/>
             <a:r>
-              <a:rPr lang="cs-CZ" sz="5900" dirty="0"/>
-              <a:t>Název práce: Kartičky pro nonverbální děti</a:t>
-            </a:r>
-            <a:r>
-              <a:rPr lang="cs-CZ" dirty="0"/>
-              <a:t/>
+              <a:rPr lang="cs-CZ" sz="4900" dirty="0"/>
+              <a:t>Komunikační pomůcka pro nonverbální a autistické děti - android aplikace na principu metod PECS a VOKS</a:t>
+            </a:r>
+            <a:br>
+              <a:rPr lang="cs-CZ" sz="4900" dirty="0"/>
+            </a:br>
+            <a:r>
+              <a:rPr lang="cs-CZ" sz="4000" dirty="0"/>
+              <a:t>Jméno: Alžběta Klonfarová</a:t>
             </a:r>
             <a:br>
               <a:rPr lang="cs-CZ" dirty="0"/>
             </a:br>
             <a:r>
-              <a:rPr lang="cs-CZ" dirty="0"/>
-              <a:t>Jméno: Alžběta Klonfarová</a:t>
+              <a:rPr lang="cs-CZ" sz="3600" dirty="0"/>
+              <a:t>Škola: Gymnázium, Praha 6, Arabská</a:t>
             </a:r>
             <a:br>
-              <a:rPr lang="cs-CZ" dirty="0"/>
+              <a:rPr lang="cs-CZ" sz="3600" dirty="0"/>
             </a:br>
             <a:r>
-              <a:rPr lang="cs-CZ" sz="4400" dirty="0"/>
-              <a:t>Škola: Gymnázium, Praha 6, Arabská</a:t>
-            </a:r>
-            <a:br>
-              <a:rPr lang="cs-CZ" sz="4400" dirty="0"/>
-            </a:br>
-            <a:r>
-              <a:rPr lang="cs-CZ" sz="4400" dirty="0"/>
+              <a:rPr lang="cs-CZ" sz="3600" dirty="0"/>
               <a:t>Kraj: Hlavní město Praha</a:t>
             </a:r>
-            <a:endParaRPr lang="cs-CZ" dirty="0"/>
           </a:p>
         </p:txBody>
       </p:sp>
@@ -3242,7 +5886,7 @@
           <p:cNvPr id="2" name="Nadpis 1">
             <a:extLst>
               <a:ext uri="{FF2B5EF4-FFF2-40B4-BE49-F238E27FC236}">
-                <a16:creationId xmlns:a16="http://schemas.microsoft.com/office/drawing/2014/main" id="{F9A87C31-DD22-4213-8129-C9A39317F3D5}"/>
+                <a16:creationId xmlns:a16="http://schemas.microsoft.com/office/drawing/2014/main" id="{0F9B370B-0EE9-835A-F0C1-FF70F121AEF4}"/>
               </a:ext>
             </a:extLst>
           </p:cNvPr>
@@ -3259,21 +5903,19 @@
           <a:lstStyle/>
           <a:p>
             <a:r>
-              <a:rPr lang="cs-CZ" dirty="0">
-                <a:latin typeface="+mn-lt"/>
-              </a:rPr>
-              <a:t>Vytvoř rozvrh</a:t>
-            </a:r>
-            <a:endParaRPr lang="cs-CZ" dirty="0"/>
+              <a:rPr lang="cs-CZ" dirty="0"/>
+              <a:t>Konkrétní případ – Karel Čtrnáctý</a:t>
+            </a:r>
+            <a:endParaRPr lang="de-DE" dirty="0"/>
           </a:p>
         </p:txBody>
       </p:sp>
       <p:sp>
         <p:nvSpPr>
-          <p:cNvPr id="3" name="Zástupný symbol pro obsah 2">
+          <p:cNvPr id="3" name="Zástupný obsah 2">
             <a:extLst>
               <a:ext uri="{FF2B5EF4-FFF2-40B4-BE49-F238E27FC236}">
-                <a16:creationId xmlns:a16="http://schemas.microsoft.com/office/drawing/2014/main" id="{45FE01E1-9C56-4561-A5D7-A6F51AF88847}"/>
+                <a16:creationId xmlns:a16="http://schemas.microsoft.com/office/drawing/2014/main" id="{571BBF2F-39D7-E210-6890-7268F8C117E6}"/>
               </a:ext>
             </a:extLst>
           </p:cNvPr>
@@ -3281,49 +5923,129 @@
             <a:spLocks noGrp="1"/>
           </p:cNvSpPr>
           <p:nvPr>
-            <p:ph idx="1"/>
+            <p:ph sz="half" idx="1"/>
           </p:nvPr>
         </p:nvSpPr>
-        <p:spPr/>
+        <p:spPr>
+          <a:xfrm>
+            <a:off x="838199" y="1825625"/>
+            <a:ext cx="6980853" cy="4351338"/>
+          </a:xfrm>
+        </p:spPr>
         <p:txBody>
-          <a:bodyPr/>
+          <a:bodyPr>
+            <a:normAutofit/>
+          </a:bodyPr>
           <a:lstStyle/>
           <a:p>
             <a:r>
-              <a:rPr lang="cs-CZ" sz="2800" dirty="0">
-                <a:cs typeface="Times New Roman" panose="02020603050405020304" pitchFamily="18" charset="0"/>
-              </a:rPr>
-              <a:t>Podobný princip jako začni</a:t>
-            </a:r>
-          </a:p>
-          <a:p>
-            <a:r>
-              <a:rPr lang="cs-CZ" sz="2800" dirty="0">
-                <a:cs typeface="Times New Roman" panose="02020603050405020304" pitchFamily="18" charset="0"/>
-              </a:rPr>
-              <a:t>Místo věty se tvoří rozvrh</a:t>
-            </a:r>
-          </a:p>
-          <a:p>
-            <a:r>
-              <a:rPr lang="cs-CZ" sz="2800" dirty="0">
-                <a:cs typeface="Times New Roman" panose="02020603050405020304" pitchFamily="18" charset="0"/>
-              </a:rPr>
-              <a:t>Ten se následně uloží do souboru</a:t>
+              <a:rPr lang="cs-CZ" dirty="0"/>
+              <a:t>Osmiletý chlapec</a:t>
+            </a:r>
+          </a:p>
+          <a:p>
+            <a:r>
+              <a:rPr lang="cs-CZ" dirty="0"/>
+              <a:t>G</a:t>
+            </a:r>
+            <a:r>
+              <a:rPr lang="de-DE" dirty="0" err="1"/>
+              <a:t>enetick</a:t>
+            </a:r>
+            <a:r>
+              <a:rPr lang="cs-CZ" dirty="0"/>
+              <a:t>á</a:t>
+            </a:r>
+            <a:r>
+              <a:rPr lang="de-DE" dirty="0"/>
+              <a:t> </a:t>
+            </a:r>
+            <a:r>
+              <a:rPr lang="de-DE" dirty="0" err="1"/>
+              <a:t>vad</a:t>
+            </a:r>
+            <a:r>
+              <a:rPr lang="cs-CZ" dirty="0"/>
+              <a:t>a</a:t>
+            </a:r>
+            <a:r>
+              <a:rPr lang="de-DE" dirty="0"/>
+              <a:t> </a:t>
+            </a:r>
+            <a:r>
+              <a:rPr lang="de-DE" dirty="0" err="1"/>
+              <a:t>fragilního</a:t>
+            </a:r>
+            <a:r>
+              <a:rPr lang="de-DE" dirty="0"/>
+              <a:t> </a:t>
+            </a:r>
+            <a:r>
+              <a:rPr lang="de-DE" dirty="0" err="1"/>
+              <a:t>chromozomu</a:t>
+            </a:r>
+            <a:r>
+              <a:rPr lang="de-DE" dirty="0"/>
+              <a:t> X</a:t>
+            </a:r>
+            <a:endParaRPr lang="cs-CZ" dirty="0"/>
+          </a:p>
+          <a:p>
+            <a:r>
+              <a:rPr lang="cs-CZ" dirty="0"/>
+              <a:t>Autismus, mentální retardace, spánková porucha</a:t>
+            </a:r>
+          </a:p>
+          <a:p>
+            <a:r>
+              <a:rPr lang="cs-CZ" dirty="0"/>
+              <a:t>Uživatel aplikace Domluv se!</a:t>
             </a:r>
             <a:endParaRPr lang="de-DE" dirty="0"/>
-          </a:p>
-          <a:p>
-            <a:endParaRPr lang="cs-CZ" dirty="0"/>
           </a:p>
         </p:txBody>
       </p:sp>
+      <p:pic>
+        <p:nvPicPr>
+          <p:cNvPr id="7" name="Zástupný obsah 6" descr="Obsah obrázku pes, venku, tráva, osoba&#10;&#10;Popis byl vytvořen automaticky">
+            <a:extLst>
+              <a:ext uri="{FF2B5EF4-FFF2-40B4-BE49-F238E27FC236}">
+                <a16:creationId xmlns:a16="http://schemas.microsoft.com/office/drawing/2014/main" id="{CBD45A99-1D09-125C-C4C9-732AD908C0C3}"/>
+              </a:ext>
+            </a:extLst>
+          </p:cNvPr>
+          <p:cNvPicPr>
+            <a:picLocks noGrp="1" noChangeAspect="1"/>
+          </p:cNvPicPr>
+          <p:nvPr>
+            <p:ph sz="half" idx="2"/>
+          </p:nvPr>
+        </p:nvPicPr>
+        <p:blipFill>
+          <a:blip r:embed="rId2">
+            <a:extLst>
+              <a:ext uri="{28A0092B-C50C-407E-A947-70E740481C1C}">
+                <a14:useLocalDpi xmlns:a14="http://schemas.microsoft.com/office/drawing/2010/main" val="0"/>
+              </a:ext>
+            </a:extLst>
+          </a:blip>
+          <a:stretch>
+            <a:fillRect/>
+          </a:stretch>
+        </p:blipFill>
+        <p:spPr>
+          <a:xfrm>
+            <a:off x="8087602" y="1825625"/>
+            <a:ext cx="3266198" cy="4351338"/>
+          </a:xfrm>
+        </p:spPr>
+      </p:pic>
       <p:sp>
         <p:nvSpPr>
           <p:cNvPr id="4" name="Zástupný symbol pro zápatí 3">
             <a:extLst>
               <a:ext uri="{FF2B5EF4-FFF2-40B4-BE49-F238E27FC236}">
-                <a16:creationId xmlns:a16="http://schemas.microsoft.com/office/drawing/2014/main" id="{5B27D3F6-3CB4-4850-8A53-BD5299C67252}"/>
+                <a16:creationId xmlns:a16="http://schemas.microsoft.com/office/drawing/2014/main" id="{AD1029C3-BC1D-3915-B2C4-4FA2DEA4E443}"/>
               </a:ext>
             </a:extLst>
           </p:cNvPr>
@@ -3346,64 +6068,10 @@
           </a:p>
         </p:txBody>
       </p:sp>
-      <p:pic>
-        <p:nvPicPr>
-          <p:cNvPr id="5" name="Obrázek 4">
-            <a:extLst>
-              <a:ext uri="{FF2B5EF4-FFF2-40B4-BE49-F238E27FC236}">
-                <a16:creationId xmlns:a16="http://schemas.microsoft.com/office/drawing/2014/main" id="{6AEC3930-3B5B-A08A-A4C4-2E43EBF3C80E}"/>
-              </a:ext>
-            </a:extLst>
-          </p:cNvPr>
-          <p:cNvPicPr>
-            <a:picLocks noChangeAspect="1"/>
-          </p:cNvPicPr>
-          <p:nvPr/>
-        </p:nvPicPr>
-        <p:blipFill rotWithShape="1">
-          <a:blip r:embed="rId2" cstate="print">
-            <a:extLst>
-              <a:ext uri="{28A0092B-C50C-407E-A947-70E740481C1C}">
-                <a14:useLocalDpi xmlns:a14="http://schemas.microsoft.com/office/drawing/2010/main" val="0"/>
-              </a:ext>
-            </a:extLst>
-          </a:blip>
-          <a:srcRect l="3951" r="6010"/>
-          <a:stretch/>
-        </p:blipFill>
-        <p:spPr bwMode="auto">
-          <a:xfrm>
-            <a:off x="6148670" y="2926623"/>
-            <a:ext cx="4850677" cy="2484783"/>
-          </a:xfrm>
-          <a:prstGeom prst="rect">
-            <a:avLst/>
-          </a:prstGeom>
-          <a:ln w="38100" cap="sq">
-            <a:solidFill>
-              <a:srgbClr val="000000"/>
-            </a:solidFill>
-            <a:prstDash val="solid"/>
-            <a:miter lim="800000"/>
-          </a:ln>
-          <a:effectLst>
-            <a:outerShdw blurRad="50800" dist="38100" dir="2700000" algn="tl" rotWithShape="0">
-              <a:srgbClr val="000000">
-                <a:alpha val="43000"/>
-              </a:srgbClr>
-            </a:outerShdw>
-          </a:effectLst>
-          <a:extLst>
-            <a:ext uri="{53640926-AAD7-44D8-BBD7-CCE9431645EC}">
-              <a14:shadowObscured xmlns:a14="http://schemas.microsoft.com/office/drawing/2010/main"/>
-            </a:ext>
-          </a:extLst>
-        </p:spPr>
-      </p:pic>
     </p:spTree>
     <p:extLst>
       <p:ext uri="{BB962C8B-B14F-4D97-AF65-F5344CB8AC3E}">
-        <p14:creationId xmlns:p14="http://schemas.microsoft.com/office/powerpoint/2010/main" val="2981529928"/>
+        <p14:creationId xmlns:p14="http://schemas.microsoft.com/office/powerpoint/2010/main" val="550401051"/>
       </p:ext>
     </p:extLst>
   </p:cSld>
@@ -3435,7 +6103,7 @@
           <p:cNvPr id="2" name="Nadpis 1">
             <a:extLst>
               <a:ext uri="{FF2B5EF4-FFF2-40B4-BE49-F238E27FC236}">
-                <a16:creationId xmlns:a16="http://schemas.microsoft.com/office/drawing/2014/main" id="{F9A87C31-DD22-4213-8129-C9A39317F3D5}"/>
+                <a16:creationId xmlns:a16="http://schemas.microsoft.com/office/drawing/2014/main" id="{0F9B370B-0EE9-835A-F0C1-FF70F121AEF4}"/>
               </a:ext>
             </a:extLst>
           </p:cNvPr>
@@ -3452,21 +6120,19 @@
           <a:lstStyle/>
           <a:p>
             <a:r>
-              <a:rPr lang="cs-CZ" dirty="0">
-                <a:latin typeface="+mn-lt"/>
-              </a:rPr>
-              <a:t>Rozvrh</a:t>
-            </a:r>
-            <a:endParaRPr lang="cs-CZ" dirty="0"/>
+              <a:rPr lang="cs-CZ" dirty="0"/>
+              <a:t>Možnosti pokračování v práci</a:t>
+            </a:r>
+            <a:endParaRPr lang="de-DE" dirty="0"/>
           </a:p>
         </p:txBody>
       </p:sp>
       <p:sp>
         <p:nvSpPr>
-          <p:cNvPr id="3" name="Zástupný symbol pro obsah 2">
+          <p:cNvPr id="3" name="Zástupný obsah 2">
             <a:extLst>
               <a:ext uri="{FF2B5EF4-FFF2-40B4-BE49-F238E27FC236}">
-                <a16:creationId xmlns:a16="http://schemas.microsoft.com/office/drawing/2014/main" id="{45FE01E1-9C56-4561-A5D7-A6F51AF88847}"/>
+                <a16:creationId xmlns:a16="http://schemas.microsoft.com/office/drawing/2014/main" id="{571BBF2F-39D7-E210-6890-7268F8C117E6}"/>
               </a:ext>
             </a:extLst>
           </p:cNvPr>
@@ -3479,38 +6145,45 @@
         </p:nvSpPr>
         <p:spPr/>
         <p:txBody>
-          <a:bodyPr/>
+          <a:bodyPr>
+            <a:normAutofit/>
+          </a:bodyPr>
           <a:lstStyle/>
           <a:p>
             <a:r>
-              <a:rPr lang="cs-CZ" sz="2800" i="1" dirty="0" err="1">
-                <a:cs typeface="Times New Roman" panose="02020603050405020304" pitchFamily="18" charset="0"/>
-              </a:rPr>
-              <a:t>RecyclerView</a:t>
-            </a:r>
-            <a:endParaRPr lang="cs-CZ" sz="2800" i="1" dirty="0">
-              <a:cs typeface="Times New Roman" panose="02020603050405020304" pitchFamily="18" charset="0"/>
-            </a:endParaRPr>
-          </a:p>
-          <a:p>
-            <a:r>
-              <a:rPr lang="cs-CZ" sz="2800" dirty="0">
-                <a:cs typeface="Times New Roman" panose="02020603050405020304" pitchFamily="18" charset="0"/>
-              </a:rPr>
-              <a:t>Každý </a:t>
-            </a:r>
-            <a:r>
-              <a:rPr lang="cs-CZ" sz="2800" i="1" dirty="0" err="1">
-                <a:cs typeface="Times New Roman" panose="02020603050405020304" pitchFamily="18" charset="0"/>
-              </a:rPr>
-              <a:t>item</a:t>
-            </a:r>
-            <a:r>
-              <a:rPr lang="cs-CZ" sz="2800" dirty="0">
-                <a:cs typeface="Times New Roman" panose="02020603050405020304" pitchFamily="18" charset="0"/>
-              </a:rPr>
-              <a:t> je jedna činnost </a:t>
-            </a:r>
+              <a:rPr lang="cs-CZ" dirty="0"/>
+              <a:t>Rozšířit aplikaci o funkce:</a:t>
+            </a:r>
+          </a:p>
+          <a:p>
+            <a:pPr lvl="1"/>
+            <a:r>
+              <a:rPr lang="cs-CZ" dirty="0"/>
+              <a:t>Nahlas přečíst složenou větu</a:t>
+            </a:r>
+          </a:p>
+          <a:p>
+            <a:pPr lvl="1"/>
+            <a:r>
+              <a:rPr lang="cs-CZ" dirty="0"/>
+              <a:t>Třídit kartičky do kategorií</a:t>
+            </a:r>
+          </a:p>
+          <a:p>
+            <a:pPr lvl="1"/>
+            <a:r>
+              <a:rPr lang="cs-CZ" dirty="0"/>
+              <a:t>Označení dokončené činnosti v rozvrhu</a:t>
+            </a:r>
+          </a:p>
+          <a:p>
+            <a:r>
+              <a:rPr lang="cs-CZ" dirty="0"/>
+              <a:t>Propagovat aplikaci</a:t>
+            </a:r>
+          </a:p>
+          <a:p>
+            <a:endParaRPr lang="cs-CZ" dirty="0"/>
           </a:p>
           <a:p>
             <a:endParaRPr lang="cs-CZ" dirty="0"/>
@@ -3522,7 +6195,7 @@
           <p:cNvPr id="4" name="Zástupný symbol pro zápatí 3">
             <a:extLst>
               <a:ext uri="{FF2B5EF4-FFF2-40B4-BE49-F238E27FC236}">
-                <a16:creationId xmlns:a16="http://schemas.microsoft.com/office/drawing/2014/main" id="{5B27D3F6-3CB4-4850-8A53-BD5299C67252}"/>
+                <a16:creationId xmlns:a16="http://schemas.microsoft.com/office/drawing/2014/main" id="{AD1029C3-BC1D-3915-B2C4-4FA2DEA4E443}"/>
               </a:ext>
             </a:extLst>
           </p:cNvPr>
@@ -3545,64 +6218,10 @@
           </a:p>
         </p:txBody>
       </p:sp>
-      <p:pic>
-        <p:nvPicPr>
-          <p:cNvPr id="5" name="Obrázek 4">
-            <a:extLst>
-              <a:ext uri="{FF2B5EF4-FFF2-40B4-BE49-F238E27FC236}">
-                <a16:creationId xmlns:a16="http://schemas.microsoft.com/office/drawing/2014/main" id="{791CA545-7A2D-F3D3-BF2D-45549399160B}"/>
-              </a:ext>
-            </a:extLst>
-          </p:cNvPr>
-          <p:cNvPicPr>
-            <a:picLocks noChangeAspect="1"/>
-          </p:cNvPicPr>
-          <p:nvPr/>
-        </p:nvPicPr>
-        <p:blipFill rotWithShape="1">
-          <a:blip r:embed="rId2" cstate="print">
-            <a:extLst>
-              <a:ext uri="{28A0092B-C50C-407E-A947-70E740481C1C}">
-                <a14:useLocalDpi xmlns:a14="http://schemas.microsoft.com/office/drawing/2010/main" val="0"/>
-              </a:ext>
-            </a:extLst>
-          </a:blip>
-          <a:srcRect l="4375" r="6010"/>
-          <a:stretch/>
-        </p:blipFill>
-        <p:spPr bwMode="auto">
-          <a:xfrm>
-            <a:off x="5481260" y="1825625"/>
-            <a:ext cx="5956965" cy="3066549"/>
-          </a:xfrm>
-          <a:prstGeom prst="rect">
-            <a:avLst/>
-          </a:prstGeom>
-          <a:ln w="38100" cap="sq">
-            <a:solidFill>
-              <a:srgbClr val="000000"/>
-            </a:solidFill>
-            <a:prstDash val="solid"/>
-            <a:miter lim="800000"/>
-          </a:ln>
-          <a:effectLst>
-            <a:outerShdw blurRad="50800" dist="38100" dir="2700000" algn="tl" rotWithShape="0">
-              <a:srgbClr val="000000">
-                <a:alpha val="43000"/>
-              </a:srgbClr>
-            </a:outerShdw>
-          </a:effectLst>
-          <a:extLst>
-            <a:ext uri="{53640926-AAD7-44D8-BBD7-CCE9431645EC}">
-              <a14:shadowObscured xmlns:a14="http://schemas.microsoft.com/office/drawing/2010/main"/>
-            </a:ext>
-          </a:extLst>
-        </p:spPr>
-      </p:pic>
     </p:spTree>
     <p:extLst>
       <p:ext uri="{BB962C8B-B14F-4D97-AF65-F5344CB8AC3E}">
-        <p14:creationId xmlns:p14="http://schemas.microsoft.com/office/powerpoint/2010/main" val="1912817028"/>
+        <p14:creationId xmlns:p14="http://schemas.microsoft.com/office/powerpoint/2010/main" val="3656370230"/>
       </p:ext>
     </p:extLst>
   </p:cSld>
@@ -3645,54 +6264,66 @@
             <p:ph type="title"/>
           </p:nvPr>
         </p:nvSpPr>
-        <p:spPr/>
+        <p:spPr>
+          <a:xfrm>
+            <a:off x="838200" y="3080333"/>
+            <a:ext cx="10515600" cy="1325563"/>
+          </a:xfrm>
+        </p:spPr>
         <p:txBody>
           <a:bodyPr/>
           <a:lstStyle/>
           <a:p>
+            <a:pPr algn="ctr"/>
             <a:r>
               <a:rPr lang="cs-CZ" dirty="0">
                 <a:latin typeface="+mn-lt"/>
               </a:rPr>
-              <a:t>Nastavení</a:t>
+              <a:t>Děkuji za pozornost</a:t>
             </a:r>
             <a:endParaRPr lang="cs-CZ" dirty="0"/>
           </a:p>
         </p:txBody>
       </p:sp>
-      <p:sp>
-        <p:nvSpPr>
-          <p:cNvPr id="3" name="Zástupný symbol pro obsah 2">
+      <p:pic>
+        <p:nvPicPr>
+          <p:cNvPr id="6" name="Zástupný obsah 5" descr="Obsah obrázku Webové stránky&#10;&#10;Popis byl vytvořen automaticky">
             <a:extLst>
               <a:ext uri="{FF2B5EF4-FFF2-40B4-BE49-F238E27FC236}">
-                <a16:creationId xmlns:a16="http://schemas.microsoft.com/office/drawing/2014/main" id="{45FE01E1-9C56-4561-A5D7-A6F51AF88847}"/>
+                <a16:creationId xmlns:a16="http://schemas.microsoft.com/office/drawing/2014/main" id="{23ECFA84-FAAD-2A4D-D6E2-2E17E2581066}"/>
               </a:ext>
             </a:extLst>
           </p:cNvPr>
-          <p:cNvSpPr>
-            <a:spLocks noGrp="1"/>
-          </p:cNvSpPr>
+          <p:cNvPicPr>
+            <a:picLocks noGrp="1" noChangeAspect="1"/>
+          </p:cNvPicPr>
           <p:nvPr>
             <p:ph idx="1"/>
           </p:nvPr>
-        </p:nvSpPr>
-        <p:spPr/>
-        <p:txBody>
-          <a:bodyPr/>
-          <a:lstStyle/>
-          <a:p>
-            <a:r>
-              <a:rPr lang="cs-CZ" sz="2800" dirty="0">
-                <a:cs typeface="Times New Roman" panose="02020603050405020304" pitchFamily="18" charset="0"/>
-              </a:rPr>
-              <a:t>Změna hesla</a:t>
-            </a:r>
-          </a:p>
-          <a:p>
-            <a:endParaRPr lang="cs-CZ" dirty="0"/>
-          </a:p>
-        </p:txBody>
-      </p:sp>
+        </p:nvPicPr>
+        <p:blipFill rotWithShape="1">
+          <a:blip r:embed="rId2">
+            <a:extLst>
+              <a:ext uri="{28A0092B-C50C-407E-A947-70E740481C1C}">
+                <a14:useLocalDpi xmlns:a14="http://schemas.microsoft.com/office/drawing/2010/main" val="0"/>
+              </a:ext>
+            </a:extLst>
+          </a:blip>
+          <a:srcRect l="3728"/>
+          <a:stretch/>
+        </p:blipFill>
+        <p:spPr>
+          <a:xfrm>
+            <a:off x="1557800" y="1036509"/>
+            <a:ext cx="9076399" cy="4351338"/>
+          </a:xfrm>
+          <a:ln w="38100">
+            <a:solidFill>
+              <a:schemeClr val="tx1"/>
+            </a:solidFill>
+          </a:ln>
+        </p:spPr>
+      </p:pic>
       <p:sp>
         <p:nvSpPr>
           <p:cNvPr id="4" name="Zástupný symbol pro zápatí 3">
@@ -3721,465 +6352,6 @@
           </a:p>
         </p:txBody>
       </p:sp>
-      <p:pic>
-        <p:nvPicPr>
-          <p:cNvPr id="5" name="Obrázek 4">
-            <a:extLst>
-              <a:ext uri="{FF2B5EF4-FFF2-40B4-BE49-F238E27FC236}">
-                <a16:creationId xmlns:a16="http://schemas.microsoft.com/office/drawing/2014/main" id="{8296966B-9580-252F-3091-C6B739CFCBA1}"/>
-              </a:ext>
-            </a:extLst>
-          </p:cNvPr>
-          <p:cNvPicPr>
-            <a:picLocks noChangeAspect="1"/>
-          </p:cNvPicPr>
-          <p:nvPr/>
-        </p:nvPicPr>
-        <p:blipFill rotWithShape="1">
-          <a:blip r:embed="rId2" cstate="print">
-            <a:extLst>
-              <a:ext uri="{28A0092B-C50C-407E-A947-70E740481C1C}">
-                <a14:useLocalDpi xmlns:a14="http://schemas.microsoft.com/office/drawing/2010/main" val="0"/>
-              </a:ext>
-            </a:extLst>
-          </a:blip>
-          <a:srcRect l="4517" r="6574"/>
-          <a:stretch/>
-        </p:blipFill>
-        <p:spPr bwMode="auto">
-          <a:xfrm>
-            <a:off x="3939127" y="2096199"/>
-            <a:ext cx="6097338" cy="3165046"/>
-          </a:xfrm>
-          <a:prstGeom prst="rect">
-            <a:avLst/>
-          </a:prstGeom>
-          <a:ln w="38100" cap="sq">
-            <a:solidFill>
-              <a:srgbClr val="000000"/>
-            </a:solidFill>
-            <a:prstDash val="solid"/>
-            <a:miter lim="800000"/>
-          </a:ln>
-          <a:effectLst>
-            <a:outerShdw blurRad="50800" dist="38100" dir="2700000" algn="tl" rotWithShape="0">
-              <a:srgbClr val="000000">
-                <a:alpha val="43000"/>
-              </a:srgbClr>
-            </a:outerShdw>
-          </a:effectLst>
-          <a:extLst>
-            <a:ext uri="{53640926-AAD7-44D8-BBD7-CCE9431645EC}">
-              <a14:shadowObscured xmlns:a14="http://schemas.microsoft.com/office/drawing/2010/main"/>
-            </a:ext>
-          </a:extLst>
-        </p:spPr>
-      </p:pic>
-    </p:spTree>
-    <p:extLst>
-      <p:ext uri="{BB962C8B-B14F-4D97-AF65-F5344CB8AC3E}">
-        <p14:creationId xmlns:p14="http://schemas.microsoft.com/office/powerpoint/2010/main" val="1818530360"/>
-      </p:ext>
-    </p:extLst>
-  </p:cSld>
-  <p:clrMapOvr>
-    <a:masterClrMapping/>
-  </p:clrMapOvr>
-</p:sld>
-</file>
-
-<file path=ppt/slides/slide13.xml><?xml version="1.0" encoding="utf-8"?>
-<p:sld xmlns:a="http://schemas.openxmlformats.org/drawingml/2006/main" xmlns:r="http://schemas.openxmlformats.org/officeDocument/2006/relationships" xmlns:p="http://schemas.openxmlformats.org/presentationml/2006/main">
-  <p:cSld>
-    <p:spTree>
-      <p:nvGrpSpPr>
-        <p:cNvPr id="1" name=""/>
-        <p:cNvGrpSpPr/>
-        <p:nvPr/>
-      </p:nvGrpSpPr>
-      <p:grpSpPr>
-        <a:xfrm>
-          <a:off x="0" y="0"/>
-          <a:ext cx="0" cy="0"/>
-          <a:chOff x="0" y="0"/>
-          <a:chExt cx="0" cy="0"/>
-        </a:xfrm>
-      </p:grpSpPr>
-      <p:sp>
-        <p:nvSpPr>
-          <p:cNvPr id="2" name="Nadpis 1">
-            <a:extLst>
-              <a:ext uri="{FF2B5EF4-FFF2-40B4-BE49-F238E27FC236}">
-                <a16:creationId xmlns:a16="http://schemas.microsoft.com/office/drawing/2014/main" id="{F9A87C31-DD22-4213-8129-C9A39317F3D5}"/>
-              </a:ext>
-            </a:extLst>
-          </p:cNvPr>
-          <p:cNvSpPr>
-            <a:spLocks noGrp="1"/>
-          </p:cNvSpPr>
-          <p:nvPr>
-            <p:ph type="title"/>
-          </p:nvPr>
-        </p:nvSpPr>
-        <p:spPr/>
-        <p:txBody>
-          <a:bodyPr/>
-          <a:lstStyle/>
-          <a:p>
-            <a:r>
-              <a:rPr lang="cs-CZ" dirty="0">
-                <a:latin typeface="+mn-lt"/>
-              </a:rPr>
-              <a:t>Design</a:t>
-            </a:r>
-            <a:endParaRPr lang="cs-CZ" dirty="0"/>
-          </a:p>
-        </p:txBody>
-      </p:sp>
-      <p:sp>
-        <p:nvSpPr>
-          <p:cNvPr id="3" name="Zástupný symbol pro obsah 2">
-            <a:extLst>
-              <a:ext uri="{FF2B5EF4-FFF2-40B4-BE49-F238E27FC236}">
-                <a16:creationId xmlns:a16="http://schemas.microsoft.com/office/drawing/2014/main" id="{45FE01E1-9C56-4561-A5D7-A6F51AF88847}"/>
-              </a:ext>
-            </a:extLst>
-          </p:cNvPr>
-          <p:cNvSpPr>
-            <a:spLocks noGrp="1"/>
-          </p:cNvSpPr>
-          <p:nvPr>
-            <p:ph idx="1"/>
-          </p:nvPr>
-        </p:nvSpPr>
-        <p:spPr/>
-        <p:txBody>
-          <a:bodyPr/>
-          <a:lstStyle/>
-          <a:p>
-            <a:r>
-              <a:rPr lang="cs-CZ" sz="2800" dirty="0">
-                <a:cs typeface="Times New Roman" panose="02020603050405020304" pitchFamily="18" charset="0"/>
-              </a:rPr>
-              <a:t>Odstíny oranžové</a:t>
-            </a:r>
-          </a:p>
-          <a:p>
-            <a:r>
-              <a:rPr lang="cs-CZ" sz="2800" dirty="0">
-                <a:cs typeface="Times New Roman" panose="02020603050405020304" pitchFamily="18" charset="0"/>
-              </a:rPr>
-              <a:t>Ikona aplikace</a:t>
-            </a:r>
-          </a:p>
-          <a:p>
-            <a:endParaRPr lang="cs-CZ" dirty="0"/>
-          </a:p>
-        </p:txBody>
-      </p:sp>
-      <p:sp>
-        <p:nvSpPr>
-          <p:cNvPr id="4" name="Zástupný symbol pro zápatí 3">
-            <a:extLst>
-              <a:ext uri="{FF2B5EF4-FFF2-40B4-BE49-F238E27FC236}">
-                <a16:creationId xmlns:a16="http://schemas.microsoft.com/office/drawing/2014/main" id="{5B27D3F6-3CB4-4850-8A53-BD5299C67252}"/>
-              </a:ext>
-            </a:extLst>
-          </p:cNvPr>
-          <p:cNvSpPr>
-            <a:spLocks noGrp="1"/>
-          </p:cNvSpPr>
-          <p:nvPr>
-            <p:ph type="ftr" sz="quarter" idx="11"/>
-          </p:nvPr>
-        </p:nvSpPr>
-        <p:spPr/>
-        <p:txBody>
-          <a:bodyPr/>
-          <a:lstStyle/>
-          <a:p>
-            <a:r>
-              <a:rPr lang="cs-CZ" dirty="0"/>
-              <a:t>Středoškolská odborná činnost 2023</a:t>
-            </a:r>
-          </a:p>
-        </p:txBody>
-      </p:sp>
-      <p:pic>
-        <p:nvPicPr>
-          <p:cNvPr id="5" name="Obrázek 4">
-            <a:extLst>
-              <a:ext uri="{FF2B5EF4-FFF2-40B4-BE49-F238E27FC236}">
-                <a16:creationId xmlns:a16="http://schemas.microsoft.com/office/drawing/2014/main" id="{D9D4F72A-89E8-3E2F-E209-47DF6064E9B9}"/>
-              </a:ext>
-            </a:extLst>
-          </p:cNvPr>
-          <p:cNvPicPr>
-            <a:picLocks noChangeAspect="1"/>
-          </p:cNvPicPr>
-          <p:nvPr/>
-        </p:nvPicPr>
-        <p:blipFill rotWithShape="1">
-          <a:blip r:embed="rId2" cstate="print">
-            <a:extLst>
-              <a:ext uri="{28A0092B-C50C-407E-A947-70E740481C1C}">
-                <a14:useLocalDpi xmlns:a14="http://schemas.microsoft.com/office/drawing/2010/main" val="0"/>
-              </a:ext>
-            </a:extLst>
-          </a:blip>
-          <a:srcRect t="31233" r="12500" b="28621"/>
-          <a:stretch/>
-        </p:blipFill>
-        <p:spPr bwMode="auto">
-          <a:xfrm rot="10800000">
-            <a:off x="4663990" y="1511567"/>
-            <a:ext cx="5293396" cy="3326760"/>
-          </a:xfrm>
-          <a:prstGeom prst="rect">
-            <a:avLst/>
-          </a:prstGeom>
-          <a:ln>
-            <a:noFill/>
-          </a:ln>
-          <a:extLst>
-            <a:ext uri="{53640926-AAD7-44D8-BBD7-CCE9431645EC}">
-              <a14:shadowObscured xmlns:a14="http://schemas.microsoft.com/office/drawing/2010/main"/>
-            </a:ext>
-          </a:extLst>
-        </p:spPr>
-      </p:pic>
-    </p:spTree>
-    <p:extLst>
-      <p:ext uri="{BB962C8B-B14F-4D97-AF65-F5344CB8AC3E}">
-        <p14:creationId xmlns:p14="http://schemas.microsoft.com/office/powerpoint/2010/main" val="712439641"/>
-      </p:ext>
-    </p:extLst>
-  </p:cSld>
-  <p:clrMapOvr>
-    <a:masterClrMapping/>
-  </p:clrMapOvr>
-</p:sld>
-</file>
-
-<file path=ppt/slides/slide14.xml><?xml version="1.0" encoding="utf-8"?>
-<p:sld xmlns:a="http://schemas.openxmlformats.org/drawingml/2006/main" xmlns:r="http://schemas.openxmlformats.org/officeDocument/2006/relationships" xmlns:p="http://schemas.openxmlformats.org/presentationml/2006/main">
-  <p:cSld>
-    <p:spTree>
-      <p:nvGrpSpPr>
-        <p:cNvPr id="1" name=""/>
-        <p:cNvGrpSpPr/>
-        <p:nvPr/>
-      </p:nvGrpSpPr>
-      <p:grpSpPr>
-        <a:xfrm>
-          <a:off x="0" y="0"/>
-          <a:ext cx="0" cy="0"/>
-          <a:chOff x="0" y="0"/>
-          <a:chExt cx="0" cy="0"/>
-        </a:xfrm>
-      </p:grpSpPr>
-      <p:sp>
-        <p:nvSpPr>
-          <p:cNvPr id="2" name="Nadpis 1">
-            <a:extLst>
-              <a:ext uri="{FF2B5EF4-FFF2-40B4-BE49-F238E27FC236}">
-                <a16:creationId xmlns:a16="http://schemas.microsoft.com/office/drawing/2014/main" id="{F9A87C31-DD22-4213-8129-C9A39317F3D5}"/>
-              </a:ext>
-            </a:extLst>
-          </p:cNvPr>
-          <p:cNvSpPr>
-            <a:spLocks noGrp="1"/>
-          </p:cNvSpPr>
-          <p:nvPr>
-            <p:ph type="title"/>
-          </p:nvPr>
-        </p:nvSpPr>
-        <p:spPr/>
-        <p:txBody>
-          <a:bodyPr/>
-          <a:lstStyle/>
-          <a:p>
-            <a:r>
-              <a:rPr lang="cs-CZ" dirty="0"/>
-              <a:t>Video</a:t>
-            </a:r>
-          </a:p>
-        </p:txBody>
-      </p:sp>
-      <p:sp>
-        <p:nvSpPr>
-          <p:cNvPr id="4" name="Zástupný symbol pro zápatí 3">
-            <a:extLst>
-              <a:ext uri="{FF2B5EF4-FFF2-40B4-BE49-F238E27FC236}">
-                <a16:creationId xmlns:a16="http://schemas.microsoft.com/office/drawing/2014/main" id="{5B27D3F6-3CB4-4850-8A53-BD5299C67252}"/>
-              </a:ext>
-            </a:extLst>
-          </p:cNvPr>
-          <p:cNvSpPr>
-            <a:spLocks noGrp="1"/>
-          </p:cNvSpPr>
-          <p:nvPr>
-            <p:ph type="ftr" sz="quarter" idx="11"/>
-          </p:nvPr>
-        </p:nvSpPr>
-        <p:spPr/>
-        <p:txBody>
-          <a:bodyPr/>
-          <a:lstStyle/>
-          <a:p>
-            <a:r>
-              <a:rPr lang="cs-CZ" dirty="0"/>
-              <a:t>Středoškolská odborná činnost 2023</a:t>
-            </a:r>
-          </a:p>
-        </p:txBody>
-      </p:sp>
-      <p:sp>
-        <p:nvSpPr>
-          <p:cNvPr id="3" name="Zástupný symbol pro obsah 2"/>
-          <p:cNvSpPr>
-            <a:spLocks noGrp="1"/>
-          </p:cNvSpPr>
-          <p:nvPr>
-            <p:ph idx="1"/>
-          </p:nvPr>
-        </p:nvSpPr>
-        <p:spPr/>
-        <p:txBody>
-          <a:bodyPr/>
-          <a:lstStyle/>
-          <a:p>
-            <a:endParaRPr lang="cs-CZ"/>
-          </a:p>
-        </p:txBody>
-      </p:sp>
-    </p:spTree>
-    <p:extLst>
-      <p:ext uri="{BB962C8B-B14F-4D97-AF65-F5344CB8AC3E}">
-        <p14:creationId xmlns:p14="http://schemas.microsoft.com/office/powerpoint/2010/main" val="141282478"/>
-      </p:ext>
-    </p:extLst>
-  </p:cSld>
-  <p:clrMapOvr>
-    <a:masterClrMapping/>
-  </p:clrMapOvr>
-  <p:timing>
-    <p:tnLst>
-      <p:par>
-        <p:cTn id="1" dur="indefinite" restart="never" nodeType="tmRoot"/>
-      </p:par>
-    </p:tnLst>
-  </p:timing>
-</p:sld>
-</file>
-
-<file path=ppt/slides/slide15.xml><?xml version="1.0" encoding="utf-8"?>
-<p:sld xmlns:a="http://schemas.openxmlformats.org/drawingml/2006/main" xmlns:r="http://schemas.openxmlformats.org/officeDocument/2006/relationships" xmlns:p="http://schemas.openxmlformats.org/presentationml/2006/main">
-  <p:cSld>
-    <p:spTree>
-      <p:nvGrpSpPr>
-        <p:cNvPr id="1" name=""/>
-        <p:cNvGrpSpPr/>
-        <p:nvPr/>
-      </p:nvGrpSpPr>
-      <p:grpSpPr>
-        <a:xfrm>
-          <a:off x="0" y="0"/>
-          <a:ext cx="0" cy="0"/>
-          <a:chOff x="0" y="0"/>
-          <a:chExt cx="0" cy="0"/>
-        </a:xfrm>
-      </p:grpSpPr>
-      <p:sp>
-        <p:nvSpPr>
-          <p:cNvPr id="2" name="Nadpis 1">
-            <a:extLst>
-              <a:ext uri="{FF2B5EF4-FFF2-40B4-BE49-F238E27FC236}">
-                <a16:creationId xmlns:a16="http://schemas.microsoft.com/office/drawing/2014/main" id="{F9A87C31-DD22-4213-8129-C9A39317F3D5}"/>
-              </a:ext>
-            </a:extLst>
-          </p:cNvPr>
-          <p:cNvSpPr>
-            <a:spLocks noGrp="1"/>
-          </p:cNvSpPr>
-          <p:nvPr>
-            <p:ph type="title"/>
-          </p:nvPr>
-        </p:nvSpPr>
-        <p:spPr>
-          <a:xfrm>
-            <a:off x="838200" y="3080333"/>
-            <a:ext cx="10515600" cy="1325563"/>
-          </a:xfrm>
-        </p:spPr>
-        <p:txBody>
-          <a:bodyPr/>
-          <a:lstStyle/>
-          <a:p>
-            <a:pPr algn="ctr"/>
-            <a:r>
-              <a:rPr lang="cs-CZ" dirty="0">
-                <a:latin typeface="+mn-lt"/>
-              </a:rPr>
-              <a:t>Děkuji za pozornost</a:t>
-            </a:r>
-            <a:endParaRPr lang="cs-CZ" dirty="0"/>
-          </a:p>
-        </p:txBody>
-      </p:sp>
-      <p:sp>
-        <p:nvSpPr>
-          <p:cNvPr id="3" name="Zástupný symbol pro obsah 2">
-            <a:extLst>
-              <a:ext uri="{FF2B5EF4-FFF2-40B4-BE49-F238E27FC236}">
-                <a16:creationId xmlns:a16="http://schemas.microsoft.com/office/drawing/2014/main" id="{45FE01E1-9C56-4561-A5D7-A6F51AF88847}"/>
-              </a:ext>
-            </a:extLst>
-          </p:cNvPr>
-          <p:cNvSpPr>
-            <a:spLocks noGrp="1"/>
-          </p:cNvSpPr>
-          <p:nvPr>
-            <p:ph idx="1"/>
-          </p:nvPr>
-        </p:nvSpPr>
-        <p:spPr/>
-        <p:txBody>
-          <a:bodyPr/>
-          <a:lstStyle/>
-          <a:p>
-            <a:endParaRPr lang="cs-CZ" dirty="0"/>
-          </a:p>
-        </p:txBody>
-      </p:sp>
-      <p:sp>
-        <p:nvSpPr>
-          <p:cNvPr id="4" name="Zástupný symbol pro zápatí 3">
-            <a:extLst>
-              <a:ext uri="{FF2B5EF4-FFF2-40B4-BE49-F238E27FC236}">
-                <a16:creationId xmlns:a16="http://schemas.microsoft.com/office/drawing/2014/main" id="{5B27D3F6-3CB4-4850-8A53-BD5299C67252}"/>
-              </a:ext>
-            </a:extLst>
-          </p:cNvPr>
-          <p:cNvSpPr>
-            <a:spLocks noGrp="1"/>
-          </p:cNvSpPr>
-          <p:nvPr>
-            <p:ph type="ftr" sz="quarter" idx="11"/>
-          </p:nvPr>
-        </p:nvSpPr>
-        <p:spPr/>
-        <p:txBody>
-          <a:bodyPr/>
-          <a:lstStyle/>
-          <a:p>
-            <a:r>
-              <a:rPr lang="cs-CZ" dirty="0"/>
-              <a:t>Středoškolská odborná činnost 2023</a:t>
-            </a:r>
-          </a:p>
-        </p:txBody>
-      </p:sp>
     </p:spTree>
     <p:extLst>
       <p:ext uri="{BB962C8B-B14F-4D97-AF65-F5344CB8AC3E}">
@@ -4193,7 +6365,7 @@
 </p:sld>
 </file>
 
-<file path=ppt/slides/slide16.xml><?xml version="1.0" encoding="utf-8"?>
+<file path=ppt/slides/slide13.xml><?xml version="1.0" encoding="utf-8"?>
 <p:sld xmlns:a="http://schemas.openxmlformats.org/drawingml/2006/main" xmlns:r="http://schemas.openxmlformats.org/officeDocument/2006/relationships" xmlns:p="http://schemas.openxmlformats.org/presentationml/2006/main">
   <p:cSld>
     <p:spTree>
@@ -5167,7 +7339,7 @@
           <a:p>
             <a:r>
               <a:rPr lang="cs-CZ" dirty="0"/>
-              <a:t>Nonverbální děti</a:t>
+              <a:t>Nonverbální autismus</a:t>
             </a:r>
           </a:p>
         </p:txBody>
@@ -5190,30 +7362,74 @@
         </p:nvSpPr>
         <p:spPr/>
         <p:txBody>
-          <a:bodyPr/>
+          <a:bodyPr>
+            <a:normAutofit lnSpcReduction="10000"/>
+          </a:bodyPr>
           <a:lstStyle/>
           <a:p>
             <a:r>
               <a:rPr lang="cs-CZ" dirty="0"/>
-              <a:t>neumí mluvit z důvodu postižení</a:t>
+              <a:t>Forma autismu</a:t>
             </a:r>
           </a:p>
           <a:p>
             <a:r>
               <a:rPr lang="cs-CZ" dirty="0"/>
-              <a:t>často přidružené mentální postižení různého směru</a:t>
-            </a:r>
-          </a:p>
-          <a:p>
+              <a:t>Častá doprovodná onemocnění:</a:t>
+            </a:r>
+          </a:p>
+          <a:p>
+            <a:pPr lvl="1"/>
             <a:r>
               <a:rPr lang="cs-CZ" dirty="0"/>
-              <a:t>potíže s vyjadřováním svých potřeb, přání a emocí</a:t>
-            </a:r>
-          </a:p>
-          <a:p>
+              <a:t>Epilepsie</a:t>
+            </a:r>
+          </a:p>
+          <a:p>
+            <a:pPr lvl="1"/>
             <a:r>
               <a:rPr lang="cs-CZ" dirty="0"/>
-              <a:t>potřebují zvláštní podporu a pochopení ze strany rodiny, vychovatelů a učitelů</a:t>
+              <a:t>Poruchy pozornosti</a:t>
+            </a:r>
+          </a:p>
+          <a:p>
+            <a:pPr lvl="1"/>
+            <a:r>
+              <a:rPr lang="cs-CZ" dirty="0"/>
+              <a:t>Úzkosti, deprese</a:t>
+            </a:r>
+          </a:p>
+          <a:p>
+            <a:pPr lvl="1"/>
+            <a:r>
+              <a:rPr lang="cs-CZ" dirty="0"/>
+              <a:t>Spánkové poruchy</a:t>
+            </a:r>
+          </a:p>
+          <a:p>
+            <a:r>
+              <a:rPr lang="cs-CZ" dirty="0"/>
+              <a:t>Používání pouze několika slov</a:t>
+            </a:r>
+          </a:p>
+          <a:p>
+            <a:pPr lvl="1"/>
+            <a:r>
+              <a:rPr lang="cs-CZ" dirty="0"/>
+              <a:t>Komunikace pomocí zvuků namísto slov </a:t>
+            </a:r>
+          </a:p>
+          <a:p>
+            <a:pPr lvl="1"/>
+            <a:r>
+              <a:rPr lang="cs-CZ" dirty="0"/>
+              <a:t>Spontánně nezačíná konverzaci nebo na ni nereaguje</a:t>
+            </a:r>
+          </a:p>
+          <a:p>
+            <a:r>
+              <a:rPr lang="cs-CZ" dirty="0"/>
+              <a:t>Možné rozumění jazyku</a:t>
             </a:r>
           </a:p>
           <a:p>
@@ -5243,9 +7459,10 @@
           <a:lstStyle/>
           <a:p>
             <a:r>
-              <a:rPr lang="cs-CZ" dirty="0"/>
+              <a:rPr lang="cs-CZ"/>
               <a:t>Středoškolská odborná činnost 2023</a:t>
             </a:r>
+            <a:endParaRPr lang="cs-CZ" dirty="0"/>
           </a:p>
         </p:txBody>
       </p:sp>
@@ -5284,7 +7501,7 @@
           <p:cNvPr id="2" name="Nadpis 1">
             <a:extLst>
               <a:ext uri="{FF2B5EF4-FFF2-40B4-BE49-F238E27FC236}">
-                <a16:creationId xmlns:a16="http://schemas.microsoft.com/office/drawing/2014/main" id="{46515866-E3D9-422D-86B9-9662833DD1D2}"/>
+                <a16:creationId xmlns:a16="http://schemas.microsoft.com/office/drawing/2014/main" id="{0F9B370B-0EE9-835A-F0C1-FF70F121AEF4}"/>
               </a:ext>
             </a:extLst>
           </p:cNvPr>
@@ -5301,21 +7518,19 @@
           <a:lstStyle/>
           <a:p>
             <a:r>
-              <a:rPr lang="cs-CZ" dirty="0">
-                <a:latin typeface="+mn-lt"/>
-              </a:rPr>
-              <a:t>Použité technologie</a:t>
-            </a:r>
-            <a:endParaRPr lang="cs-CZ" dirty="0"/>
+              <a:rPr lang="cs-CZ" dirty="0"/>
+              <a:t>Příčiny a rizikové faktory nonverbálního autismu</a:t>
+            </a:r>
+            <a:endParaRPr lang="de-DE" dirty="0"/>
           </a:p>
         </p:txBody>
       </p:sp>
       <p:sp>
         <p:nvSpPr>
-          <p:cNvPr id="3" name="Zástupný symbol pro obsah 2">
+          <p:cNvPr id="3" name="Zástupný obsah 2">
             <a:extLst>
               <a:ext uri="{FF2B5EF4-FFF2-40B4-BE49-F238E27FC236}">
-                <a16:creationId xmlns:a16="http://schemas.microsoft.com/office/drawing/2014/main" id="{63ED24C5-5067-45ED-9318-6847CB13A3CF}"/>
+                <a16:creationId xmlns:a16="http://schemas.microsoft.com/office/drawing/2014/main" id="{571BBF2F-39D7-E210-6890-7268F8C117E6}"/>
               </a:ext>
             </a:extLst>
           </p:cNvPr>
@@ -5333,45 +7548,68 @@
           <a:p>
             <a:r>
               <a:rPr lang="cs-CZ" dirty="0"/>
-              <a:t>Java</a:t>
-            </a:r>
-          </a:p>
-          <a:p>
+              <a:t>Příčiny:</a:t>
+            </a:r>
+          </a:p>
+          <a:p>
+            <a:pPr lvl="1"/>
             <a:r>
               <a:rPr lang="cs-CZ" dirty="0"/>
-              <a:t>Android studio</a:t>
-            </a:r>
-          </a:p>
-          <a:p>
+              <a:t>Genetika</a:t>
+            </a:r>
+          </a:p>
+          <a:p>
+            <a:pPr lvl="1"/>
             <a:r>
               <a:rPr lang="cs-CZ" dirty="0"/>
-              <a:t>Knihovna Picasso</a:t>
-            </a:r>
-          </a:p>
-          <a:p>
+              <a:t>Faktory prostředí</a:t>
+            </a:r>
+          </a:p>
+          <a:p>
+            <a:pPr lvl="1"/>
             <a:r>
               <a:rPr lang="cs-CZ" dirty="0"/>
-              <a:t>Knihovna a</a:t>
-            </a:r>
-            <a:r>
-              <a:rPr lang="de-DE" dirty="0" err="1"/>
-              <a:t>ndroid</a:t>
-            </a:r>
-            <a:r>
-              <a:rPr lang="de-DE" dirty="0"/>
-              <a:t> Image </a:t>
-            </a:r>
-            <a:r>
-              <a:rPr lang="de-DE" dirty="0" err="1"/>
-              <a:t>Cropper</a:t>
-            </a:r>
-            <a:endParaRPr lang="de-DE" dirty="0"/>
+              <a:t>Žádné důkazy o způsobení autismu očkováním</a:t>
+            </a:r>
+          </a:p>
+          <a:p>
+            <a:r>
+              <a:rPr lang="cs-CZ" dirty="0"/>
+              <a:t>Rizikové faktory:</a:t>
+            </a:r>
+          </a:p>
+          <a:p>
+            <a:pPr lvl="1"/>
+            <a:r>
+              <a:rPr lang="cs-CZ" dirty="0"/>
+              <a:t>Pohlaví</a:t>
+            </a:r>
+          </a:p>
+          <a:p>
+            <a:pPr lvl="1"/>
+            <a:r>
+              <a:rPr lang="cs-CZ" dirty="0"/>
+              <a:t>Extrémně předčasně narozené děti </a:t>
+            </a:r>
+          </a:p>
+          <a:p>
+            <a:pPr lvl="1"/>
+            <a:r>
+              <a:rPr lang="cs-CZ" dirty="0"/>
+              <a:t>Věk rodičů</a:t>
+            </a:r>
+          </a:p>
+          <a:p>
+            <a:endParaRPr lang="cs-CZ" dirty="0"/>
           </a:p>
           <a:p>
             <a:pPr marL="0" indent="0">
               <a:buNone/>
             </a:pPr>
             <a:endParaRPr lang="cs-CZ" dirty="0"/>
+          </a:p>
+          <a:p>
+            <a:endParaRPr lang="de-DE" dirty="0"/>
           </a:p>
         </p:txBody>
       </p:sp>
@@ -5380,7 +7618,7 @@
           <p:cNvPr id="4" name="Zástupný symbol pro zápatí 3">
             <a:extLst>
               <a:ext uri="{FF2B5EF4-FFF2-40B4-BE49-F238E27FC236}">
-                <a16:creationId xmlns:a16="http://schemas.microsoft.com/office/drawing/2014/main" id="{F3B8CD76-0C13-4A26-B605-1D939F6A47C3}"/>
+                <a16:creationId xmlns:a16="http://schemas.microsoft.com/office/drawing/2014/main" id="{AD1029C3-BC1D-3915-B2C4-4FA2DEA4E443}"/>
               </a:ext>
             </a:extLst>
           </p:cNvPr>
@@ -5397,124 +7635,17 @@
           <a:lstStyle/>
           <a:p>
             <a:r>
-              <a:rPr lang="cs-CZ" dirty="0"/>
+              <a:rPr lang="cs-CZ"/>
               <a:t>Středoškolská odborná činnost 2023</a:t>
             </a:r>
+            <a:endParaRPr lang="cs-CZ" dirty="0"/>
           </a:p>
         </p:txBody>
       </p:sp>
-      <p:pic>
-        <p:nvPicPr>
-          <p:cNvPr id="5" name="Obrázek 4">
-            <a:extLst>
-              <a:ext uri="{FF2B5EF4-FFF2-40B4-BE49-F238E27FC236}">
-                <a16:creationId xmlns:a16="http://schemas.microsoft.com/office/drawing/2014/main" id="{CF15083F-DF85-D648-85AD-93FEF1F0D64E}"/>
-              </a:ext>
-            </a:extLst>
-          </p:cNvPr>
-          <p:cNvPicPr>
-            <a:picLocks noChangeAspect="1"/>
-          </p:cNvPicPr>
-          <p:nvPr/>
-        </p:nvPicPr>
-        <p:blipFill>
-          <a:blip r:embed="rId2">
-            <a:extLst>
-              <a:ext uri="{28A0092B-C50C-407E-A947-70E740481C1C}">
-                <a14:useLocalDpi xmlns:a14="http://schemas.microsoft.com/office/drawing/2010/main" val="0"/>
-              </a:ext>
-            </a:extLst>
-          </a:blip>
-          <a:stretch>
-            <a:fillRect/>
-          </a:stretch>
-        </p:blipFill>
-        <p:spPr>
-          <a:xfrm>
-            <a:off x="3935721" y="1647342"/>
-            <a:ext cx="2847975" cy="1600200"/>
-          </a:xfrm>
-          <a:prstGeom prst="rect">
-            <a:avLst/>
-          </a:prstGeom>
-        </p:spPr>
-      </p:pic>
-      <p:pic>
-        <p:nvPicPr>
-          <p:cNvPr id="6" name="Obrázek 5">
-            <a:extLst>
-              <a:ext uri="{FF2B5EF4-FFF2-40B4-BE49-F238E27FC236}">
-                <a16:creationId xmlns:a16="http://schemas.microsoft.com/office/drawing/2014/main" id="{F35A9023-6EBF-D586-21E8-47E7F795C71B}"/>
-              </a:ext>
-            </a:extLst>
-          </p:cNvPr>
-          <p:cNvPicPr>
-            <a:picLocks noChangeAspect="1"/>
-          </p:cNvPicPr>
-          <p:nvPr/>
-        </p:nvPicPr>
-        <p:blipFill>
-          <a:blip r:embed="rId3">
-            <a:extLst>
-              <a:ext uri="{28A0092B-C50C-407E-A947-70E740481C1C}">
-                <a14:useLocalDpi xmlns:a14="http://schemas.microsoft.com/office/drawing/2010/main" val="0"/>
-              </a:ext>
-            </a:extLst>
-          </a:blip>
-          <a:stretch>
-            <a:fillRect/>
-          </a:stretch>
-        </p:blipFill>
-        <p:spPr>
-          <a:xfrm>
-            <a:off x="7303387" y="1851360"/>
-            <a:ext cx="3095625" cy="3095625"/>
-          </a:xfrm>
-          <a:prstGeom prst="rect">
-            <a:avLst/>
-          </a:prstGeom>
-        </p:spPr>
-      </p:pic>
-      <p:pic>
-        <p:nvPicPr>
-          <p:cNvPr id="7" name="Obrázek 6" descr="Obsah obrázku text, klipart&#10;&#10;Popis byl vytvořen automaticky">
-            <a:extLst>
-              <a:ext uri="{FF2B5EF4-FFF2-40B4-BE49-F238E27FC236}">
-                <a16:creationId xmlns:a16="http://schemas.microsoft.com/office/drawing/2014/main" id="{274E87B7-D410-B838-2774-5210602A9020}"/>
-              </a:ext>
-            </a:extLst>
-          </p:cNvPr>
-          <p:cNvPicPr>
-            <a:picLocks noChangeAspect="1"/>
-          </p:cNvPicPr>
-          <p:nvPr/>
-        </p:nvPicPr>
-        <p:blipFill>
-          <a:blip r:embed="rId4">
-            <a:extLst>
-              <a:ext uri="{28A0092B-C50C-407E-A947-70E740481C1C}">
-                <a14:useLocalDpi xmlns:a14="http://schemas.microsoft.com/office/drawing/2010/main" val="0"/>
-              </a:ext>
-            </a:extLst>
-          </a:blip>
-          <a:stretch>
-            <a:fillRect/>
-          </a:stretch>
-        </p:blipFill>
-        <p:spPr>
-          <a:xfrm>
-            <a:off x="2324286" y="4090604"/>
-            <a:ext cx="4024313" cy="1120054"/>
-          </a:xfrm>
-          <a:prstGeom prst="rect">
-            <a:avLst/>
-          </a:prstGeom>
-        </p:spPr>
-      </p:pic>
     </p:spTree>
     <p:extLst>
       <p:ext uri="{BB962C8B-B14F-4D97-AF65-F5344CB8AC3E}">
-        <p14:creationId xmlns:p14="http://schemas.microsoft.com/office/powerpoint/2010/main" val="3525622788"/>
+        <p14:creationId xmlns:p14="http://schemas.microsoft.com/office/powerpoint/2010/main" val="1159775578"/>
       </p:ext>
     </p:extLst>
   </p:cSld>
@@ -5543,10 +7674,10 @@
       </p:grpSpPr>
       <p:sp>
         <p:nvSpPr>
-          <p:cNvPr id="2" name="Nadpis 1">
+          <p:cNvPr id="5" name="Nadpis 4">
             <a:extLst>
               <a:ext uri="{FF2B5EF4-FFF2-40B4-BE49-F238E27FC236}">
-                <a16:creationId xmlns:a16="http://schemas.microsoft.com/office/drawing/2014/main" id="{F9A87C31-DD22-4213-8129-C9A39317F3D5}"/>
+                <a16:creationId xmlns:a16="http://schemas.microsoft.com/office/drawing/2014/main" id="{6C4B9E8E-6590-D104-9A08-45BEDC0DB78B}"/>
               </a:ext>
             </a:extLst>
           </p:cNvPr>
@@ -5563,21 +7694,19 @@
           <a:lstStyle/>
           <a:p>
             <a:r>
-              <a:rPr lang="cs-CZ" dirty="0">
-                <a:latin typeface="+mn-lt"/>
-              </a:rPr>
-              <a:t>Parametry aplikace</a:t>
-            </a:r>
-            <a:endParaRPr lang="cs-CZ" dirty="0"/>
+              <a:rPr lang="cs-CZ" dirty="0"/>
+              <a:t>Léčba nonverbálního autismu</a:t>
+            </a:r>
+            <a:endParaRPr lang="de-DE" dirty="0"/>
           </a:p>
         </p:txBody>
       </p:sp>
       <p:sp>
         <p:nvSpPr>
-          <p:cNvPr id="3" name="Zástupný symbol pro obsah 2">
+          <p:cNvPr id="6" name="Zástupný obsah 5">
             <a:extLst>
               <a:ext uri="{FF2B5EF4-FFF2-40B4-BE49-F238E27FC236}">
-                <a16:creationId xmlns:a16="http://schemas.microsoft.com/office/drawing/2014/main" id="{45FE01E1-9C56-4561-A5D7-A6F51AF88847}"/>
+                <a16:creationId xmlns:a16="http://schemas.microsoft.com/office/drawing/2014/main" id="{46584F9D-DEA8-385E-D6AE-02D26C78F89D}"/>
               </a:ext>
             </a:extLst>
           </p:cNvPr>
@@ -5585,41 +7714,89 @@
             <a:spLocks noGrp="1"/>
           </p:cNvSpPr>
           <p:nvPr>
-            <p:ph idx="1"/>
+            <p:ph sz="half" idx="1"/>
           </p:nvPr>
         </p:nvSpPr>
-        <p:spPr/>
+        <p:spPr>
+          <a:xfrm>
+            <a:off x="838199" y="1825625"/>
+            <a:ext cx="6430348" cy="4351338"/>
+          </a:xfrm>
+        </p:spPr>
         <p:txBody>
           <a:bodyPr/>
           <a:lstStyle/>
           <a:p>
             <a:r>
               <a:rPr lang="cs-CZ" dirty="0"/>
-              <a:t>Api 23 –&gt; android 6 a víc</a:t>
-            </a:r>
-          </a:p>
-          <a:p>
-            <a:r>
-              <a:rPr lang="cs-CZ"/>
-              <a:t>Velikost 4,29 </a:t>
-            </a:r>
+              <a:t>Terapie, logopedie</a:t>
+            </a:r>
+          </a:p>
+          <a:p>
             <a:r>
               <a:rPr lang="cs-CZ" dirty="0"/>
-              <a:t>MG</a:t>
-            </a:r>
-          </a:p>
-          <a:p>
+              <a:t>Picture Exchange </a:t>
+            </a:r>
+            <a:r>
+              <a:rPr lang="cs-CZ" dirty="0" err="1"/>
+              <a:t>Communication</a:t>
+            </a:r>
             <a:r>
               <a:rPr lang="cs-CZ" dirty="0"/>
-              <a:t>Orientace na šířku</a:t>
-            </a:r>
+              <a:t> </a:t>
+            </a:r>
+            <a:r>
+              <a:rPr lang="cs-CZ" dirty="0" err="1"/>
+              <a:t>System</a:t>
+            </a:r>
+            <a:r>
+              <a:rPr lang="cs-CZ" dirty="0"/>
+              <a:t> (PECS)</a:t>
+            </a:r>
+          </a:p>
+          <a:p>
+            <a:pPr lvl="1"/>
+            <a:r>
+              <a:rPr lang="cs-CZ" dirty="0"/>
+              <a:t>Vznik 1985</a:t>
+            </a:r>
+          </a:p>
+          <a:p>
+            <a:pPr lvl="1"/>
+            <a:r>
+              <a:rPr lang="cs-CZ" dirty="0"/>
+              <a:t>Používán tisíci žáky po celém světě</a:t>
+            </a:r>
+          </a:p>
+          <a:p>
+            <a:pPr lvl="1"/>
+            <a:r>
+              <a:rPr lang="cs-CZ" dirty="0"/>
+              <a:t>6 fází</a:t>
+            </a:r>
+          </a:p>
+          <a:p>
+            <a:pPr lvl="1"/>
+            <a:r>
+              <a:rPr lang="cs-CZ" dirty="0"/>
+              <a:t>Cíl – funkční komunikace</a:t>
+            </a:r>
+          </a:p>
+          <a:p>
+            <a:r>
+              <a:rPr lang="cs-CZ" dirty="0"/>
+              <a:t>Výměnný obrázkový komunikační systém (VOKS)</a:t>
+            </a:r>
+          </a:p>
+          <a:p>
+            <a:pPr lvl="1"/>
+            <a:r>
+              <a:rPr lang="cs-CZ" dirty="0"/>
+              <a:t>Modifikace PECS na české prostředí</a:t>
+            </a:r>
+          </a:p>
+          <a:p>
             <a:endParaRPr lang="de-DE" dirty="0"/>
-          </a:p>
-          <a:p>
-            <a:pPr marL="0" indent="0">
-              <a:buNone/>
-            </a:pPr>
-            <a:endParaRPr lang="cs-CZ" dirty="0"/>
           </a:p>
         </p:txBody>
       </p:sp>
@@ -5628,7 +7805,7 @@
           <p:cNvPr id="4" name="Zástupný symbol pro zápatí 3">
             <a:extLst>
               <a:ext uri="{FF2B5EF4-FFF2-40B4-BE49-F238E27FC236}">
-                <a16:creationId xmlns:a16="http://schemas.microsoft.com/office/drawing/2014/main" id="{5B27D3F6-3CB4-4850-8A53-BD5299C67252}"/>
+                <a16:creationId xmlns:a16="http://schemas.microsoft.com/office/drawing/2014/main" id="{3A19A160-E34C-8F82-7F62-2D7187F8AD24}"/>
               </a:ext>
             </a:extLst>
           </p:cNvPr>
@@ -5651,10 +7828,84 @@
           </a:p>
         </p:txBody>
       </p:sp>
+      <p:pic>
+        <p:nvPicPr>
+          <p:cNvPr id="8" name="Zástupný obsah 7" descr="Obsah obrázku osoba, interiér&#10;&#10;Popis byl vytvořen automaticky">
+            <a:extLst>
+              <a:ext uri="{FF2B5EF4-FFF2-40B4-BE49-F238E27FC236}">
+                <a16:creationId xmlns:a16="http://schemas.microsoft.com/office/drawing/2014/main" id="{F7E67294-B0AF-B173-BD7D-3DFFE7B0F78D}"/>
+              </a:ext>
+            </a:extLst>
+          </p:cNvPr>
+          <p:cNvPicPr>
+            <a:picLocks noGrp="1" noChangeAspect="1"/>
+          </p:cNvPicPr>
+          <p:nvPr>
+            <p:ph sz="half" idx="2"/>
+          </p:nvPr>
+        </p:nvPicPr>
+        <p:blipFill>
+          <a:blip r:embed="rId2" cstate="print">
+            <a:extLst>
+              <a:ext uri="{28A0092B-C50C-407E-A947-70E740481C1C}">
+                <a14:useLocalDpi xmlns:a14="http://schemas.microsoft.com/office/drawing/2010/main" val="0"/>
+              </a:ext>
+            </a:extLst>
+          </a:blip>
+          <a:stretch>
+            <a:fillRect/>
+          </a:stretch>
+        </p:blipFill>
+        <p:spPr>
+          <a:xfrm>
+            <a:off x="7816872" y="1485286"/>
+            <a:ext cx="3608932" cy="1901221"/>
+          </a:xfrm>
+          <a:prstGeom prst="rect">
+            <a:avLst/>
+          </a:prstGeom>
+        </p:spPr>
+      </p:pic>
+      <p:pic>
+        <p:nvPicPr>
+          <p:cNvPr id="9" name="Obrázek 8">
+            <a:extLst>
+              <a:ext uri="{FF2B5EF4-FFF2-40B4-BE49-F238E27FC236}">
+                <a16:creationId xmlns:a16="http://schemas.microsoft.com/office/drawing/2014/main" id="{F9F5DAF2-5325-0409-F3A3-D49DA62552B8}"/>
+              </a:ext>
+            </a:extLst>
+          </p:cNvPr>
+          <p:cNvPicPr>
+            <a:picLocks noChangeAspect="1"/>
+          </p:cNvPicPr>
+          <p:nvPr/>
+        </p:nvPicPr>
+        <p:blipFill>
+          <a:blip r:embed="rId3" cstate="print">
+            <a:extLst>
+              <a:ext uri="{28A0092B-C50C-407E-A947-70E740481C1C}">
+                <a14:useLocalDpi xmlns:a14="http://schemas.microsoft.com/office/drawing/2010/main" val="0"/>
+              </a:ext>
+            </a:extLst>
+          </a:blip>
+          <a:stretch>
+            <a:fillRect/>
+          </a:stretch>
+        </p:blipFill>
+        <p:spPr>
+          <a:xfrm>
+            <a:off x="7818511" y="3471493"/>
+            <a:ext cx="3607293" cy="2705470"/>
+          </a:xfrm>
+          <a:prstGeom prst="rect">
+            <a:avLst/>
+          </a:prstGeom>
+        </p:spPr>
+      </p:pic>
     </p:spTree>
     <p:extLst>
       <p:ext uri="{BB962C8B-B14F-4D97-AF65-F5344CB8AC3E}">
-        <p14:creationId xmlns:p14="http://schemas.microsoft.com/office/powerpoint/2010/main" val="3923663500"/>
+        <p14:creationId xmlns:p14="http://schemas.microsoft.com/office/powerpoint/2010/main" val="2670767791"/>
       </p:ext>
     </p:extLst>
   </p:cSld>
@@ -5686,7 +7937,7 @@
           <p:cNvPr id="2" name="Nadpis 1">
             <a:extLst>
               <a:ext uri="{FF2B5EF4-FFF2-40B4-BE49-F238E27FC236}">
-                <a16:creationId xmlns:a16="http://schemas.microsoft.com/office/drawing/2014/main" id="{F9A87C31-DD22-4213-8129-C9A39317F3D5}"/>
+                <a16:creationId xmlns:a16="http://schemas.microsoft.com/office/drawing/2014/main" id="{46515866-E3D9-422D-86B9-9662833DD1D2}"/>
               </a:ext>
             </a:extLst>
           </p:cNvPr>
@@ -5697,42 +7948,20 @@
             <p:ph type="title"/>
           </p:nvPr>
         </p:nvSpPr>
-        <p:spPr/>
+        <p:spPr>
+          <a:xfrm>
+            <a:off x="838200" y="318472"/>
+            <a:ext cx="10515600" cy="1325563"/>
+          </a:xfrm>
+        </p:spPr>
         <p:txBody>
           <a:bodyPr/>
           <a:lstStyle/>
           <a:p>
             <a:r>
-              <a:rPr lang="de-DE" dirty="0" err="1">
-                <a:latin typeface="+mn-lt"/>
-              </a:rPr>
-              <a:t>Aktivita</a:t>
-            </a:r>
-            <a:r>
-              <a:rPr lang="de-DE" dirty="0">
-                <a:latin typeface="+mn-lt"/>
-              </a:rPr>
-              <a:t> </a:t>
-            </a:r>
-            <a:r>
-              <a:rPr lang="de-DE" dirty="0" err="1">
-                <a:latin typeface="+mn-lt"/>
-              </a:rPr>
-              <a:t>vytvoření</a:t>
-            </a:r>
-            <a:r>
-              <a:rPr lang="de-DE" dirty="0">
-                <a:latin typeface="+mn-lt"/>
-              </a:rPr>
-              <a:t> </a:t>
-            </a:r>
-            <a:r>
-              <a:rPr lang="de-DE" dirty="0" err="1">
-                <a:latin typeface="+mn-lt"/>
-              </a:rPr>
-              <a:t>hesla</a:t>
-            </a:r>
-            <a:endParaRPr lang="cs-CZ" dirty="0"/>
+              <a:rPr lang="cs-CZ" dirty="0"/>
+              <a:t>Funkce aplikace</a:t>
+            </a:r>
           </a:p>
         </p:txBody>
       </p:sp>
@@ -5741,7 +7970,7 @@
           <p:cNvPr id="3" name="Zástupný symbol pro obsah 2">
             <a:extLst>
               <a:ext uri="{FF2B5EF4-FFF2-40B4-BE49-F238E27FC236}">
-                <a16:creationId xmlns:a16="http://schemas.microsoft.com/office/drawing/2014/main" id="{45FE01E1-9C56-4561-A5D7-A6F51AF88847}"/>
+                <a16:creationId xmlns:a16="http://schemas.microsoft.com/office/drawing/2014/main" id="{63ED24C5-5067-45ED-9318-6847CB13A3CF}"/>
               </a:ext>
             </a:extLst>
           </p:cNvPr>
@@ -5749,7 +7978,7 @@
             <a:spLocks noGrp="1"/>
           </p:cNvSpPr>
           <p:nvPr>
-            <p:ph idx="1"/>
+            <p:ph sz="half" idx="1"/>
           </p:nvPr>
         </p:nvSpPr>
         <p:spPr/>
@@ -5759,20 +7988,39 @@
           <a:p>
             <a:r>
               <a:rPr lang="cs-CZ" dirty="0"/>
-              <a:t>Spuštění pouze jednou</a:t>
-            </a:r>
-          </a:p>
+              <a:t>Skládání věty</a:t>
+            </a:r>
+          </a:p>
+        </p:txBody>
+      </p:sp>
+      <p:sp>
+        <p:nvSpPr>
+          <p:cNvPr id="8" name="Zástupný obsah 7">
+            <a:extLst>
+              <a:ext uri="{FF2B5EF4-FFF2-40B4-BE49-F238E27FC236}">
+                <a16:creationId xmlns:a16="http://schemas.microsoft.com/office/drawing/2014/main" id="{4467A139-FCCC-2620-EA42-6F69CD4240EF}"/>
+              </a:ext>
+            </a:extLst>
+          </p:cNvPr>
+          <p:cNvSpPr>
+            <a:spLocks noGrp="1"/>
+          </p:cNvSpPr>
+          <p:nvPr>
+            <p:ph sz="half" idx="2"/>
+          </p:nvPr>
+        </p:nvSpPr>
+        <p:spPr/>
+        <p:txBody>
+          <a:bodyPr/>
+          <a:lstStyle/>
           <a:p>
             <a:r>
               <a:rPr lang="cs-CZ" dirty="0"/>
-              <a:t>Uloží heslo do souboru</a:t>
-            </a:r>
-          </a:p>
-          <a:p>
-            <a:r>
-              <a:rPr lang="cs-CZ" dirty="0"/>
-              <a:t>Spustí hlavní aktivitu</a:t>
-            </a:r>
+              <a:t>Rozvrh činností</a:t>
+            </a:r>
+          </a:p>
+          <a:p>
+            <a:endParaRPr lang="de-DE" dirty="0"/>
           </a:p>
         </p:txBody>
       </p:sp>
@@ -5781,7 +8029,7 @@
           <p:cNvPr id="4" name="Zástupný symbol pro zápatí 3">
             <a:extLst>
               <a:ext uri="{FF2B5EF4-FFF2-40B4-BE49-F238E27FC236}">
-                <a16:creationId xmlns:a16="http://schemas.microsoft.com/office/drawing/2014/main" id="{5B27D3F6-3CB4-4850-8A53-BD5299C67252}"/>
+                <a16:creationId xmlns:a16="http://schemas.microsoft.com/office/drawing/2014/main" id="{F3B8CD76-0C13-4A26-B605-1D939F6A47C3}"/>
               </a:ext>
             </a:extLst>
           </p:cNvPr>
@@ -5806,10 +8054,10 @@
       </p:sp>
       <p:pic>
         <p:nvPicPr>
-          <p:cNvPr id="5" name="Zástupný obsah 3" descr="Obsah obrázku text&#10;&#10;Popis byl vytvořen automaticky">
+          <p:cNvPr id="9" name="Obrázek 8">
             <a:extLst>
               <a:ext uri="{FF2B5EF4-FFF2-40B4-BE49-F238E27FC236}">
-                <a16:creationId xmlns:a16="http://schemas.microsoft.com/office/drawing/2014/main" id="{A34B69D8-7131-8A7E-73BD-EC70EB267072}"/>
+                <a16:creationId xmlns:a16="http://schemas.microsoft.com/office/drawing/2014/main" id="{A1AB8760-89E0-DDFC-DD07-3BE14B61F5BB}"/>
               </a:ext>
             </a:extLst>
           </p:cNvPr>
@@ -5826,13 +8074,13 @@
               </a:ext>
             </a:extLst>
           </a:blip>
-          <a:srcRect r="6574"/>
+          <a:srcRect l="3952" r="6151"/>
           <a:stretch/>
         </p:blipFill>
         <p:spPr bwMode="auto">
           <a:xfrm>
-            <a:off x="5576465" y="1982620"/>
-            <a:ext cx="4174283" cy="2514901"/>
+            <a:off x="838200" y="2718318"/>
+            <a:ext cx="4619831" cy="2370041"/>
           </a:xfrm>
           <a:prstGeom prst="rect">
             <a:avLst/>
@@ -5860,10 +8108,10 @@
       </p:pic>
       <p:pic>
         <p:nvPicPr>
-          <p:cNvPr id="6" name="Obrázek 5" descr="Obsah obrázku text&#10;&#10;Popis byl vytvořen automaticky">
+          <p:cNvPr id="10" name="Obrázek 9">
             <a:extLst>
               <a:ext uri="{FF2B5EF4-FFF2-40B4-BE49-F238E27FC236}">
-                <a16:creationId xmlns:a16="http://schemas.microsoft.com/office/drawing/2014/main" id="{A19AE840-2FF9-1C30-F737-0AD5828247EA}"/>
+                <a16:creationId xmlns:a16="http://schemas.microsoft.com/office/drawing/2014/main" id="{EA6E3352-A060-2B44-C89B-2C61A2054869}"/>
               </a:ext>
             </a:extLst>
           </p:cNvPr>
@@ -5880,13 +8128,13 @@
               </a:ext>
             </a:extLst>
           </a:blip>
-          <a:srcRect r="6857"/>
+          <a:srcRect l="4375" r="6010"/>
           <a:stretch/>
         </p:blipFill>
         <p:spPr bwMode="auto">
           <a:xfrm>
-            <a:off x="1153821" y="3562492"/>
-            <a:ext cx="3733800" cy="2254885"/>
+            <a:off x="6096000" y="2718318"/>
+            <a:ext cx="4603955" cy="2370041"/>
           </a:xfrm>
           <a:prstGeom prst="rect">
             <a:avLst/>
@@ -5915,7 +8163,7 @@
     </p:spTree>
     <p:extLst>
       <p:ext uri="{BB962C8B-B14F-4D97-AF65-F5344CB8AC3E}">
-        <p14:creationId xmlns:p14="http://schemas.microsoft.com/office/powerpoint/2010/main" val="1799071910"/>
+        <p14:creationId xmlns:p14="http://schemas.microsoft.com/office/powerpoint/2010/main" val="919784697"/>
       </p:ext>
     </p:extLst>
   </p:cSld>
@@ -5947,7 +8195,7 @@
           <p:cNvPr id="2" name="Nadpis 1">
             <a:extLst>
               <a:ext uri="{FF2B5EF4-FFF2-40B4-BE49-F238E27FC236}">
-                <a16:creationId xmlns:a16="http://schemas.microsoft.com/office/drawing/2014/main" id="{F9A87C31-DD22-4213-8129-C9A39317F3D5}"/>
+                <a16:creationId xmlns:a16="http://schemas.microsoft.com/office/drawing/2014/main" id="{46515866-E3D9-422D-86B9-9662833DD1D2}"/>
               </a:ext>
             </a:extLst>
           </p:cNvPr>
@@ -5964,12 +8212,9 @@
           <a:lstStyle/>
           <a:p>
             <a:r>
-              <a:rPr lang="cs-CZ" dirty="0">
-                <a:latin typeface="+mn-lt"/>
-              </a:rPr>
-              <a:t>Hlavní aktivita</a:t>
-            </a:r>
-            <a:endParaRPr lang="cs-CZ" dirty="0"/>
+              <a:rPr lang="cs-CZ" dirty="0"/>
+              <a:t>Vývoj aplikace</a:t>
+            </a:r>
           </a:p>
         </p:txBody>
       </p:sp>
@@ -5978,7 +8223,7 @@
           <p:cNvPr id="3" name="Zástupný symbol pro obsah 2">
             <a:extLst>
               <a:ext uri="{FF2B5EF4-FFF2-40B4-BE49-F238E27FC236}">
-                <a16:creationId xmlns:a16="http://schemas.microsoft.com/office/drawing/2014/main" id="{45FE01E1-9C56-4561-A5D7-A6F51AF88847}"/>
+                <a16:creationId xmlns:a16="http://schemas.microsoft.com/office/drawing/2014/main" id="{63ED24C5-5067-45ED-9318-6847CB13A3CF}"/>
               </a:ext>
             </a:extLst>
           </p:cNvPr>
@@ -5991,96 +8236,91 @@
         </p:nvSpPr>
         <p:spPr/>
         <p:txBody>
-          <a:bodyPr/>
+          <a:bodyPr>
+            <a:normAutofit lnSpcReduction="10000"/>
+          </a:bodyPr>
           <a:lstStyle/>
           <a:p>
             <a:r>
-              <a:rPr lang="cs-CZ" sz="2800" dirty="0">
-                <a:effectLst/>
-                <a:ea typeface="Calibri" panose="020F0502020204030204" pitchFamily="34" charset="0"/>
-                <a:cs typeface="Times New Roman" panose="02020603050405020304" pitchFamily="18" charset="0"/>
-              </a:rPr>
-              <a:t>Začni – pro děti</a:t>
-            </a:r>
-          </a:p>
-          <a:p>
-            <a:r>
-              <a:rPr lang="cs-CZ" sz="2800" dirty="0">
-                <a:effectLst/>
-                <a:ea typeface="Calibri" panose="020F0502020204030204" pitchFamily="34" charset="0"/>
-                <a:cs typeface="Times New Roman" panose="02020603050405020304" pitchFamily="18" charset="0"/>
-              </a:rPr>
-              <a:t>Rozvrh – pro děti</a:t>
-            </a:r>
-            <a:endParaRPr lang="de-DE" sz="2800" dirty="0">
-              <a:effectLst/>
-              <a:ea typeface="Calibri" panose="020F0502020204030204" pitchFamily="34" charset="0"/>
-              <a:cs typeface="Times New Roman" panose="02020603050405020304" pitchFamily="18" charset="0"/>
-            </a:endParaRPr>
-          </a:p>
-          <a:p>
-            <a:r>
-              <a:rPr lang="cs-CZ" sz="2800" dirty="0">
-                <a:effectLst/>
-                <a:ea typeface="Calibri" panose="020F0502020204030204" pitchFamily="34" charset="0"/>
-                <a:cs typeface="Times New Roman" panose="02020603050405020304" pitchFamily="18" charset="0"/>
-              </a:rPr>
-              <a:t>Přidej slovíčko – pro rodiče –&gt; zaheslované</a:t>
-            </a:r>
-            <a:endParaRPr lang="de-DE" sz="2800" dirty="0">
-              <a:effectLst/>
-              <a:ea typeface="Calibri" panose="020F0502020204030204" pitchFamily="34" charset="0"/>
-              <a:cs typeface="Times New Roman" panose="02020603050405020304" pitchFamily="18" charset="0"/>
-            </a:endParaRPr>
-          </a:p>
-          <a:p>
-            <a:r>
-              <a:rPr lang="cs-CZ" sz="2800" dirty="0">
-                <a:effectLst/>
-                <a:ea typeface="Calibri" panose="020F0502020204030204" pitchFamily="34" charset="0"/>
-                <a:cs typeface="Times New Roman" panose="02020603050405020304" pitchFamily="18" charset="0"/>
-              </a:rPr>
-              <a:t>Spravuj slovíčka – pro rodiče –&gt; zaheslované</a:t>
-            </a:r>
-            <a:endParaRPr lang="de-DE" sz="2800" dirty="0">
-              <a:effectLst/>
-              <a:ea typeface="Calibri" panose="020F0502020204030204" pitchFamily="34" charset="0"/>
-              <a:cs typeface="Times New Roman" panose="02020603050405020304" pitchFamily="18" charset="0"/>
-            </a:endParaRPr>
-          </a:p>
-          <a:p>
-            <a:r>
-              <a:rPr lang="cs-CZ" sz="2800" dirty="0">
-                <a:effectLst/>
-                <a:ea typeface="Calibri" panose="020F0502020204030204" pitchFamily="34" charset="0"/>
-                <a:cs typeface="Times New Roman" panose="02020603050405020304" pitchFamily="18" charset="0"/>
-              </a:rPr>
-              <a:t>Vytvoř rozvrh – pro rodiče –&gt; zaheslované</a:t>
-            </a:r>
-            <a:endParaRPr lang="cs-CZ" sz="2800" dirty="0">
-              <a:ea typeface="Calibri" panose="020F0502020204030204" pitchFamily="34" charset="0"/>
-              <a:cs typeface="Times New Roman" panose="02020603050405020304" pitchFamily="18" charset="0"/>
-            </a:endParaRPr>
-          </a:p>
-          <a:p>
-            <a:r>
-              <a:rPr lang="cs-CZ" sz="2800" dirty="0">
-                <a:effectLst/>
-                <a:ea typeface="Calibri" panose="020F0502020204030204" pitchFamily="34" charset="0"/>
-                <a:cs typeface="Times New Roman" panose="02020603050405020304" pitchFamily="18" charset="0"/>
-              </a:rPr>
-              <a:t>Nastavení – pro rodiče –&gt; zaheslované</a:t>
-            </a:r>
-            <a:endParaRPr lang="de-DE" sz="2800" dirty="0">
-              <a:effectLst/>
-              <a:ea typeface="Calibri" panose="020F0502020204030204" pitchFamily="34" charset="0"/>
-              <a:cs typeface="Times New Roman" panose="02020603050405020304" pitchFamily="18" charset="0"/>
-            </a:endParaRPr>
-          </a:p>
-          <a:p>
-            <a:pPr marL="0" indent="0">
-              <a:buNone/>
-            </a:pPr>
+              <a:rPr lang="cs-CZ" dirty="0"/>
+              <a:t>Použité technologie</a:t>
+            </a:r>
+          </a:p>
+          <a:p>
+            <a:pPr lvl="1"/>
+            <a:r>
+              <a:rPr lang="cs-CZ" dirty="0"/>
+              <a:t>Java</a:t>
+            </a:r>
+          </a:p>
+          <a:p>
+            <a:pPr lvl="1"/>
+            <a:r>
+              <a:rPr lang="cs-CZ" dirty="0"/>
+              <a:t>Android studio</a:t>
+            </a:r>
+          </a:p>
+          <a:p>
+            <a:pPr lvl="1"/>
+            <a:r>
+              <a:rPr lang="cs-CZ" dirty="0"/>
+              <a:t>Knihovny Picasso + Android Image </a:t>
+            </a:r>
+            <a:r>
+              <a:rPr lang="cs-CZ" dirty="0" err="1"/>
+              <a:t>Cropper</a:t>
+            </a:r>
+            <a:endParaRPr lang="cs-CZ" dirty="0"/>
+          </a:p>
+          <a:p>
+            <a:r>
+              <a:rPr lang="cs-CZ" dirty="0"/>
+              <a:t>Design aplikace</a:t>
+            </a:r>
+          </a:p>
+          <a:p>
+            <a:pPr lvl="1"/>
+            <a:r>
+              <a:rPr lang="cs-CZ" dirty="0"/>
+              <a:t>Oranžové barvy + ikona</a:t>
+            </a:r>
+          </a:p>
+          <a:p>
+            <a:r>
+              <a:rPr lang="cs-CZ" dirty="0"/>
+              <a:t>Parametry aplikace</a:t>
+            </a:r>
+          </a:p>
+          <a:p>
+            <a:pPr lvl="1"/>
+            <a:r>
+              <a:rPr lang="cs-CZ" dirty="0"/>
+              <a:t>API 23</a:t>
+            </a:r>
+          </a:p>
+          <a:p>
+            <a:pPr lvl="1"/>
+            <a:r>
+              <a:rPr lang="cs-CZ" dirty="0"/>
+              <a:t>Velikost 4,29 MG</a:t>
+            </a:r>
+          </a:p>
+          <a:p>
+            <a:pPr lvl="1"/>
+            <a:r>
+              <a:rPr lang="cs-CZ" dirty="0"/>
+              <a:t>Dostupná na Google Play: </a:t>
+            </a:r>
+            <a:r>
+              <a:rPr lang="cs-CZ" dirty="0">
+                <a:hlinkClick r:id="rId2"/>
+              </a:rPr>
+              <a:t>https://play.google.com/store/apps/details?id=com.priklad.rocnikovaprace</a:t>
+            </a:r>
+            <a:endParaRPr lang="cs-CZ" dirty="0"/>
+          </a:p>
+          <a:p>
+            <a:pPr lvl="1"/>
             <a:endParaRPr lang="cs-CZ" dirty="0"/>
           </a:p>
         </p:txBody>
@@ -6090,7 +8330,7 @@
           <p:cNvPr id="4" name="Zástupný symbol pro zápatí 3">
             <a:extLst>
               <a:ext uri="{FF2B5EF4-FFF2-40B4-BE49-F238E27FC236}">
-                <a16:creationId xmlns:a16="http://schemas.microsoft.com/office/drawing/2014/main" id="{5B27D3F6-3CB4-4850-8A53-BD5299C67252}"/>
+                <a16:creationId xmlns:a16="http://schemas.microsoft.com/office/drawing/2014/main" id="{F3B8CD76-0C13-4A26-B605-1D939F6A47C3}"/>
               </a:ext>
             </a:extLst>
           </p:cNvPr>
@@ -6115,64 +8355,10 @@
       </p:sp>
       <p:pic>
         <p:nvPicPr>
-          <p:cNvPr id="5" name="Obrázek 4">
+          <p:cNvPr id="8" name="Obrázek 7">
             <a:extLst>
               <a:ext uri="{FF2B5EF4-FFF2-40B4-BE49-F238E27FC236}">
-                <a16:creationId xmlns:a16="http://schemas.microsoft.com/office/drawing/2014/main" id="{5D02440C-1B83-4A43-4879-2E3514FDF404}"/>
-              </a:ext>
-            </a:extLst>
-          </p:cNvPr>
-          <p:cNvPicPr>
-            <a:picLocks noChangeAspect="1"/>
-          </p:cNvPicPr>
-          <p:nvPr/>
-        </p:nvPicPr>
-        <p:blipFill rotWithShape="1">
-          <a:blip r:embed="rId2" cstate="print">
-            <a:extLst>
-              <a:ext uri="{28A0092B-C50C-407E-A947-70E740481C1C}">
-                <a14:useLocalDpi xmlns:a14="http://schemas.microsoft.com/office/drawing/2010/main" val="0"/>
-              </a:ext>
-            </a:extLst>
-          </a:blip>
-          <a:srcRect l="3811" t="18043" r="60342" b="1223"/>
-          <a:stretch/>
-        </p:blipFill>
-        <p:spPr bwMode="auto">
-          <a:xfrm>
-            <a:off x="8428204" y="690561"/>
-            <a:ext cx="2925596" cy="3040777"/>
-          </a:xfrm>
-          <a:prstGeom prst="rect">
-            <a:avLst/>
-          </a:prstGeom>
-          <a:ln w="38100" cap="sq">
-            <a:solidFill>
-              <a:srgbClr val="000000"/>
-            </a:solidFill>
-            <a:prstDash val="solid"/>
-            <a:miter lim="800000"/>
-          </a:ln>
-          <a:effectLst>
-            <a:outerShdw blurRad="50800" dist="38100" dir="2700000" algn="tl" rotWithShape="0">
-              <a:srgbClr val="000000">
-                <a:alpha val="43000"/>
-              </a:srgbClr>
-            </a:outerShdw>
-          </a:effectLst>
-          <a:extLst>
-            <a:ext uri="{53640926-AAD7-44D8-BBD7-CCE9431645EC}">
-              <a14:shadowObscured xmlns:a14="http://schemas.microsoft.com/office/drawing/2010/main"/>
-            </a:ext>
-          </a:extLst>
-        </p:spPr>
-      </p:pic>
-      <p:pic>
-        <p:nvPicPr>
-          <p:cNvPr id="6" name="Obrázek 5">
-            <a:extLst>
-              <a:ext uri="{FF2B5EF4-FFF2-40B4-BE49-F238E27FC236}">
-                <a16:creationId xmlns:a16="http://schemas.microsoft.com/office/drawing/2014/main" id="{982F6D01-5C35-9310-13A4-0CFC26324A59}"/>
+                <a16:creationId xmlns:a16="http://schemas.microsoft.com/office/drawing/2014/main" id="{40BE5E65-2820-4D19-CFC7-5220B24B950B}"/>
               </a:ext>
             </a:extLst>
           </p:cNvPr>
@@ -6189,31 +8375,20 @@
               </a:ext>
             </a:extLst>
           </a:blip>
-          <a:srcRect l="21734" t="32110" r="23792" b="25994"/>
+          <a:srcRect t="31233" r="12500" b="28621"/>
           <a:stretch/>
         </p:blipFill>
         <p:spPr bwMode="auto">
-          <a:xfrm>
-            <a:off x="7750909" y="4314683"/>
-            <a:ext cx="3602891" cy="1278934"/>
+          <a:xfrm rot="10800000">
+            <a:off x="6953495" y="1883522"/>
+            <a:ext cx="4775145" cy="3001053"/>
           </a:xfrm>
           <a:prstGeom prst="rect">
             <a:avLst/>
           </a:prstGeom>
-          <a:ln w="38100" cap="sq">
-            <a:solidFill>
-              <a:srgbClr val="000000"/>
-            </a:solidFill>
-            <a:prstDash val="solid"/>
-            <a:miter lim="800000"/>
+          <a:ln>
+            <a:noFill/>
           </a:ln>
-          <a:effectLst>
-            <a:outerShdw blurRad="50800" dist="38100" dir="2700000" algn="tl" rotWithShape="0">
-              <a:srgbClr val="000000">
-                <a:alpha val="43000"/>
-              </a:srgbClr>
-            </a:outerShdw>
-          </a:effectLst>
           <a:extLst>
             <a:ext uri="{53640926-AAD7-44D8-BBD7-CCE9431645EC}">
               <a14:shadowObscured xmlns:a14="http://schemas.microsoft.com/office/drawing/2010/main"/>
@@ -6224,7 +8399,7 @@
     </p:spTree>
     <p:extLst>
       <p:ext uri="{BB962C8B-B14F-4D97-AF65-F5344CB8AC3E}">
-        <p14:creationId xmlns:p14="http://schemas.microsoft.com/office/powerpoint/2010/main" val="2581426308"/>
+        <p14:creationId xmlns:p14="http://schemas.microsoft.com/office/powerpoint/2010/main" val="2769983397"/>
       </p:ext>
     </p:extLst>
   </p:cSld>
@@ -6269,117 +8444,15 @@
         </p:nvSpPr>
         <p:spPr/>
         <p:txBody>
-          <a:bodyPr/>
+          <a:bodyPr>
+            <a:normAutofit/>
+          </a:bodyPr>
           <a:lstStyle/>
           <a:p>
             <a:r>
-              <a:rPr lang="de-DE" dirty="0" err="1">
-                <a:latin typeface="+mn-lt"/>
-              </a:rPr>
-              <a:t>Přidej</a:t>
-            </a:r>
-            <a:r>
-              <a:rPr lang="de-DE" dirty="0">
-                <a:latin typeface="+mn-lt"/>
-              </a:rPr>
-              <a:t> </a:t>
-            </a:r>
-            <a:r>
-              <a:rPr lang="de-DE" dirty="0" err="1">
-                <a:latin typeface="+mn-lt"/>
-              </a:rPr>
-              <a:t>slovíčko</a:t>
-            </a:r>
-            <a:endParaRPr lang="cs-CZ" dirty="0"/>
-          </a:p>
-        </p:txBody>
-      </p:sp>
-      <p:sp>
-        <p:nvSpPr>
-          <p:cNvPr id="3" name="Zástupný symbol pro obsah 2">
-            <a:extLst>
-              <a:ext uri="{FF2B5EF4-FFF2-40B4-BE49-F238E27FC236}">
-                <a16:creationId xmlns:a16="http://schemas.microsoft.com/office/drawing/2014/main" id="{45FE01E1-9C56-4561-A5D7-A6F51AF88847}"/>
-              </a:ext>
-            </a:extLst>
-          </p:cNvPr>
-          <p:cNvSpPr>
-            <a:spLocks noGrp="1"/>
-          </p:cNvSpPr>
-          <p:nvPr>
-            <p:ph idx="1"/>
-          </p:nvPr>
-        </p:nvSpPr>
-        <p:spPr/>
-        <p:txBody>
-          <a:bodyPr/>
-          <a:lstStyle/>
-          <a:p>
-            <a:r>
-              <a:rPr lang="cs-CZ" sz="2800" i="1" dirty="0" err="1">
-                <a:effectLst/>
-                <a:ea typeface="Calibri" panose="020F0502020204030204" pitchFamily="34" charset="0"/>
-                <a:cs typeface="Times New Roman" panose="02020603050405020304" pitchFamily="18" charset="0"/>
-              </a:rPr>
-              <a:t>EditText</a:t>
-            </a:r>
-            <a:r>
-              <a:rPr lang="cs-CZ" sz="2800" dirty="0">
-                <a:effectLst/>
-                <a:ea typeface="Calibri" panose="020F0502020204030204" pitchFamily="34" charset="0"/>
-                <a:cs typeface="Times New Roman" panose="02020603050405020304" pitchFamily="18" charset="0"/>
-              </a:rPr>
-              <a:t> má nastavený atribut </a:t>
-            </a:r>
-            <a:r>
-              <a:rPr lang="cs-CZ" sz="2800" i="1" dirty="0" err="1">
-                <a:effectLst/>
-                <a:ea typeface="Calibri" panose="020F0502020204030204" pitchFamily="34" charset="0"/>
-                <a:cs typeface="Times New Roman" panose="02020603050405020304" pitchFamily="18" charset="0"/>
-              </a:rPr>
-              <a:t>inputType</a:t>
-            </a:r>
-            <a:r>
-              <a:rPr lang="cs-CZ" sz="2800" dirty="0">
-                <a:effectLst/>
-                <a:ea typeface="Calibri" panose="020F0502020204030204" pitchFamily="34" charset="0"/>
-                <a:cs typeface="Times New Roman" panose="02020603050405020304" pitchFamily="18" charset="0"/>
-              </a:rPr>
-              <a:t> na </a:t>
-            </a:r>
-            <a:r>
-              <a:rPr lang="cs-CZ" sz="2800" i="1" dirty="0" err="1">
-                <a:effectLst/>
-                <a:ea typeface="Calibri" panose="020F0502020204030204" pitchFamily="34" charset="0"/>
-                <a:cs typeface="Times New Roman" panose="02020603050405020304" pitchFamily="18" charset="0"/>
-              </a:rPr>
-              <a:t>textCapCharacters</a:t>
-            </a:r>
-            <a:endParaRPr lang="cs-CZ" sz="2800" i="1" dirty="0">
-              <a:effectLst/>
-              <a:ea typeface="Calibri" panose="020F0502020204030204" pitchFamily="34" charset="0"/>
-              <a:cs typeface="Times New Roman" panose="02020603050405020304" pitchFamily="18" charset="0"/>
-            </a:endParaRPr>
-          </a:p>
-          <a:p>
-            <a:r>
-              <a:rPr lang="cs-CZ" sz="2800" dirty="0">
-                <a:cs typeface="Times New Roman" panose="02020603050405020304" pitchFamily="18" charset="0"/>
-              </a:rPr>
-              <a:t>Výběr obrázku z galerie nebo z fotoaparátu –&gt; kontrola oprávnění</a:t>
-            </a:r>
-          </a:p>
-          <a:p>
-            <a:r>
-              <a:rPr lang="cs-CZ" sz="2800" dirty="0">
-                <a:cs typeface="Times New Roman" panose="02020603050405020304" pitchFamily="18" charset="0"/>
-              </a:rPr>
-              <a:t>Uložení obrázku a názvu kartičky</a:t>
-            </a:r>
-            <a:endParaRPr lang="de-DE" dirty="0"/>
-          </a:p>
-          <a:p>
-            <a:endParaRPr lang="cs-CZ" dirty="0"/>
+              <a:rPr lang="cs-CZ" dirty="0"/>
+              <a:t>Video</a:t>
+            </a:r>
           </a:p>
         </p:txBody>
       </p:sp>
@@ -6411,64 +8484,35 @@
           </a:p>
         </p:txBody>
       </p:sp>
-      <p:pic>
-        <p:nvPicPr>
-          <p:cNvPr id="5" name="Obrázek 4">
+      <p:sp>
+        <p:nvSpPr>
+          <p:cNvPr id="7" name="Zástupný obsah 6">
             <a:extLst>
               <a:ext uri="{FF2B5EF4-FFF2-40B4-BE49-F238E27FC236}">
-                <a16:creationId xmlns:a16="http://schemas.microsoft.com/office/drawing/2014/main" id="{C36116FC-40B5-9703-5170-4D7D60E5E09D}"/>
+                <a16:creationId xmlns:a16="http://schemas.microsoft.com/office/drawing/2014/main" id="{ACCBE34D-8746-FB7C-B332-0DAC011C65D3}"/>
               </a:ext>
             </a:extLst>
           </p:cNvPr>
-          <p:cNvPicPr>
-            <a:picLocks noChangeAspect="1"/>
-          </p:cNvPicPr>
-          <p:nvPr/>
-        </p:nvPicPr>
-        <p:blipFill rotWithShape="1">
-          <a:blip r:embed="rId2" cstate="print">
-            <a:extLst>
-              <a:ext uri="{28A0092B-C50C-407E-A947-70E740481C1C}">
-                <a14:useLocalDpi xmlns:a14="http://schemas.microsoft.com/office/drawing/2010/main" val="0"/>
-              </a:ext>
-            </a:extLst>
-          </a:blip>
-          <a:srcRect l="5644" t="306" r="6715" b="-306"/>
-          <a:stretch/>
-        </p:blipFill>
-        <p:spPr bwMode="auto">
-          <a:xfrm>
-            <a:off x="6261527" y="3429000"/>
-            <a:ext cx="4595730" cy="2419563"/>
-          </a:xfrm>
-          <a:prstGeom prst="rect">
-            <a:avLst/>
-          </a:prstGeom>
-          <a:ln w="38100" cap="sq">
-            <a:solidFill>
-              <a:srgbClr val="000000"/>
-            </a:solidFill>
-            <a:prstDash val="solid"/>
-            <a:miter lim="800000"/>
-          </a:ln>
-          <a:effectLst>
-            <a:outerShdw blurRad="50800" dist="38100" dir="2700000" algn="tl" rotWithShape="0">
-              <a:srgbClr val="000000">
-                <a:alpha val="43000"/>
-              </a:srgbClr>
-            </a:outerShdw>
-          </a:effectLst>
-          <a:extLst>
-            <a:ext uri="{53640926-AAD7-44D8-BBD7-CCE9431645EC}">
-              <a14:shadowObscured xmlns:a14="http://schemas.microsoft.com/office/drawing/2010/main"/>
-            </a:ext>
-          </a:extLst>
-        </p:spPr>
-      </p:pic>
+          <p:cNvSpPr>
+            <a:spLocks noGrp="1"/>
+          </p:cNvSpPr>
+          <p:nvPr>
+            <p:ph idx="1"/>
+          </p:nvPr>
+        </p:nvSpPr>
+        <p:spPr/>
+        <p:txBody>
+          <a:bodyPr/>
+          <a:lstStyle/>
+          <a:p>
+            <a:endParaRPr lang="de-DE"/>
+          </a:p>
+        </p:txBody>
+      </p:sp>
     </p:spTree>
     <p:extLst>
       <p:ext uri="{BB962C8B-B14F-4D97-AF65-F5344CB8AC3E}">
-        <p14:creationId xmlns:p14="http://schemas.microsoft.com/office/powerpoint/2010/main" val="3684220193"/>
+        <p14:creationId xmlns:p14="http://schemas.microsoft.com/office/powerpoint/2010/main" val="141282478"/>
       </p:ext>
     </p:extLst>
   </p:cSld>
@@ -6517,104 +8561,43 @@
           <a:lstStyle/>
           <a:p>
             <a:r>
-              <a:rPr lang="de-DE" dirty="0" err="1">
-                <a:latin typeface="+mn-lt"/>
-              </a:rPr>
-              <a:t>Spravuj</a:t>
-            </a:r>
-            <a:r>
-              <a:rPr lang="de-DE" dirty="0">
-                <a:latin typeface="+mn-lt"/>
-              </a:rPr>
-              <a:t> </a:t>
-            </a:r>
-            <a:r>
-              <a:rPr lang="de-DE" dirty="0" err="1">
-                <a:latin typeface="+mn-lt"/>
-              </a:rPr>
-              <a:t>slovíčka</a:t>
-            </a:r>
-            <a:endParaRPr lang="cs-CZ" dirty="0"/>
+              <a:rPr lang="cs-CZ" dirty="0"/>
+              <a:t>Hodnocení aplikace</a:t>
+            </a:r>
           </a:p>
         </p:txBody>
       </p:sp>
-      <p:sp>
-        <p:nvSpPr>
-          <p:cNvPr id="3" name="Zástupný symbol pro obsah 2">
+      <p:graphicFrame>
+        <p:nvGraphicFramePr>
+          <p:cNvPr id="10" name="Zástupný obsah 9">
             <a:extLst>
               <a:ext uri="{FF2B5EF4-FFF2-40B4-BE49-F238E27FC236}">
-                <a16:creationId xmlns:a16="http://schemas.microsoft.com/office/drawing/2014/main" id="{45FE01E1-9C56-4561-A5D7-A6F51AF88847}"/>
+                <a16:creationId xmlns:a16="http://schemas.microsoft.com/office/drawing/2014/main" id="{B329FBDA-9728-4200-4E08-BF29264CAEDE}"/>
               </a:ext>
             </a:extLst>
           </p:cNvPr>
-          <p:cNvSpPr>
-            <a:spLocks noGrp="1"/>
-          </p:cNvSpPr>
+          <p:cNvGraphicFramePr>
+            <a:graphicFrameLocks noGrp="1"/>
+          </p:cNvGraphicFramePr>
           <p:nvPr>
-            <p:ph idx="1"/>
+            <p:ph sz="half" idx="2"/>
+            <p:extLst>
+              <p:ext uri="{D42A27DB-BD31-4B8C-83A1-F6EECF244321}">
+                <p14:modId xmlns:p14="http://schemas.microsoft.com/office/powerpoint/2010/main" val="328887560"/>
+              </p:ext>
+            </p:extLst>
           </p:nvPr>
-        </p:nvSpPr>
-        <p:spPr/>
-        <p:txBody>
-          <a:bodyPr/>
-          <a:lstStyle/>
-          <a:p>
-            <a:r>
-              <a:rPr lang="cs-CZ" sz="2800" i="1" dirty="0" err="1">
-                <a:cs typeface="Times New Roman" panose="02020603050405020304" pitchFamily="18" charset="0"/>
-              </a:rPr>
-              <a:t>RecyclerView</a:t>
-            </a:r>
-            <a:r>
-              <a:rPr lang="cs-CZ" sz="2800" dirty="0">
-                <a:cs typeface="Times New Roman" panose="02020603050405020304" pitchFamily="18" charset="0"/>
-              </a:rPr>
-              <a:t> s adapterem</a:t>
-            </a:r>
-          </a:p>
-          <a:p>
-            <a:r>
-              <a:rPr lang="cs-CZ" sz="2800" i="1" dirty="0" err="1">
-                <a:cs typeface="Times New Roman" panose="02020603050405020304" pitchFamily="18" charset="0"/>
-              </a:rPr>
-              <a:t>ItemTouchHelper</a:t>
-            </a:r>
-            <a:r>
-              <a:rPr lang="cs-CZ" sz="2800" i="1" dirty="0">
-                <a:cs typeface="Times New Roman" panose="02020603050405020304" pitchFamily="18" charset="0"/>
-              </a:rPr>
-              <a:t> </a:t>
-            </a:r>
-            <a:r>
-              <a:rPr lang="cs-CZ" sz="2800" dirty="0">
-                <a:cs typeface="Times New Roman" panose="02020603050405020304" pitchFamily="18" charset="0"/>
-              </a:rPr>
-              <a:t> pro přesouvání obrázků</a:t>
-            </a:r>
-            <a:endParaRPr lang="cs-CZ" sz="2800" i="1" dirty="0">
-              <a:cs typeface="Times New Roman" panose="02020603050405020304" pitchFamily="18" charset="0"/>
-            </a:endParaRPr>
-          </a:p>
-          <a:p>
-            <a:r>
-              <a:rPr lang="cs-CZ" sz="2800" i="1" dirty="0" err="1">
-                <a:cs typeface="Times New Roman" panose="02020603050405020304" pitchFamily="18" charset="0"/>
-              </a:rPr>
-              <a:t>OnClickListener</a:t>
-            </a:r>
-            <a:r>
-              <a:rPr lang="cs-CZ" sz="2800" dirty="0">
-                <a:cs typeface="Times New Roman" panose="02020603050405020304" pitchFamily="18" charset="0"/>
-              </a:rPr>
-              <a:t> pro změnu názvu</a:t>
-            </a:r>
-            <a:endParaRPr lang="de-DE" dirty="0"/>
-          </a:p>
-          <a:p>
-            <a:endParaRPr lang="cs-CZ" dirty="0"/>
-          </a:p>
-        </p:txBody>
-      </p:sp>
+        </p:nvGraphicFramePr>
+        <p:xfrm>
+          <a:off x="3990667" y="1651205"/>
+          <a:ext cx="4210666" cy="4377660"/>
+        </p:xfrm>
+        <a:graphic>
+          <a:graphicData uri="http://schemas.openxmlformats.org/drawingml/2006/chart">
+            <c:chart xmlns:c="http://schemas.openxmlformats.org/drawingml/2006/chart" xmlns:r="http://schemas.openxmlformats.org/officeDocument/2006/relationships" r:id="rId2"/>
+          </a:graphicData>
+        </a:graphic>
+      </p:graphicFrame>
       <p:sp>
         <p:nvSpPr>
           <p:cNvPr id="4" name="Zástupný symbol pro zápatí 3">
@@ -6643,64 +8626,71 @@
           </a:p>
         </p:txBody>
       </p:sp>
-      <p:pic>
-        <p:nvPicPr>
-          <p:cNvPr id="5" name="Obrázek 4">
+      <p:graphicFrame>
+        <p:nvGraphicFramePr>
+          <p:cNvPr id="7" name="Zástupný obsah 6">
             <a:extLst>
               <a:ext uri="{FF2B5EF4-FFF2-40B4-BE49-F238E27FC236}">
-                <a16:creationId xmlns:a16="http://schemas.microsoft.com/office/drawing/2014/main" id="{17AFABAD-93FC-4228-67A4-5FFC5A47FABC}"/>
+                <a16:creationId xmlns:a16="http://schemas.microsoft.com/office/drawing/2014/main" id="{AC90BBBA-AD59-EF36-0D5A-FDA97BAB90E8}"/>
               </a:ext>
             </a:extLst>
           </p:cNvPr>
-          <p:cNvPicPr>
-            <a:picLocks noChangeAspect="1"/>
-          </p:cNvPicPr>
-          <p:nvPr/>
-        </p:nvPicPr>
-        <p:blipFill rotWithShape="1">
-          <a:blip r:embed="rId2" cstate="print">
+          <p:cNvGraphicFramePr>
+            <a:graphicFrameLocks noGrp="1"/>
+          </p:cNvGraphicFramePr>
+          <p:nvPr>
+            <p:ph sz="half" idx="1"/>
+            <p:extLst>
+              <p:ext uri="{D42A27DB-BD31-4B8C-83A1-F6EECF244321}">
+                <p14:modId xmlns:p14="http://schemas.microsoft.com/office/powerpoint/2010/main" val="1432365116"/>
+              </p:ext>
+            </p:extLst>
+          </p:nvPr>
+        </p:nvGraphicFramePr>
+        <p:xfrm>
+          <a:off x="235810" y="1690688"/>
+          <a:ext cx="4210666" cy="4486275"/>
+        </p:xfrm>
+        <a:graphic>
+          <a:graphicData uri="http://schemas.openxmlformats.org/drawingml/2006/chart">
+            <c:chart xmlns:c="http://schemas.openxmlformats.org/drawingml/2006/chart" xmlns:r="http://schemas.openxmlformats.org/officeDocument/2006/relationships" r:id="rId3"/>
+          </a:graphicData>
+        </a:graphic>
+      </p:graphicFrame>
+      <p:graphicFrame>
+        <p:nvGraphicFramePr>
+          <p:cNvPr id="11" name="Zástupný obsah 23">
             <a:extLst>
-              <a:ext uri="{28A0092B-C50C-407E-A947-70E740481C1C}">
-                <a14:useLocalDpi xmlns:a14="http://schemas.microsoft.com/office/drawing/2010/main" val="0"/>
+              <a:ext uri="{FF2B5EF4-FFF2-40B4-BE49-F238E27FC236}">
+                <a16:creationId xmlns:a16="http://schemas.microsoft.com/office/drawing/2014/main" id="{B41CB520-1884-D545-DB9D-1F0548002CA0}"/>
               </a:ext>
             </a:extLst>
-          </a:blip>
-          <a:srcRect l="5080" r="6575"/>
-          <a:stretch/>
-        </p:blipFill>
-        <p:spPr bwMode="auto">
-          <a:xfrm>
-            <a:off x="6410325" y="3095625"/>
-            <a:ext cx="4435313" cy="2315192"/>
-          </a:xfrm>
-          <a:prstGeom prst="rect">
-            <a:avLst/>
-          </a:prstGeom>
-          <a:ln w="38100" cap="sq">
-            <a:solidFill>
-              <a:srgbClr val="000000"/>
-            </a:solidFill>
-            <a:prstDash val="solid"/>
-            <a:miter lim="800000"/>
-          </a:ln>
-          <a:effectLst>
-            <a:outerShdw blurRad="50800" dist="38100" dir="2700000" algn="tl" rotWithShape="0">
-              <a:srgbClr val="000000">
-                <a:alpha val="43000"/>
-              </a:srgbClr>
-            </a:outerShdw>
-          </a:effectLst>
-          <a:extLst>
-            <a:ext uri="{53640926-AAD7-44D8-BBD7-CCE9431645EC}">
-              <a14:shadowObscured xmlns:a14="http://schemas.microsoft.com/office/drawing/2010/main"/>
-            </a:ext>
-          </a:extLst>
-        </p:spPr>
-      </p:pic>
+          </p:cNvPr>
+          <p:cNvGraphicFramePr>
+            <a:graphicFrameLocks/>
+          </p:cNvGraphicFramePr>
+          <p:nvPr>
+            <p:extLst>
+              <p:ext uri="{D42A27DB-BD31-4B8C-83A1-F6EECF244321}">
+                <p14:modId xmlns:p14="http://schemas.microsoft.com/office/powerpoint/2010/main" val="243977717"/>
+              </p:ext>
+            </p:extLst>
+          </p:nvPr>
+        </p:nvGraphicFramePr>
+        <p:xfrm>
+          <a:off x="8212286" y="1677527"/>
+          <a:ext cx="3618376" cy="4351338"/>
+        </p:xfrm>
+        <a:graphic>
+          <a:graphicData uri="http://schemas.openxmlformats.org/drawingml/2006/chart">
+            <c:chart xmlns:c="http://schemas.openxmlformats.org/drawingml/2006/chart" xmlns:r="http://schemas.openxmlformats.org/officeDocument/2006/relationships" r:id="rId4"/>
+          </a:graphicData>
+        </a:graphic>
+      </p:graphicFrame>
     </p:spTree>
     <p:extLst>
       <p:ext uri="{BB962C8B-B14F-4D97-AF65-F5344CB8AC3E}">
-        <p14:creationId xmlns:p14="http://schemas.microsoft.com/office/powerpoint/2010/main" val="1865849892"/>
+        <p14:creationId xmlns:p14="http://schemas.microsoft.com/office/powerpoint/2010/main" val="142600932"/>
       </p:ext>
     </p:extLst>
   </p:cSld>
@@ -6732,7 +8722,7 @@
           <p:cNvPr id="2" name="Nadpis 1">
             <a:extLst>
               <a:ext uri="{FF2B5EF4-FFF2-40B4-BE49-F238E27FC236}">
-                <a16:creationId xmlns:a16="http://schemas.microsoft.com/office/drawing/2014/main" id="{F9A87C31-DD22-4213-8129-C9A39317F3D5}"/>
+                <a16:creationId xmlns:a16="http://schemas.microsoft.com/office/drawing/2014/main" id="{0F9B370B-0EE9-835A-F0C1-FF70F121AEF4}"/>
               </a:ext>
             </a:extLst>
           </p:cNvPr>
@@ -6749,21 +8739,19 @@
           <a:lstStyle/>
           <a:p>
             <a:r>
-              <a:rPr lang="cs-CZ" dirty="0">
-                <a:latin typeface="+mn-lt"/>
-              </a:rPr>
-              <a:t>Začni</a:t>
-            </a:r>
-            <a:endParaRPr lang="cs-CZ" dirty="0"/>
+              <a:rPr lang="cs-CZ" dirty="0"/>
+              <a:t>Názory odborníků</a:t>
+            </a:r>
+            <a:endParaRPr lang="de-DE" dirty="0"/>
           </a:p>
         </p:txBody>
       </p:sp>
       <p:sp>
         <p:nvSpPr>
-          <p:cNvPr id="3" name="Zástupný symbol pro obsah 2">
+          <p:cNvPr id="3" name="Zástupný obsah 2">
             <a:extLst>
               <a:ext uri="{FF2B5EF4-FFF2-40B4-BE49-F238E27FC236}">
-                <a16:creationId xmlns:a16="http://schemas.microsoft.com/office/drawing/2014/main" id="{45FE01E1-9C56-4561-A5D7-A6F51AF88847}"/>
+                <a16:creationId xmlns:a16="http://schemas.microsoft.com/office/drawing/2014/main" id="{571BBF2F-39D7-E210-6890-7268F8C117E6}"/>
               </a:ext>
             </a:extLst>
           </p:cNvPr>
@@ -6776,43 +8764,2351 @@
         </p:nvSpPr>
         <p:spPr/>
         <p:txBody>
-          <a:bodyPr/>
+          <a:bodyPr>
+            <a:normAutofit/>
+          </a:bodyPr>
           <a:lstStyle/>
           <a:p>
             <a:r>
-              <a:rPr lang="cs-CZ" sz="2800" dirty="0">
-                <a:cs typeface="Times New Roman" panose="02020603050405020304" pitchFamily="18" charset="0"/>
-              </a:rPr>
-              <a:t>2 </a:t>
-            </a:r>
-            <a:r>
-              <a:rPr lang="cs-CZ" sz="2800" dirty="0" err="1">
-                <a:cs typeface="Times New Roman" panose="02020603050405020304" pitchFamily="18" charset="0"/>
-              </a:rPr>
-              <a:t>RecyclerView</a:t>
-            </a:r>
-            <a:endParaRPr lang="cs-CZ" sz="2800" dirty="0">
-              <a:cs typeface="Times New Roman" panose="02020603050405020304" pitchFamily="18" charset="0"/>
-            </a:endParaRPr>
-          </a:p>
-          <a:p>
-            <a:r>
-              <a:rPr lang="cs-CZ" sz="2800" dirty="0">
-                <a:cs typeface="Times New Roman" panose="02020603050405020304" pitchFamily="18" charset="0"/>
-              </a:rPr>
-              <a:t>Z dolní nabídky se přetahují kartičky</a:t>
-            </a:r>
-          </a:p>
-          <a:p>
-            <a:r>
-              <a:rPr lang="cs-CZ" sz="2800" dirty="0">
-                <a:cs typeface="Times New Roman" panose="02020603050405020304" pitchFamily="18" charset="0"/>
-              </a:rPr>
-              <a:t>Nahoře se tvoří věta</a:t>
-            </a:r>
-            <a:endParaRPr lang="de-DE" dirty="0"/>
-          </a:p>
-          <a:p>
+              <a:rPr lang="cs-CZ" dirty="0"/>
+              <a:t>Mgr. Jasmína </a:t>
+            </a:r>
+            <a:r>
+              <a:rPr lang="cs-CZ" dirty="0" err="1"/>
+              <a:t>Olšiaková</a:t>
+            </a:r>
+            <a:r>
+              <a:rPr lang="cs-CZ" dirty="0"/>
+              <a:t> – speciální pedagožka</a:t>
+            </a:r>
+          </a:p>
+          <a:p>
+            <a:pPr marL="0" marR="0" lvl="0" indent="0" algn="l" defTabSz="914400" rtl="0" eaLnBrk="1" fontAlgn="auto" latinLnBrk="0" hangingPunct="1">
+              <a:lnSpc>
+                <a:spcPct val="90000"/>
+              </a:lnSpc>
+              <a:spcBef>
+                <a:spcPts val="1000"/>
+              </a:spcBef>
+              <a:spcAft>
+                <a:spcPts val="0"/>
+              </a:spcAft>
+              <a:buClrTx/>
+              <a:buSzTx/>
+              <a:buFont typeface="Arial" panose="020B0604020202020204" pitchFamily="34" charset="0"/>
+              <a:buNone/>
+              <a:tabLst/>
+              <a:defRPr/>
+            </a:pPr>
+            <a:r>
+              <a:rPr kumimoji="0" lang="cs-CZ" sz="1800" b="0" i="1" u="none" strike="noStrike" kern="1200" cap="none" spc="0" normalizeH="0" baseline="0" noProof="0" dirty="0">
+                <a:ln>
+                  <a:noFill/>
+                </a:ln>
+                <a:solidFill>
+                  <a:prstClr val="black"/>
+                </a:solidFill>
+                <a:effectLst/>
+                <a:uLnTx/>
+                <a:uFillTx/>
+                <a:latin typeface="Calibri" panose="020F0502020204030204"/>
+                <a:ea typeface="+mn-ea"/>
+                <a:cs typeface="+mn-cs"/>
+              </a:rPr>
+              <a:t>„</a:t>
+            </a:r>
+            <a:r>
+              <a:rPr kumimoji="0" lang="de-DE" sz="1800" b="0" i="1" u="none" strike="noStrike" kern="1200" cap="none" spc="0" normalizeH="0" baseline="0" noProof="0" dirty="0">
+                <a:ln>
+                  <a:noFill/>
+                </a:ln>
+                <a:solidFill>
+                  <a:prstClr val="black"/>
+                </a:solidFill>
+                <a:effectLst/>
+                <a:uLnTx/>
+                <a:uFillTx/>
+                <a:latin typeface="Calibri" panose="020F0502020204030204"/>
+                <a:ea typeface="+mn-ea"/>
+                <a:cs typeface="+mn-cs"/>
+              </a:rPr>
+              <a:t> Je </a:t>
+            </a:r>
+            <a:r>
+              <a:rPr kumimoji="0" lang="de-DE" sz="1800" b="0" i="1" u="none" strike="noStrike" kern="1200" cap="none" spc="0" normalizeH="0" baseline="0" noProof="0" dirty="0" err="1">
+                <a:ln>
+                  <a:noFill/>
+                </a:ln>
+                <a:solidFill>
+                  <a:prstClr val="black"/>
+                </a:solidFill>
+                <a:effectLst/>
+                <a:uLnTx/>
+                <a:uFillTx/>
+                <a:latin typeface="Calibri" panose="020F0502020204030204"/>
+                <a:ea typeface="+mn-ea"/>
+                <a:cs typeface="+mn-cs"/>
+              </a:rPr>
+              <a:t>to</a:t>
+            </a:r>
+            <a:r>
+              <a:rPr kumimoji="0" lang="de-DE" sz="1800" b="0" i="1" u="none" strike="noStrike" kern="1200" cap="none" spc="0" normalizeH="0" baseline="0" noProof="0" dirty="0">
+                <a:ln>
+                  <a:noFill/>
+                </a:ln>
+                <a:solidFill>
+                  <a:prstClr val="black"/>
+                </a:solidFill>
+                <a:effectLst/>
+                <a:uLnTx/>
+                <a:uFillTx/>
+                <a:latin typeface="Calibri" panose="020F0502020204030204"/>
+                <a:ea typeface="+mn-ea"/>
+                <a:cs typeface="+mn-cs"/>
+              </a:rPr>
+              <a:t> pro </a:t>
+            </a:r>
+            <a:r>
+              <a:rPr kumimoji="0" lang="de-DE" sz="1800" b="0" i="1" u="none" strike="noStrike" kern="1200" cap="none" spc="0" normalizeH="0" baseline="0" noProof="0" dirty="0" err="1">
+                <a:ln>
+                  <a:noFill/>
+                </a:ln>
+                <a:solidFill>
+                  <a:prstClr val="black"/>
+                </a:solidFill>
+                <a:effectLst/>
+                <a:uLnTx/>
+                <a:uFillTx/>
+                <a:latin typeface="Calibri" panose="020F0502020204030204"/>
+                <a:ea typeface="+mn-ea"/>
+                <a:cs typeface="+mn-cs"/>
+              </a:rPr>
+              <a:t>děti</a:t>
+            </a:r>
+            <a:r>
+              <a:rPr kumimoji="0" lang="de-DE" sz="1800" b="0" i="1" u="none" strike="noStrike" kern="1200" cap="none" spc="0" normalizeH="0" baseline="0" noProof="0" dirty="0">
+                <a:ln>
+                  <a:noFill/>
+                </a:ln>
+                <a:solidFill>
+                  <a:prstClr val="black"/>
+                </a:solidFill>
+                <a:effectLst/>
+                <a:uLnTx/>
+                <a:uFillTx/>
+                <a:latin typeface="Calibri" panose="020F0502020204030204"/>
+                <a:ea typeface="+mn-ea"/>
+                <a:cs typeface="+mn-cs"/>
+              </a:rPr>
+              <a:t>, </a:t>
+            </a:r>
+            <a:r>
+              <a:rPr kumimoji="0" lang="de-DE" sz="1800" b="0" i="1" u="none" strike="noStrike" kern="1200" cap="none" spc="0" normalizeH="0" baseline="0" noProof="0" dirty="0" err="1">
+                <a:ln>
+                  <a:noFill/>
+                </a:ln>
+                <a:solidFill>
+                  <a:prstClr val="black"/>
+                </a:solidFill>
+                <a:effectLst/>
+                <a:uLnTx/>
+                <a:uFillTx/>
+                <a:latin typeface="Calibri" panose="020F0502020204030204"/>
+                <a:ea typeface="+mn-ea"/>
+                <a:cs typeface="+mn-cs"/>
+              </a:rPr>
+              <a:t>které</a:t>
+            </a:r>
+            <a:r>
+              <a:rPr kumimoji="0" lang="de-DE" sz="1800" b="0" i="1" u="none" strike="noStrike" kern="1200" cap="none" spc="0" normalizeH="0" baseline="0" noProof="0" dirty="0">
+                <a:ln>
+                  <a:noFill/>
+                </a:ln>
+                <a:solidFill>
+                  <a:prstClr val="black"/>
+                </a:solidFill>
+                <a:effectLst/>
+                <a:uLnTx/>
+                <a:uFillTx/>
+                <a:latin typeface="Calibri" panose="020F0502020204030204"/>
+                <a:ea typeface="+mn-ea"/>
+                <a:cs typeface="+mn-cs"/>
+              </a:rPr>
+              <a:t> </a:t>
+            </a:r>
+            <a:r>
+              <a:rPr kumimoji="0" lang="de-DE" sz="1800" b="0" i="1" u="none" strike="noStrike" kern="1200" cap="none" spc="0" normalizeH="0" baseline="0" noProof="0" dirty="0" err="1">
+                <a:ln>
+                  <a:noFill/>
+                </a:ln>
+                <a:solidFill>
+                  <a:prstClr val="black"/>
+                </a:solidFill>
+                <a:effectLst/>
+                <a:uLnTx/>
+                <a:uFillTx/>
+                <a:latin typeface="Calibri" panose="020F0502020204030204"/>
+                <a:ea typeface="+mn-ea"/>
+                <a:cs typeface="+mn-cs"/>
+              </a:rPr>
+              <a:t>umí</a:t>
+            </a:r>
+            <a:r>
+              <a:rPr kumimoji="0" lang="de-DE" sz="1800" b="0" i="1" u="none" strike="noStrike" kern="1200" cap="none" spc="0" normalizeH="0" baseline="0" noProof="0" dirty="0">
+                <a:ln>
+                  <a:noFill/>
+                </a:ln>
+                <a:solidFill>
+                  <a:prstClr val="black"/>
+                </a:solidFill>
+                <a:effectLst/>
+                <a:uLnTx/>
+                <a:uFillTx/>
+                <a:latin typeface="Calibri" panose="020F0502020204030204"/>
+                <a:ea typeface="+mn-ea"/>
+                <a:cs typeface="+mn-cs"/>
+              </a:rPr>
+              <a:t> </a:t>
+            </a:r>
+            <a:r>
+              <a:rPr kumimoji="0" lang="de-DE" sz="1800" b="0" i="1" u="none" strike="noStrike" kern="1200" cap="none" spc="0" normalizeH="0" baseline="0" noProof="0" dirty="0" err="1">
+                <a:ln>
+                  <a:noFill/>
+                </a:ln>
+                <a:solidFill>
+                  <a:prstClr val="black"/>
+                </a:solidFill>
+                <a:effectLst/>
+                <a:uLnTx/>
+                <a:uFillTx/>
+                <a:latin typeface="Calibri" panose="020F0502020204030204"/>
+                <a:ea typeface="+mn-ea"/>
+                <a:cs typeface="+mn-cs"/>
+              </a:rPr>
+              <a:t>číst</a:t>
+            </a:r>
+            <a:r>
+              <a:rPr kumimoji="0" lang="de-DE" sz="1800" b="0" i="1" u="none" strike="noStrike" kern="1200" cap="none" spc="0" normalizeH="0" baseline="0" noProof="0" dirty="0">
+                <a:ln>
+                  <a:noFill/>
+                </a:ln>
+                <a:solidFill>
+                  <a:prstClr val="black"/>
+                </a:solidFill>
+                <a:effectLst/>
+                <a:uLnTx/>
+                <a:uFillTx/>
+                <a:latin typeface="Calibri" panose="020F0502020204030204"/>
+                <a:ea typeface="+mn-ea"/>
+                <a:cs typeface="+mn-cs"/>
+              </a:rPr>
+              <a:t> a </a:t>
+            </a:r>
+            <a:r>
+              <a:rPr kumimoji="0" lang="de-DE" sz="1800" b="0" i="1" u="none" strike="noStrike" kern="1200" cap="none" spc="0" normalizeH="0" baseline="0" noProof="0" dirty="0" err="1">
+                <a:ln>
+                  <a:noFill/>
+                </a:ln>
+                <a:solidFill>
+                  <a:prstClr val="black"/>
+                </a:solidFill>
+                <a:effectLst/>
+                <a:uLnTx/>
+                <a:uFillTx/>
+                <a:latin typeface="Calibri" panose="020F0502020204030204"/>
+                <a:ea typeface="+mn-ea"/>
+                <a:cs typeface="+mn-cs"/>
+              </a:rPr>
+              <a:t>psát</a:t>
+            </a:r>
+            <a:r>
+              <a:rPr kumimoji="0" lang="de-DE" sz="1800" b="0" i="1" u="none" strike="noStrike" kern="1200" cap="none" spc="0" normalizeH="0" baseline="0" noProof="0" dirty="0">
+                <a:ln>
+                  <a:noFill/>
+                </a:ln>
+                <a:solidFill>
+                  <a:prstClr val="black"/>
+                </a:solidFill>
+                <a:effectLst/>
+                <a:uLnTx/>
+                <a:uFillTx/>
+                <a:latin typeface="Calibri" panose="020F0502020204030204"/>
+                <a:ea typeface="+mn-ea"/>
+                <a:cs typeface="+mn-cs"/>
+              </a:rPr>
+              <a:t>, </a:t>
+            </a:r>
+            <a:r>
+              <a:rPr kumimoji="0" lang="de-DE" sz="1800" b="0" i="1" u="none" strike="noStrike" kern="1200" cap="none" spc="0" normalizeH="0" baseline="0" noProof="0" dirty="0" err="1">
+                <a:ln>
+                  <a:noFill/>
+                </a:ln>
+                <a:solidFill>
+                  <a:prstClr val="black"/>
+                </a:solidFill>
+                <a:effectLst/>
+                <a:uLnTx/>
+                <a:uFillTx/>
+                <a:latin typeface="Calibri" panose="020F0502020204030204"/>
+                <a:ea typeface="+mn-ea"/>
+                <a:cs typeface="+mn-cs"/>
+              </a:rPr>
+              <a:t>tedy</a:t>
+            </a:r>
+            <a:r>
+              <a:rPr kumimoji="0" lang="de-DE" sz="1800" b="0" i="1" u="none" strike="noStrike" kern="1200" cap="none" spc="0" normalizeH="0" baseline="0" noProof="0" dirty="0">
+                <a:ln>
+                  <a:noFill/>
+                </a:ln>
+                <a:solidFill>
+                  <a:prstClr val="black"/>
+                </a:solidFill>
+                <a:effectLst/>
+                <a:uLnTx/>
+                <a:uFillTx/>
+                <a:latin typeface="Calibri" panose="020F0502020204030204"/>
+                <a:ea typeface="+mn-ea"/>
+                <a:cs typeface="+mn-cs"/>
+              </a:rPr>
+              <a:t> </a:t>
+            </a:r>
+            <a:r>
+              <a:rPr kumimoji="0" lang="de-DE" sz="1800" b="0" i="1" u="none" strike="noStrike" kern="1200" cap="none" spc="0" normalizeH="0" baseline="0" noProof="0" dirty="0" err="1">
+                <a:ln>
+                  <a:noFill/>
+                </a:ln>
+                <a:solidFill>
+                  <a:prstClr val="black"/>
+                </a:solidFill>
+                <a:effectLst/>
+                <a:uLnTx/>
+                <a:uFillTx/>
+                <a:latin typeface="Calibri" panose="020F0502020204030204"/>
+                <a:ea typeface="+mn-ea"/>
+                <a:cs typeface="+mn-cs"/>
+              </a:rPr>
+              <a:t>školní</a:t>
+            </a:r>
+            <a:r>
+              <a:rPr kumimoji="0" lang="de-DE" sz="1800" b="0" i="1" u="none" strike="noStrike" kern="1200" cap="none" spc="0" normalizeH="0" baseline="0" noProof="0" dirty="0">
+                <a:ln>
+                  <a:noFill/>
+                </a:ln>
+                <a:solidFill>
+                  <a:prstClr val="black"/>
+                </a:solidFill>
+                <a:effectLst/>
+                <a:uLnTx/>
+                <a:uFillTx/>
+                <a:latin typeface="Calibri" panose="020F0502020204030204"/>
+                <a:ea typeface="+mn-ea"/>
+                <a:cs typeface="+mn-cs"/>
+              </a:rPr>
+              <a:t> </a:t>
+            </a:r>
+            <a:r>
+              <a:rPr kumimoji="0" lang="de-DE" sz="1800" b="0" i="1" u="none" strike="noStrike" kern="1200" cap="none" spc="0" normalizeH="0" baseline="0" noProof="0" dirty="0" err="1">
+                <a:ln>
+                  <a:noFill/>
+                </a:ln>
+                <a:solidFill>
+                  <a:prstClr val="black"/>
+                </a:solidFill>
+                <a:effectLst/>
+                <a:uLnTx/>
+                <a:uFillTx/>
+                <a:latin typeface="Calibri" panose="020F0502020204030204"/>
+                <a:ea typeface="+mn-ea"/>
+                <a:cs typeface="+mn-cs"/>
+              </a:rPr>
+              <a:t>věk</a:t>
+            </a:r>
+            <a:r>
+              <a:rPr kumimoji="0" lang="de-DE" sz="1800" b="0" i="1" u="none" strike="noStrike" kern="1200" cap="none" spc="0" normalizeH="0" baseline="0" noProof="0" dirty="0">
+                <a:ln>
+                  <a:noFill/>
+                </a:ln>
+                <a:solidFill>
+                  <a:prstClr val="black"/>
+                </a:solidFill>
+                <a:effectLst/>
+                <a:uLnTx/>
+                <a:uFillTx/>
+                <a:latin typeface="Calibri" panose="020F0502020204030204"/>
+                <a:ea typeface="+mn-ea"/>
+                <a:cs typeface="+mn-cs"/>
+              </a:rPr>
+              <a:t>. </a:t>
+            </a:r>
+            <a:r>
+              <a:rPr kumimoji="0" lang="de-DE" sz="1800" b="0" i="1" u="none" strike="noStrike" kern="1200" cap="none" spc="0" normalizeH="0" baseline="0" noProof="0" dirty="0" err="1">
+                <a:ln>
+                  <a:noFill/>
+                </a:ln>
+                <a:solidFill>
+                  <a:prstClr val="black"/>
+                </a:solidFill>
+                <a:effectLst/>
+                <a:uLnTx/>
+                <a:uFillTx/>
+                <a:latin typeface="Calibri" panose="020F0502020204030204"/>
+                <a:ea typeface="+mn-ea"/>
+                <a:cs typeface="+mn-cs"/>
+              </a:rPr>
+              <a:t>Každá</a:t>
+            </a:r>
+            <a:r>
+              <a:rPr kumimoji="0" lang="de-DE" sz="1800" b="0" i="1" u="none" strike="noStrike" kern="1200" cap="none" spc="0" normalizeH="0" baseline="0" noProof="0" dirty="0">
+                <a:ln>
+                  <a:noFill/>
+                </a:ln>
+                <a:solidFill>
+                  <a:prstClr val="black"/>
+                </a:solidFill>
+                <a:effectLst/>
+                <a:uLnTx/>
+                <a:uFillTx/>
+                <a:latin typeface="Calibri" panose="020F0502020204030204"/>
+                <a:ea typeface="+mn-ea"/>
+                <a:cs typeface="+mn-cs"/>
+              </a:rPr>
+              <a:t> </a:t>
+            </a:r>
+            <a:r>
+              <a:rPr kumimoji="0" lang="de-DE" sz="1800" b="0" i="1" u="none" strike="noStrike" kern="1200" cap="none" spc="0" normalizeH="0" baseline="0" noProof="0" dirty="0" err="1">
+                <a:ln>
+                  <a:noFill/>
+                </a:ln>
+                <a:solidFill>
+                  <a:prstClr val="black"/>
+                </a:solidFill>
+                <a:effectLst/>
+                <a:uLnTx/>
+                <a:uFillTx/>
+                <a:latin typeface="Calibri" panose="020F0502020204030204"/>
+                <a:ea typeface="+mn-ea"/>
+                <a:cs typeface="+mn-cs"/>
+              </a:rPr>
+              <a:t>komunikační</a:t>
+            </a:r>
+            <a:r>
+              <a:rPr kumimoji="0" lang="de-DE" sz="1800" b="0" i="1" u="none" strike="noStrike" kern="1200" cap="none" spc="0" normalizeH="0" baseline="0" noProof="0" dirty="0">
+                <a:ln>
+                  <a:noFill/>
+                </a:ln>
+                <a:solidFill>
+                  <a:prstClr val="black"/>
+                </a:solidFill>
+                <a:effectLst/>
+                <a:uLnTx/>
+                <a:uFillTx/>
+                <a:latin typeface="Calibri" panose="020F0502020204030204"/>
+                <a:ea typeface="+mn-ea"/>
+                <a:cs typeface="+mn-cs"/>
+              </a:rPr>
+              <a:t> </a:t>
+            </a:r>
+            <a:r>
+              <a:rPr kumimoji="0" lang="de-DE" sz="1800" b="0" i="1" u="none" strike="noStrike" kern="1200" cap="none" spc="0" normalizeH="0" baseline="0" noProof="0" dirty="0" err="1">
+                <a:ln>
+                  <a:noFill/>
+                </a:ln>
+                <a:solidFill>
+                  <a:prstClr val="black"/>
+                </a:solidFill>
+                <a:effectLst/>
+                <a:uLnTx/>
+                <a:uFillTx/>
+                <a:latin typeface="Calibri" panose="020F0502020204030204"/>
+                <a:ea typeface="+mn-ea"/>
+                <a:cs typeface="+mn-cs"/>
+              </a:rPr>
+              <a:t>metoda</a:t>
+            </a:r>
+            <a:r>
+              <a:rPr kumimoji="0" lang="de-DE" sz="1800" b="0" i="1" u="none" strike="noStrike" kern="1200" cap="none" spc="0" normalizeH="0" baseline="0" noProof="0" dirty="0">
+                <a:ln>
+                  <a:noFill/>
+                </a:ln>
+                <a:solidFill>
+                  <a:prstClr val="black"/>
+                </a:solidFill>
+                <a:effectLst/>
+                <a:uLnTx/>
+                <a:uFillTx/>
+                <a:latin typeface="Calibri" panose="020F0502020204030204"/>
+                <a:ea typeface="+mn-ea"/>
+                <a:cs typeface="+mn-cs"/>
+              </a:rPr>
+              <a:t> a i </a:t>
+            </a:r>
+            <a:r>
+              <a:rPr kumimoji="0" lang="de-DE" sz="1800" b="0" i="1" u="none" strike="noStrike" kern="1200" cap="none" spc="0" normalizeH="0" baseline="0" noProof="0" dirty="0" err="1">
+                <a:ln>
+                  <a:noFill/>
+                </a:ln>
+                <a:solidFill>
+                  <a:prstClr val="black"/>
+                </a:solidFill>
+                <a:effectLst/>
+                <a:uLnTx/>
+                <a:uFillTx/>
+                <a:latin typeface="Calibri" panose="020F0502020204030204"/>
+                <a:ea typeface="+mn-ea"/>
+                <a:cs typeface="+mn-cs"/>
+              </a:rPr>
+              <a:t>tahle</a:t>
+            </a:r>
+            <a:r>
+              <a:rPr kumimoji="0" lang="de-DE" sz="1800" b="0" i="1" u="none" strike="noStrike" kern="1200" cap="none" spc="0" normalizeH="0" baseline="0" noProof="0" dirty="0">
+                <a:ln>
+                  <a:noFill/>
+                </a:ln>
+                <a:solidFill>
+                  <a:prstClr val="black"/>
+                </a:solidFill>
+                <a:effectLst/>
+                <a:uLnTx/>
+                <a:uFillTx/>
+                <a:latin typeface="Calibri" panose="020F0502020204030204"/>
+                <a:ea typeface="+mn-ea"/>
+                <a:cs typeface="+mn-cs"/>
+              </a:rPr>
+              <a:t> </a:t>
+            </a:r>
+            <a:r>
+              <a:rPr kumimoji="0" lang="de-DE" sz="1800" b="0" i="1" u="none" strike="noStrike" kern="1200" cap="none" spc="0" normalizeH="0" baseline="0" noProof="0" dirty="0" err="1">
+                <a:ln>
+                  <a:noFill/>
+                </a:ln>
+                <a:solidFill>
+                  <a:prstClr val="black"/>
+                </a:solidFill>
+                <a:effectLst/>
+                <a:uLnTx/>
+                <a:uFillTx/>
+                <a:latin typeface="Calibri" panose="020F0502020204030204"/>
+                <a:ea typeface="+mn-ea"/>
+                <a:cs typeface="+mn-cs"/>
+              </a:rPr>
+              <a:t>aplikace</a:t>
+            </a:r>
+            <a:r>
+              <a:rPr kumimoji="0" lang="de-DE" sz="1800" b="0" i="1" u="none" strike="noStrike" kern="1200" cap="none" spc="0" normalizeH="0" baseline="0" noProof="0" dirty="0">
+                <a:ln>
+                  <a:noFill/>
+                </a:ln>
+                <a:solidFill>
+                  <a:prstClr val="black"/>
+                </a:solidFill>
+                <a:effectLst/>
+                <a:uLnTx/>
+                <a:uFillTx/>
+                <a:latin typeface="Calibri" panose="020F0502020204030204"/>
+                <a:ea typeface="+mn-ea"/>
+                <a:cs typeface="+mn-cs"/>
+              </a:rPr>
+              <a:t> je </a:t>
+            </a:r>
+            <a:r>
+              <a:rPr kumimoji="0" lang="de-DE" sz="1800" b="0" i="1" u="none" strike="noStrike" kern="1200" cap="none" spc="0" normalizeH="0" baseline="0" noProof="0" dirty="0" err="1">
+                <a:ln>
+                  <a:noFill/>
+                </a:ln>
+                <a:solidFill>
+                  <a:prstClr val="black"/>
+                </a:solidFill>
+                <a:effectLst/>
+                <a:uLnTx/>
+                <a:uFillTx/>
+                <a:latin typeface="Calibri" panose="020F0502020204030204"/>
+                <a:ea typeface="+mn-ea"/>
+                <a:cs typeface="+mn-cs"/>
+              </a:rPr>
+              <a:t>velmi</a:t>
+            </a:r>
+            <a:r>
+              <a:rPr kumimoji="0" lang="de-DE" sz="1800" b="0" i="1" u="none" strike="noStrike" kern="1200" cap="none" spc="0" normalizeH="0" baseline="0" noProof="0" dirty="0">
+                <a:ln>
+                  <a:noFill/>
+                </a:ln>
+                <a:solidFill>
+                  <a:prstClr val="black"/>
+                </a:solidFill>
+                <a:effectLst/>
+                <a:uLnTx/>
+                <a:uFillTx/>
+                <a:latin typeface="Calibri" panose="020F0502020204030204"/>
+                <a:ea typeface="+mn-ea"/>
+                <a:cs typeface="+mn-cs"/>
+              </a:rPr>
+              <a:t> </a:t>
+            </a:r>
+            <a:r>
+              <a:rPr kumimoji="0" lang="de-DE" sz="1800" b="0" i="1" u="none" strike="noStrike" kern="1200" cap="none" spc="0" normalizeH="0" baseline="0" noProof="0" dirty="0" err="1">
+                <a:ln>
+                  <a:noFill/>
+                </a:ln>
+                <a:solidFill>
+                  <a:prstClr val="black"/>
+                </a:solidFill>
+                <a:effectLst/>
+                <a:uLnTx/>
+                <a:uFillTx/>
+                <a:latin typeface="Calibri" panose="020F0502020204030204"/>
+                <a:ea typeface="+mn-ea"/>
+                <a:cs typeface="+mn-cs"/>
+              </a:rPr>
+              <a:t>podnětná</a:t>
+            </a:r>
+            <a:r>
+              <a:rPr kumimoji="0" lang="de-DE" sz="1800" b="0" i="1" u="none" strike="noStrike" kern="1200" cap="none" spc="0" normalizeH="0" baseline="0" noProof="0" dirty="0">
+                <a:ln>
+                  <a:noFill/>
+                </a:ln>
+                <a:solidFill>
+                  <a:prstClr val="black"/>
+                </a:solidFill>
+                <a:effectLst/>
+                <a:uLnTx/>
+                <a:uFillTx/>
+                <a:latin typeface="Calibri" panose="020F0502020204030204"/>
+                <a:ea typeface="+mn-ea"/>
+                <a:cs typeface="+mn-cs"/>
+              </a:rPr>
+              <a:t> a </a:t>
+            </a:r>
+            <a:r>
+              <a:rPr kumimoji="0" lang="de-DE" sz="1800" b="0" i="1" u="none" strike="noStrike" kern="1200" cap="none" spc="0" normalizeH="0" baseline="0" noProof="0" dirty="0" err="1">
+                <a:ln>
+                  <a:noFill/>
+                </a:ln>
+                <a:solidFill>
+                  <a:prstClr val="black"/>
+                </a:solidFill>
+                <a:effectLst/>
+                <a:uLnTx/>
+                <a:uFillTx/>
+                <a:latin typeface="Calibri" panose="020F0502020204030204"/>
+                <a:ea typeface="+mn-ea"/>
+                <a:cs typeface="+mn-cs"/>
+              </a:rPr>
+              <a:t>důležitá</a:t>
+            </a:r>
+            <a:r>
+              <a:rPr kumimoji="0" lang="de-DE" sz="1800" b="0" i="1" u="none" strike="noStrike" kern="1200" cap="none" spc="0" normalizeH="0" baseline="0" noProof="0" dirty="0">
+                <a:ln>
+                  <a:noFill/>
+                </a:ln>
+                <a:solidFill>
+                  <a:prstClr val="black"/>
+                </a:solidFill>
+                <a:effectLst/>
+                <a:uLnTx/>
+                <a:uFillTx/>
+                <a:latin typeface="Calibri" panose="020F0502020204030204"/>
+                <a:ea typeface="+mn-ea"/>
+                <a:cs typeface="+mn-cs"/>
+              </a:rPr>
+              <a:t>. </a:t>
+            </a:r>
+            <a:r>
+              <a:rPr kumimoji="0" lang="de-DE" sz="1800" b="0" i="1" u="none" strike="noStrike" kern="1200" cap="none" spc="0" normalizeH="0" baseline="0" noProof="0" dirty="0" err="1">
+                <a:ln>
+                  <a:noFill/>
+                </a:ln>
+                <a:solidFill>
+                  <a:prstClr val="black"/>
+                </a:solidFill>
+                <a:effectLst/>
+                <a:uLnTx/>
+                <a:uFillTx/>
+                <a:latin typeface="Calibri" panose="020F0502020204030204"/>
+                <a:ea typeface="+mn-ea"/>
+                <a:cs typeface="+mn-cs"/>
+              </a:rPr>
+              <a:t>Držím</a:t>
+            </a:r>
+            <a:r>
+              <a:rPr kumimoji="0" lang="de-DE" sz="1800" b="0" i="1" u="none" strike="noStrike" kern="1200" cap="none" spc="0" normalizeH="0" baseline="0" noProof="0" dirty="0">
+                <a:ln>
+                  <a:noFill/>
+                </a:ln>
+                <a:solidFill>
+                  <a:prstClr val="black"/>
+                </a:solidFill>
+                <a:effectLst/>
+                <a:uLnTx/>
+                <a:uFillTx/>
+                <a:latin typeface="Calibri" panose="020F0502020204030204"/>
+                <a:ea typeface="+mn-ea"/>
+                <a:cs typeface="+mn-cs"/>
+              </a:rPr>
+              <a:t> </a:t>
+            </a:r>
+            <a:r>
+              <a:rPr kumimoji="0" lang="de-DE" sz="1800" b="0" i="1" u="none" strike="noStrike" kern="1200" cap="none" spc="0" normalizeH="0" baseline="0" noProof="0" dirty="0" err="1">
+                <a:ln>
+                  <a:noFill/>
+                </a:ln>
+                <a:solidFill>
+                  <a:prstClr val="black"/>
+                </a:solidFill>
+                <a:effectLst/>
+                <a:uLnTx/>
+                <a:uFillTx/>
+                <a:latin typeface="Calibri" panose="020F0502020204030204"/>
+                <a:ea typeface="+mn-ea"/>
+                <a:cs typeface="+mn-cs"/>
+              </a:rPr>
+              <a:t>palce</a:t>
+            </a:r>
+            <a:r>
+              <a:rPr kumimoji="0" lang="de-DE" sz="1800" b="0" i="1" u="none" strike="noStrike" kern="1200" cap="none" spc="0" normalizeH="0" baseline="0" noProof="0" dirty="0">
+                <a:ln>
+                  <a:noFill/>
+                </a:ln>
+                <a:solidFill>
+                  <a:prstClr val="black"/>
+                </a:solidFill>
+                <a:effectLst/>
+                <a:uLnTx/>
+                <a:uFillTx/>
+                <a:latin typeface="Calibri" panose="020F0502020204030204"/>
+                <a:ea typeface="+mn-ea"/>
+                <a:cs typeface="+mn-cs"/>
+              </a:rPr>
+              <a:t>! </a:t>
+            </a:r>
+            <a:r>
+              <a:rPr kumimoji="0" lang="cs-CZ" sz="1800" b="0" i="1" u="none" strike="noStrike" kern="1200" cap="none" spc="0" normalizeH="0" baseline="0" noProof="0" dirty="0">
+                <a:ln>
+                  <a:noFill/>
+                </a:ln>
+                <a:solidFill>
+                  <a:prstClr val="black"/>
+                </a:solidFill>
+                <a:effectLst/>
+                <a:uLnTx/>
+                <a:uFillTx/>
+                <a:latin typeface="Calibri" panose="020F0502020204030204"/>
+                <a:ea typeface="+mn-ea"/>
+                <a:cs typeface="+mn-cs"/>
+              </a:rPr>
+              <a:t>“</a:t>
+            </a:r>
+            <a:endParaRPr lang="cs-CZ" dirty="0"/>
+          </a:p>
+          <a:p>
+            <a:r>
+              <a:rPr lang="cs-CZ" dirty="0"/>
+              <a:t>Mgr. Sylva Kočí – vedoucí rané péče</a:t>
+            </a:r>
+          </a:p>
+          <a:p>
+            <a:pPr marL="0" marR="0" lvl="0" indent="0" algn="l" defTabSz="914400" rtl="0" eaLnBrk="1" fontAlgn="auto" latinLnBrk="0" hangingPunct="1">
+              <a:lnSpc>
+                <a:spcPct val="90000"/>
+              </a:lnSpc>
+              <a:spcBef>
+                <a:spcPts val="1000"/>
+              </a:spcBef>
+              <a:spcAft>
+                <a:spcPts val="0"/>
+              </a:spcAft>
+              <a:buClrTx/>
+              <a:buSzTx/>
+              <a:buFont typeface="Arial" panose="020B0604020202020204" pitchFamily="34" charset="0"/>
+              <a:buNone/>
+              <a:tabLst/>
+              <a:defRPr/>
+            </a:pPr>
+            <a:r>
+              <a:rPr kumimoji="0" lang="cs-CZ" sz="1800" b="0" i="1" u="none" strike="noStrike" kern="1200" cap="none" spc="0" normalizeH="0" baseline="0" noProof="0" dirty="0">
+                <a:ln>
+                  <a:noFill/>
+                </a:ln>
+                <a:solidFill>
+                  <a:prstClr val="black"/>
+                </a:solidFill>
+                <a:effectLst/>
+                <a:uLnTx/>
+                <a:uFillTx/>
+                <a:latin typeface="Calibri" panose="020F0502020204030204"/>
+                <a:ea typeface="+mn-ea"/>
+                <a:cs typeface="+mn-cs"/>
+              </a:rPr>
+              <a:t>„</a:t>
+            </a:r>
+            <a:r>
+              <a:rPr kumimoji="0" lang="de-DE" sz="1800" b="0" i="1" u="none" strike="noStrike" kern="1200" cap="none" spc="0" normalizeH="0" baseline="0" noProof="0" dirty="0" err="1">
+                <a:ln>
+                  <a:noFill/>
+                </a:ln>
+                <a:solidFill>
+                  <a:prstClr val="black"/>
+                </a:solidFill>
+                <a:effectLst/>
+                <a:uLnTx/>
+                <a:uFillTx/>
+                <a:latin typeface="Calibri" panose="020F0502020204030204"/>
+                <a:ea typeface="+mn-ea"/>
+                <a:cs typeface="+mn-cs"/>
+              </a:rPr>
+              <a:t>Aplikace</a:t>
+            </a:r>
+            <a:r>
+              <a:rPr kumimoji="0" lang="de-DE" sz="1800" b="0" i="1" u="none" strike="noStrike" kern="1200" cap="none" spc="0" normalizeH="0" baseline="0" noProof="0" dirty="0">
+                <a:ln>
+                  <a:noFill/>
+                </a:ln>
+                <a:solidFill>
+                  <a:prstClr val="black"/>
+                </a:solidFill>
+                <a:effectLst/>
+                <a:uLnTx/>
+                <a:uFillTx/>
+                <a:latin typeface="Calibri" panose="020F0502020204030204"/>
+                <a:ea typeface="+mn-ea"/>
+                <a:cs typeface="+mn-cs"/>
+              </a:rPr>
+              <a:t> </a:t>
+            </a:r>
+            <a:r>
+              <a:rPr kumimoji="0" lang="de-DE" sz="1800" b="0" i="1" u="none" strike="noStrike" kern="1200" cap="none" spc="0" normalizeH="0" baseline="0" noProof="0" dirty="0" err="1">
+                <a:ln>
+                  <a:noFill/>
+                </a:ln>
+                <a:solidFill>
+                  <a:prstClr val="black"/>
+                </a:solidFill>
+                <a:effectLst/>
+                <a:uLnTx/>
+                <a:uFillTx/>
+                <a:latin typeface="Calibri" panose="020F0502020204030204"/>
+                <a:ea typeface="+mn-ea"/>
+                <a:cs typeface="+mn-cs"/>
+              </a:rPr>
+              <a:t>působí</a:t>
+            </a:r>
+            <a:r>
+              <a:rPr kumimoji="0" lang="de-DE" sz="1800" b="0" i="1" u="none" strike="noStrike" kern="1200" cap="none" spc="0" normalizeH="0" baseline="0" noProof="0" dirty="0">
+                <a:ln>
+                  <a:noFill/>
+                </a:ln>
+                <a:solidFill>
+                  <a:prstClr val="black"/>
+                </a:solidFill>
+                <a:effectLst/>
+                <a:uLnTx/>
+                <a:uFillTx/>
+                <a:latin typeface="Calibri" panose="020F0502020204030204"/>
+                <a:ea typeface="+mn-ea"/>
+                <a:cs typeface="+mn-cs"/>
+              </a:rPr>
+              <a:t> </a:t>
+            </a:r>
+            <a:r>
+              <a:rPr kumimoji="0" lang="de-DE" sz="1800" b="0" i="1" u="none" strike="noStrike" kern="1200" cap="none" spc="0" normalizeH="0" baseline="0" noProof="0" dirty="0" err="1">
+                <a:ln>
+                  <a:noFill/>
+                </a:ln>
+                <a:solidFill>
+                  <a:prstClr val="black"/>
+                </a:solidFill>
+                <a:effectLst/>
+                <a:uLnTx/>
+                <a:uFillTx/>
+                <a:latin typeface="Calibri" panose="020F0502020204030204"/>
+                <a:ea typeface="+mn-ea"/>
+                <a:cs typeface="+mn-cs"/>
+              </a:rPr>
+              <a:t>uživatelsky</a:t>
+            </a:r>
+            <a:r>
+              <a:rPr kumimoji="0" lang="de-DE" sz="1800" b="0" i="1" u="none" strike="noStrike" kern="1200" cap="none" spc="0" normalizeH="0" baseline="0" noProof="0" dirty="0">
+                <a:ln>
+                  <a:noFill/>
+                </a:ln>
+                <a:solidFill>
+                  <a:prstClr val="black"/>
+                </a:solidFill>
+                <a:effectLst/>
+                <a:uLnTx/>
+                <a:uFillTx/>
+                <a:latin typeface="Calibri" panose="020F0502020204030204"/>
+                <a:ea typeface="+mn-ea"/>
+                <a:cs typeface="+mn-cs"/>
+              </a:rPr>
+              <a:t> </a:t>
+            </a:r>
+            <a:r>
+              <a:rPr kumimoji="0" lang="de-DE" sz="1800" b="0" i="1" u="none" strike="noStrike" kern="1200" cap="none" spc="0" normalizeH="0" baseline="0" noProof="0" dirty="0" err="1">
+                <a:ln>
+                  <a:noFill/>
+                </a:ln>
+                <a:solidFill>
+                  <a:prstClr val="black"/>
+                </a:solidFill>
+                <a:effectLst/>
+                <a:uLnTx/>
+                <a:uFillTx/>
+                <a:latin typeface="Calibri" panose="020F0502020204030204"/>
+                <a:ea typeface="+mn-ea"/>
+                <a:cs typeface="+mn-cs"/>
+              </a:rPr>
+              <a:t>velmi</a:t>
+            </a:r>
+            <a:r>
+              <a:rPr kumimoji="0" lang="de-DE" sz="1800" b="0" i="1" u="none" strike="noStrike" kern="1200" cap="none" spc="0" normalizeH="0" baseline="0" noProof="0" dirty="0">
+                <a:ln>
+                  <a:noFill/>
+                </a:ln>
+                <a:solidFill>
+                  <a:prstClr val="black"/>
+                </a:solidFill>
+                <a:effectLst/>
+                <a:uLnTx/>
+                <a:uFillTx/>
+                <a:latin typeface="Calibri" panose="020F0502020204030204"/>
+                <a:ea typeface="+mn-ea"/>
+                <a:cs typeface="+mn-cs"/>
+              </a:rPr>
+              <a:t> </a:t>
+            </a:r>
+            <a:r>
+              <a:rPr kumimoji="0" lang="de-DE" sz="1800" b="0" i="1" u="none" strike="noStrike" kern="1200" cap="none" spc="0" normalizeH="0" baseline="0" noProof="0" dirty="0" err="1">
+                <a:ln>
+                  <a:noFill/>
+                </a:ln>
+                <a:solidFill>
+                  <a:prstClr val="black"/>
+                </a:solidFill>
+                <a:effectLst/>
+                <a:uLnTx/>
+                <a:uFillTx/>
+                <a:latin typeface="Calibri" panose="020F0502020204030204"/>
+                <a:ea typeface="+mn-ea"/>
+                <a:cs typeface="+mn-cs"/>
+              </a:rPr>
+              <a:t>příjemně</a:t>
+            </a:r>
+            <a:r>
+              <a:rPr kumimoji="0" lang="de-DE" sz="1800" b="0" i="1" u="none" strike="noStrike" kern="1200" cap="none" spc="0" normalizeH="0" baseline="0" noProof="0" dirty="0">
+                <a:ln>
+                  <a:noFill/>
+                </a:ln>
+                <a:solidFill>
+                  <a:prstClr val="black"/>
+                </a:solidFill>
+                <a:effectLst/>
+                <a:uLnTx/>
+                <a:uFillTx/>
+                <a:latin typeface="Calibri" panose="020F0502020204030204"/>
+                <a:ea typeface="+mn-ea"/>
+                <a:cs typeface="+mn-cs"/>
+              </a:rPr>
+              <a:t>. </a:t>
+            </a:r>
+            <a:r>
+              <a:rPr kumimoji="0" lang="de-DE" sz="1800" b="0" i="1" u="none" strike="noStrike" kern="1200" cap="none" spc="0" normalizeH="0" baseline="0" noProof="0" dirty="0" err="1">
+                <a:ln>
+                  <a:noFill/>
+                </a:ln>
+                <a:solidFill>
+                  <a:prstClr val="black"/>
+                </a:solidFill>
+                <a:effectLst/>
+                <a:uLnTx/>
+                <a:uFillTx/>
+                <a:latin typeface="Calibri" panose="020F0502020204030204"/>
+                <a:ea typeface="+mn-ea"/>
+                <a:cs typeface="+mn-cs"/>
+              </a:rPr>
+              <a:t>Nicméně</a:t>
+            </a:r>
+            <a:r>
+              <a:rPr kumimoji="0" lang="de-DE" sz="1800" b="0" i="1" u="none" strike="noStrike" kern="1200" cap="none" spc="0" normalizeH="0" baseline="0" noProof="0" dirty="0">
+                <a:ln>
+                  <a:noFill/>
+                </a:ln>
+                <a:solidFill>
+                  <a:prstClr val="black"/>
+                </a:solidFill>
+                <a:effectLst/>
+                <a:uLnTx/>
+                <a:uFillTx/>
+                <a:latin typeface="Calibri" panose="020F0502020204030204"/>
+                <a:ea typeface="+mn-ea"/>
+                <a:cs typeface="+mn-cs"/>
+              </a:rPr>
+              <a:t> </a:t>
+            </a:r>
+            <a:r>
+              <a:rPr kumimoji="0" lang="de-DE" sz="1800" b="0" i="1" u="none" strike="noStrike" kern="1200" cap="none" spc="0" normalizeH="0" baseline="0" noProof="0" dirty="0" err="1">
+                <a:ln>
+                  <a:noFill/>
+                </a:ln>
+                <a:solidFill>
+                  <a:prstClr val="black"/>
+                </a:solidFill>
+                <a:effectLst/>
+                <a:uLnTx/>
+                <a:uFillTx/>
+                <a:latin typeface="Calibri" panose="020F0502020204030204"/>
+                <a:ea typeface="+mn-ea"/>
+                <a:cs typeface="+mn-cs"/>
+              </a:rPr>
+              <a:t>rychlejší</a:t>
+            </a:r>
+            <a:r>
+              <a:rPr kumimoji="0" lang="de-DE" sz="1800" b="0" i="1" u="none" strike="noStrike" kern="1200" cap="none" spc="0" normalizeH="0" baseline="0" noProof="0" dirty="0">
+                <a:ln>
+                  <a:noFill/>
+                </a:ln>
+                <a:solidFill>
+                  <a:prstClr val="black"/>
+                </a:solidFill>
+                <a:effectLst/>
+                <a:uLnTx/>
+                <a:uFillTx/>
+                <a:latin typeface="Calibri" panose="020F0502020204030204"/>
+                <a:ea typeface="+mn-ea"/>
+                <a:cs typeface="+mn-cs"/>
+              </a:rPr>
+              <a:t> </a:t>
+            </a:r>
+            <a:r>
+              <a:rPr kumimoji="0" lang="de-DE" sz="1800" b="0" i="1" u="none" strike="noStrike" kern="1200" cap="none" spc="0" normalizeH="0" baseline="0" noProof="0" dirty="0" err="1">
+                <a:ln>
+                  <a:noFill/>
+                </a:ln>
+                <a:solidFill>
+                  <a:prstClr val="black"/>
+                </a:solidFill>
+                <a:effectLst/>
+                <a:uLnTx/>
+                <a:uFillTx/>
+                <a:latin typeface="Calibri" panose="020F0502020204030204"/>
+                <a:ea typeface="+mn-ea"/>
+                <a:cs typeface="+mn-cs"/>
+              </a:rPr>
+              <a:t>cesta</a:t>
+            </a:r>
+            <a:r>
+              <a:rPr kumimoji="0" lang="de-DE" sz="1800" b="0" i="1" u="none" strike="noStrike" kern="1200" cap="none" spc="0" normalizeH="0" baseline="0" noProof="0" dirty="0">
+                <a:ln>
+                  <a:noFill/>
+                </a:ln>
+                <a:solidFill>
+                  <a:prstClr val="black"/>
+                </a:solidFill>
+                <a:effectLst/>
+                <a:uLnTx/>
+                <a:uFillTx/>
+                <a:latin typeface="Calibri" panose="020F0502020204030204"/>
+                <a:ea typeface="+mn-ea"/>
+                <a:cs typeface="+mn-cs"/>
+              </a:rPr>
+              <a:t> k </a:t>
+            </a:r>
+            <a:r>
+              <a:rPr kumimoji="0" lang="de-DE" sz="1800" b="0" i="1" u="none" strike="noStrike" kern="1200" cap="none" spc="0" normalizeH="0" baseline="0" noProof="0" dirty="0" err="1">
+                <a:ln>
+                  <a:noFill/>
+                </a:ln>
+                <a:solidFill>
+                  <a:prstClr val="black"/>
+                </a:solidFill>
+                <a:effectLst/>
+                <a:uLnTx/>
+                <a:uFillTx/>
+                <a:latin typeface="Calibri" panose="020F0502020204030204"/>
+                <a:ea typeface="+mn-ea"/>
+                <a:cs typeface="+mn-cs"/>
+              </a:rPr>
+              <a:t>mluvené</a:t>
+            </a:r>
+            <a:r>
+              <a:rPr kumimoji="0" lang="de-DE" sz="1800" b="0" i="1" u="none" strike="noStrike" kern="1200" cap="none" spc="0" normalizeH="0" baseline="0" noProof="0" dirty="0">
+                <a:ln>
+                  <a:noFill/>
+                </a:ln>
+                <a:solidFill>
+                  <a:prstClr val="black"/>
+                </a:solidFill>
+                <a:effectLst/>
+                <a:uLnTx/>
+                <a:uFillTx/>
+                <a:latin typeface="Calibri" panose="020F0502020204030204"/>
+                <a:ea typeface="+mn-ea"/>
+                <a:cs typeface="+mn-cs"/>
+              </a:rPr>
+              <a:t> </a:t>
+            </a:r>
+            <a:r>
+              <a:rPr kumimoji="0" lang="de-DE" sz="1800" b="0" i="1" u="none" strike="noStrike" kern="1200" cap="none" spc="0" normalizeH="0" baseline="0" noProof="0" dirty="0" err="1">
+                <a:ln>
+                  <a:noFill/>
+                </a:ln>
+                <a:solidFill>
+                  <a:prstClr val="black"/>
+                </a:solidFill>
+                <a:effectLst/>
+                <a:uLnTx/>
+                <a:uFillTx/>
+                <a:latin typeface="Calibri" panose="020F0502020204030204"/>
+                <a:ea typeface="+mn-ea"/>
+                <a:cs typeface="+mn-cs"/>
+              </a:rPr>
+              <a:t>řeči</a:t>
+            </a:r>
+            <a:r>
+              <a:rPr kumimoji="0" lang="de-DE" sz="1800" b="0" i="1" u="none" strike="noStrike" kern="1200" cap="none" spc="0" normalizeH="0" baseline="0" noProof="0" dirty="0">
+                <a:ln>
+                  <a:noFill/>
+                </a:ln>
+                <a:solidFill>
+                  <a:prstClr val="black"/>
+                </a:solidFill>
+                <a:effectLst/>
+                <a:uLnTx/>
+                <a:uFillTx/>
+                <a:latin typeface="Calibri" panose="020F0502020204030204"/>
+                <a:ea typeface="+mn-ea"/>
+                <a:cs typeface="+mn-cs"/>
+              </a:rPr>
+              <a:t> u </a:t>
+            </a:r>
+            <a:r>
+              <a:rPr kumimoji="0" lang="de-DE" sz="1800" b="0" i="1" u="none" strike="noStrike" kern="1200" cap="none" spc="0" normalizeH="0" baseline="0" noProof="0" dirty="0" err="1">
+                <a:ln>
+                  <a:noFill/>
+                </a:ln>
+                <a:solidFill>
+                  <a:prstClr val="black"/>
+                </a:solidFill>
+                <a:effectLst/>
+                <a:uLnTx/>
+                <a:uFillTx/>
+                <a:latin typeface="Calibri" panose="020F0502020204030204"/>
+                <a:ea typeface="+mn-ea"/>
+                <a:cs typeface="+mn-cs"/>
+              </a:rPr>
+              <a:t>dětí</a:t>
+            </a:r>
+            <a:r>
+              <a:rPr kumimoji="0" lang="de-DE" sz="1800" b="0" i="1" u="none" strike="noStrike" kern="1200" cap="none" spc="0" normalizeH="0" baseline="0" noProof="0" dirty="0">
+                <a:ln>
+                  <a:noFill/>
+                </a:ln>
+                <a:solidFill>
+                  <a:prstClr val="black"/>
+                </a:solidFill>
+                <a:effectLst/>
+                <a:uLnTx/>
+                <a:uFillTx/>
+                <a:latin typeface="Calibri" panose="020F0502020204030204"/>
+                <a:ea typeface="+mn-ea"/>
+                <a:cs typeface="+mn-cs"/>
+              </a:rPr>
+              <a:t> s PAS </a:t>
+            </a:r>
+            <a:r>
+              <a:rPr kumimoji="0" lang="de-DE" sz="1800" b="0" i="1" u="none" strike="noStrike" kern="1200" cap="none" spc="0" normalizeH="0" baseline="0" noProof="0" dirty="0" err="1">
+                <a:ln>
+                  <a:noFill/>
+                </a:ln>
+                <a:solidFill>
+                  <a:prstClr val="black"/>
+                </a:solidFill>
+                <a:effectLst/>
+                <a:uLnTx/>
+                <a:uFillTx/>
+                <a:latin typeface="Calibri" panose="020F0502020204030204"/>
+                <a:ea typeface="+mn-ea"/>
+                <a:cs typeface="+mn-cs"/>
+              </a:rPr>
+              <a:t>nebo</a:t>
+            </a:r>
+            <a:r>
+              <a:rPr kumimoji="0" lang="de-DE" sz="1800" b="0" i="1" u="none" strike="noStrike" kern="1200" cap="none" spc="0" normalizeH="0" baseline="0" noProof="0" dirty="0">
+                <a:ln>
+                  <a:noFill/>
+                </a:ln>
+                <a:solidFill>
+                  <a:prstClr val="black"/>
+                </a:solidFill>
+                <a:effectLst/>
+                <a:uLnTx/>
+                <a:uFillTx/>
+                <a:latin typeface="Calibri" panose="020F0502020204030204"/>
+                <a:ea typeface="+mn-ea"/>
+                <a:cs typeface="+mn-cs"/>
+              </a:rPr>
+              <a:t> </a:t>
+            </a:r>
+            <a:r>
+              <a:rPr kumimoji="0" lang="de-DE" sz="1800" b="0" i="1" u="none" strike="noStrike" kern="1200" cap="none" spc="0" normalizeH="0" baseline="0" noProof="0" dirty="0" err="1">
+                <a:ln>
+                  <a:noFill/>
+                </a:ln>
+                <a:solidFill>
+                  <a:prstClr val="black"/>
+                </a:solidFill>
+                <a:effectLst/>
+                <a:uLnTx/>
+                <a:uFillTx/>
+                <a:latin typeface="Calibri" panose="020F0502020204030204"/>
+                <a:ea typeface="+mn-ea"/>
+                <a:cs typeface="+mn-cs"/>
+              </a:rPr>
+              <a:t>jinou</a:t>
+            </a:r>
+            <a:r>
+              <a:rPr kumimoji="0" lang="de-DE" sz="1800" b="0" i="1" u="none" strike="noStrike" kern="1200" cap="none" spc="0" normalizeH="0" baseline="0" noProof="0" dirty="0">
+                <a:ln>
+                  <a:noFill/>
+                </a:ln>
+                <a:solidFill>
+                  <a:prstClr val="black"/>
+                </a:solidFill>
+                <a:effectLst/>
+                <a:uLnTx/>
+                <a:uFillTx/>
+                <a:latin typeface="Calibri" panose="020F0502020204030204"/>
+                <a:ea typeface="+mn-ea"/>
+                <a:cs typeface="+mn-cs"/>
+              </a:rPr>
+              <a:t> </a:t>
+            </a:r>
+            <a:r>
+              <a:rPr kumimoji="0" lang="de-DE" sz="1800" b="0" i="1" u="none" strike="noStrike" kern="1200" cap="none" spc="0" normalizeH="0" baseline="0" noProof="0" dirty="0" err="1">
+                <a:ln>
+                  <a:noFill/>
+                </a:ln>
+                <a:solidFill>
+                  <a:prstClr val="black"/>
+                </a:solidFill>
+                <a:effectLst/>
+                <a:uLnTx/>
+                <a:uFillTx/>
+                <a:latin typeface="Calibri" panose="020F0502020204030204"/>
+                <a:ea typeface="+mn-ea"/>
+                <a:cs typeface="+mn-cs"/>
+              </a:rPr>
+              <a:t>poruchou</a:t>
+            </a:r>
+            <a:r>
+              <a:rPr kumimoji="0" lang="de-DE" sz="1800" b="0" i="1" u="none" strike="noStrike" kern="1200" cap="none" spc="0" normalizeH="0" baseline="0" noProof="0" dirty="0">
+                <a:ln>
+                  <a:noFill/>
+                </a:ln>
+                <a:solidFill>
+                  <a:prstClr val="black"/>
+                </a:solidFill>
+                <a:effectLst/>
+                <a:uLnTx/>
+                <a:uFillTx/>
+                <a:latin typeface="Calibri" panose="020F0502020204030204"/>
+                <a:ea typeface="+mn-ea"/>
+                <a:cs typeface="+mn-cs"/>
+              </a:rPr>
+              <a:t> </a:t>
+            </a:r>
+            <a:r>
+              <a:rPr kumimoji="0" lang="de-DE" sz="1800" b="0" i="1" u="none" strike="noStrike" kern="1200" cap="none" spc="0" normalizeH="0" baseline="0" noProof="0" dirty="0" err="1">
+                <a:ln>
+                  <a:noFill/>
+                </a:ln>
+                <a:solidFill>
+                  <a:prstClr val="black"/>
+                </a:solidFill>
+                <a:effectLst/>
+                <a:uLnTx/>
+                <a:uFillTx/>
+                <a:latin typeface="Calibri" panose="020F0502020204030204"/>
+                <a:ea typeface="+mn-ea"/>
+                <a:cs typeface="+mn-cs"/>
+              </a:rPr>
+              <a:t>komunikace</a:t>
+            </a:r>
+            <a:r>
+              <a:rPr kumimoji="0" lang="de-DE" sz="1800" b="0" i="1" u="none" strike="noStrike" kern="1200" cap="none" spc="0" normalizeH="0" baseline="0" noProof="0" dirty="0">
+                <a:ln>
+                  <a:noFill/>
+                </a:ln>
+                <a:solidFill>
+                  <a:prstClr val="black"/>
+                </a:solidFill>
+                <a:effectLst/>
+                <a:uLnTx/>
+                <a:uFillTx/>
+                <a:latin typeface="Calibri" panose="020F0502020204030204"/>
+                <a:ea typeface="+mn-ea"/>
+                <a:cs typeface="+mn-cs"/>
+              </a:rPr>
+              <a:t> </a:t>
+            </a:r>
+            <a:r>
+              <a:rPr kumimoji="0" lang="de-DE" sz="1800" b="0" i="1" u="none" strike="noStrike" kern="1200" cap="none" spc="0" normalizeH="0" baseline="0" noProof="0" dirty="0" err="1">
+                <a:ln>
+                  <a:noFill/>
+                </a:ln>
+                <a:solidFill>
+                  <a:prstClr val="black"/>
+                </a:solidFill>
+                <a:effectLst/>
+                <a:uLnTx/>
+                <a:uFillTx/>
+                <a:latin typeface="Calibri" panose="020F0502020204030204"/>
+                <a:ea typeface="+mn-ea"/>
+                <a:cs typeface="+mn-cs"/>
+              </a:rPr>
+              <a:t>jsou</a:t>
+            </a:r>
+            <a:r>
+              <a:rPr kumimoji="0" lang="de-DE" sz="1800" b="0" i="1" u="none" strike="noStrike" kern="1200" cap="none" spc="0" normalizeH="0" baseline="0" noProof="0" dirty="0">
+                <a:ln>
+                  <a:noFill/>
+                </a:ln>
+                <a:solidFill>
+                  <a:prstClr val="black"/>
+                </a:solidFill>
+                <a:effectLst/>
+                <a:uLnTx/>
+                <a:uFillTx/>
+                <a:latin typeface="Calibri" panose="020F0502020204030204"/>
+                <a:ea typeface="+mn-ea"/>
+                <a:cs typeface="+mn-cs"/>
+              </a:rPr>
+              <a:t> </a:t>
+            </a:r>
+            <a:r>
+              <a:rPr kumimoji="0" lang="de-DE" sz="1800" b="0" i="1" u="none" strike="noStrike" kern="1200" cap="none" spc="0" normalizeH="0" baseline="0" noProof="0" dirty="0" err="1">
+                <a:ln>
+                  <a:noFill/>
+                </a:ln>
+                <a:solidFill>
+                  <a:prstClr val="black"/>
+                </a:solidFill>
+                <a:effectLst/>
+                <a:uLnTx/>
+                <a:uFillTx/>
+                <a:latin typeface="Calibri" panose="020F0502020204030204"/>
+                <a:ea typeface="+mn-ea"/>
+                <a:cs typeface="+mn-cs"/>
+              </a:rPr>
+              <a:t>znaky</a:t>
+            </a:r>
+            <a:r>
+              <a:rPr kumimoji="0" lang="de-DE" sz="1800" b="0" i="1" u="none" strike="noStrike" kern="1200" cap="none" spc="0" normalizeH="0" baseline="0" noProof="0" dirty="0">
+                <a:ln>
+                  <a:noFill/>
+                </a:ln>
+                <a:solidFill>
+                  <a:prstClr val="black"/>
+                </a:solidFill>
+                <a:effectLst/>
+                <a:uLnTx/>
+                <a:uFillTx/>
+                <a:latin typeface="Calibri" panose="020F0502020204030204"/>
+                <a:ea typeface="+mn-ea"/>
+                <a:cs typeface="+mn-cs"/>
+              </a:rPr>
+              <a:t>. </a:t>
+            </a:r>
+            <a:r>
+              <a:rPr kumimoji="0" lang="de-DE" sz="1800" b="0" i="1" u="none" strike="noStrike" kern="1200" cap="none" spc="0" normalizeH="0" baseline="0" noProof="0" dirty="0" err="1">
+                <a:ln>
+                  <a:noFill/>
+                </a:ln>
+                <a:solidFill>
+                  <a:prstClr val="black"/>
+                </a:solidFill>
+                <a:effectLst/>
+                <a:uLnTx/>
+                <a:uFillTx/>
+                <a:latin typeface="Calibri" panose="020F0502020204030204"/>
+                <a:ea typeface="+mn-ea"/>
+                <a:cs typeface="+mn-cs"/>
+              </a:rPr>
+              <a:t>Motorické</a:t>
+            </a:r>
+            <a:r>
+              <a:rPr kumimoji="0" lang="de-DE" sz="1800" b="0" i="1" u="none" strike="noStrike" kern="1200" cap="none" spc="0" normalizeH="0" baseline="0" noProof="0" dirty="0">
+                <a:ln>
+                  <a:noFill/>
+                </a:ln>
+                <a:solidFill>
+                  <a:prstClr val="black"/>
+                </a:solidFill>
+                <a:effectLst/>
+                <a:uLnTx/>
+                <a:uFillTx/>
+                <a:latin typeface="Calibri" panose="020F0502020204030204"/>
+                <a:ea typeface="+mn-ea"/>
+                <a:cs typeface="+mn-cs"/>
+              </a:rPr>
+              <a:t> a </a:t>
+            </a:r>
+            <a:r>
+              <a:rPr kumimoji="0" lang="de-DE" sz="1800" b="0" i="1" u="none" strike="noStrike" kern="1200" cap="none" spc="0" normalizeH="0" baseline="0" noProof="0" dirty="0" err="1">
+                <a:ln>
+                  <a:noFill/>
+                </a:ln>
+                <a:solidFill>
+                  <a:prstClr val="black"/>
+                </a:solidFill>
+                <a:effectLst/>
+                <a:uLnTx/>
+                <a:uFillTx/>
+                <a:latin typeface="Calibri" panose="020F0502020204030204"/>
+                <a:ea typeface="+mn-ea"/>
+                <a:cs typeface="+mn-cs"/>
+              </a:rPr>
+              <a:t>řečové</a:t>
+            </a:r>
+            <a:r>
+              <a:rPr kumimoji="0" lang="de-DE" sz="1800" b="0" i="1" u="none" strike="noStrike" kern="1200" cap="none" spc="0" normalizeH="0" baseline="0" noProof="0" dirty="0">
+                <a:ln>
+                  <a:noFill/>
+                </a:ln>
+                <a:solidFill>
+                  <a:prstClr val="black"/>
+                </a:solidFill>
+                <a:effectLst/>
+                <a:uLnTx/>
+                <a:uFillTx/>
+                <a:latin typeface="Calibri" panose="020F0502020204030204"/>
+                <a:ea typeface="+mn-ea"/>
+                <a:cs typeface="+mn-cs"/>
+              </a:rPr>
+              <a:t> </a:t>
+            </a:r>
+            <a:r>
+              <a:rPr kumimoji="0" lang="de-DE" sz="1800" b="0" i="1" u="none" strike="noStrike" kern="1200" cap="none" spc="0" normalizeH="0" baseline="0" noProof="0" dirty="0" err="1">
+                <a:ln>
+                  <a:noFill/>
+                </a:ln>
+                <a:solidFill>
+                  <a:prstClr val="black"/>
+                </a:solidFill>
+                <a:effectLst/>
+                <a:uLnTx/>
+                <a:uFillTx/>
+                <a:latin typeface="Calibri" panose="020F0502020204030204"/>
+                <a:ea typeface="+mn-ea"/>
+                <a:cs typeface="+mn-cs"/>
+              </a:rPr>
+              <a:t>centrum</a:t>
+            </a:r>
+            <a:r>
+              <a:rPr kumimoji="0" lang="de-DE" sz="1800" b="0" i="1" u="none" strike="noStrike" kern="1200" cap="none" spc="0" normalizeH="0" baseline="0" noProof="0" dirty="0">
+                <a:ln>
+                  <a:noFill/>
+                </a:ln>
+                <a:solidFill>
+                  <a:prstClr val="black"/>
+                </a:solidFill>
+                <a:effectLst/>
+                <a:uLnTx/>
+                <a:uFillTx/>
+                <a:latin typeface="Calibri" panose="020F0502020204030204"/>
+                <a:ea typeface="+mn-ea"/>
+                <a:cs typeface="+mn-cs"/>
+              </a:rPr>
+              <a:t> </a:t>
+            </a:r>
+            <a:r>
+              <a:rPr kumimoji="0" lang="de-DE" sz="1800" b="0" i="1" u="none" strike="noStrike" kern="1200" cap="none" spc="0" normalizeH="0" baseline="0" noProof="0" dirty="0" err="1">
+                <a:ln>
+                  <a:noFill/>
+                </a:ln>
+                <a:solidFill>
+                  <a:prstClr val="black"/>
+                </a:solidFill>
+                <a:effectLst/>
+                <a:uLnTx/>
+                <a:uFillTx/>
+                <a:latin typeface="Calibri" panose="020F0502020204030204"/>
+                <a:ea typeface="+mn-ea"/>
+                <a:cs typeface="+mn-cs"/>
+              </a:rPr>
+              <a:t>jsou</a:t>
+            </a:r>
+            <a:r>
+              <a:rPr kumimoji="0" lang="de-DE" sz="1800" b="0" i="1" u="none" strike="noStrike" kern="1200" cap="none" spc="0" normalizeH="0" baseline="0" noProof="0" dirty="0">
+                <a:ln>
+                  <a:noFill/>
+                </a:ln>
+                <a:solidFill>
+                  <a:prstClr val="black"/>
+                </a:solidFill>
+                <a:effectLst/>
+                <a:uLnTx/>
+                <a:uFillTx/>
+                <a:latin typeface="Calibri" panose="020F0502020204030204"/>
+                <a:ea typeface="+mn-ea"/>
+                <a:cs typeface="+mn-cs"/>
+              </a:rPr>
+              <a:t> </a:t>
+            </a:r>
+            <a:r>
+              <a:rPr kumimoji="0" lang="de-DE" sz="1800" b="0" i="1" u="none" strike="noStrike" kern="1200" cap="none" spc="0" normalizeH="0" baseline="0" noProof="0" dirty="0" err="1">
+                <a:ln>
+                  <a:noFill/>
+                </a:ln>
+                <a:solidFill>
+                  <a:prstClr val="black"/>
+                </a:solidFill>
+                <a:effectLst/>
+                <a:uLnTx/>
+                <a:uFillTx/>
+                <a:latin typeface="Calibri" panose="020F0502020204030204"/>
+                <a:ea typeface="+mn-ea"/>
+                <a:cs typeface="+mn-cs"/>
+              </a:rPr>
+              <a:t>propojené</a:t>
+            </a:r>
+            <a:r>
+              <a:rPr kumimoji="0" lang="de-DE" sz="1800" b="0" i="1" u="none" strike="noStrike" kern="1200" cap="none" spc="0" normalizeH="0" baseline="0" noProof="0" dirty="0">
+                <a:ln>
+                  <a:noFill/>
+                </a:ln>
+                <a:solidFill>
+                  <a:prstClr val="black"/>
+                </a:solidFill>
+                <a:effectLst/>
+                <a:uLnTx/>
+                <a:uFillTx/>
+                <a:latin typeface="Calibri" panose="020F0502020204030204"/>
+                <a:ea typeface="+mn-ea"/>
+                <a:cs typeface="+mn-cs"/>
+              </a:rPr>
+              <a:t>. </a:t>
+            </a:r>
+            <a:r>
+              <a:rPr kumimoji="0" lang="de-DE" sz="1800" b="0" i="1" u="none" strike="noStrike" kern="1200" cap="none" spc="0" normalizeH="0" baseline="0" noProof="0" dirty="0" err="1">
+                <a:ln>
+                  <a:noFill/>
+                </a:ln>
+                <a:solidFill>
+                  <a:prstClr val="black"/>
+                </a:solidFill>
+                <a:effectLst/>
+                <a:uLnTx/>
+                <a:uFillTx/>
+                <a:latin typeface="Calibri" panose="020F0502020204030204"/>
+                <a:ea typeface="+mn-ea"/>
+                <a:cs typeface="+mn-cs"/>
+              </a:rPr>
+              <a:t>Každopádně</a:t>
+            </a:r>
+            <a:r>
+              <a:rPr kumimoji="0" lang="de-DE" sz="1800" b="0" i="1" u="none" strike="noStrike" kern="1200" cap="none" spc="0" normalizeH="0" baseline="0" noProof="0" dirty="0">
+                <a:ln>
+                  <a:noFill/>
+                </a:ln>
+                <a:solidFill>
+                  <a:prstClr val="black"/>
+                </a:solidFill>
+                <a:effectLst/>
+                <a:uLnTx/>
+                <a:uFillTx/>
+                <a:latin typeface="Calibri" panose="020F0502020204030204"/>
+                <a:ea typeface="+mn-ea"/>
+                <a:cs typeface="+mn-cs"/>
+              </a:rPr>
+              <a:t> </a:t>
+            </a:r>
+            <a:r>
+              <a:rPr kumimoji="0" lang="de-DE" sz="1800" b="0" i="1" u="none" strike="noStrike" kern="1200" cap="none" spc="0" normalizeH="0" baseline="0" noProof="0" dirty="0" err="1">
+                <a:ln>
+                  <a:noFill/>
+                </a:ln>
+                <a:solidFill>
+                  <a:prstClr val="black"/>
+                </a:solidFill>
+                <a:effectLst/>
+                <a:uLnTx/>
+                <a:uFillTx/>
+                <a:latin typeface="Calibri" panose="020F0502020204030204"/>
+                <a:ea typeface="+mn-ea"/>
+                <a:cs typeface="+mn-cs"/>
+              </a:rPr>
+              <a:t>věřím</a:t>
+            </a:r>
+            <a:r>
+              <a:rPr kumimoji="0" lang="de-DE" sz="1800" b="0" i="1" u="none" strike="noStrike" kern="1200" cap="none" spc="0" normalizeH="0" baseline="0" noProof="0" dirty="0">
+                <a:ln>
+                  <a:noFill/>
+                </a:ln>
+                <a:solidFill>
+                  <a:prstClr val="black"/>
+                </a:solidFill>
+                <a:effectLst/>
+                <a:uLnTx/>
+                <a:uFillTx/>
+                <a:latin typeface="Calibri" panose="020F0502020204030204"/>
+                <a:ea typeface="+mn-ea"/>
+                <a:cs typeface="+mn-cs"/>
+              </a:rPr>
+              <a:t>, </a:t>
+            </a:r>
+            <a:r>
+              <a:rPr kumimoji="0" lang="de-DE" sz="1800" b="0" i="1" u="none" strike="noStrike" kern="1200" cap="none" spc="0" normalizeH="0" baseline="0" noProof="0" dirty="0" err="1">
+                <a:ln>
+                  <a:noFill/>
+                </a:ln>
+                <a:solidFill>
+                  <a:prstClr val="black"/>
+                </a:solidFill>
+                <a:effectLst/>
+                <a:uLnTx/>
+                <a:uFillTx/>
+                <a:latin typeface="Calibri" panose="020F0502020204030204"/>
+                <a:ea typeface="+mn-ea"/>
+                <a:cs typeface="+mn-cs"/>
+              </a:rPr>
+              <a:t>že</a:t>
+            </a:r>
+            <a:r>
+              <a:rPr kumimoji="0" lang="de-DE" sz="1800" b="0" i="1" u="none" strike="noStrike" kern="1200" cap="none" spc="0" normalizeH="0" baseline="0" noProof="0" dirty="0">
+                <a:ln>
+                  <a:noFill/>
+                </a:ln>
+                <a:solidFill>
+                  <a:prstClr val="black"/>
+                </a:solidFill>
+                <a:effectLst/>
+                <a:uLnTx/>
+                <a:uFillTx/>
+                <a:latin typeface="Calibri" panose="020F0502020204030204"/>
+                <a:ea typeface="+mn-ea"/>
+                <a:cs typeface="+mn-cs"/>
+              </a:rPr>
+              <a:t> v ČR se </a:t>
+            </a:r>
+            <a:r>
+              <a:rPr kumimoji="0" lang="de-DE" sz="1800" b="0" i="1" u="none" strike="noStrike" kern="1200" cap="none" spc="0" normalizeH="0" baseline="0" noProof="0" dirty="0" err="1">
+                <a:ln>
+                  <a:noFill/>
+                </a:ln>
+                <a:solidFill>
+                  <a:prstClr val="black"/>
+                </a:solidFill>
+                <a:effectLst/>
+                <a:uLnTx/>
+                <a:uFillTx/>
+                <a:latin typeface="Calibri" panose="020F0502020204030204"/>
+                <a:ea typeface="+mn-ea"/>
+                <a:cs typeface="+mn-cs"/>
+              </a:rPr>
+              <a:t>vaše</a:t>
+            </a:r>
+            <a:r>
+              <a:rPr kumimoji="0" lang="de-DE" sz="1800" b="0" i="1" u="none" strike="noStrike" kern="1200" cap="none" spc="0" normalizeH="0" baseline="0" noProof="0" dirty="0">
+                <a:ln>
+                  <a:noFill/>
+                </a:ln>
+                <a:solidFill>
+                  <a:prstClr val="black"/>
+                </a:solidFill>
+                <a:effectLst/>
+                <a:uLnTx/>
+                <a:uFillTx/>
+                <a:latin typeface="Calibri" panose="020F0502020204030204"/>
+                <a:ea typeface="+mn-ea"/>
+                <a:cs typeface="+mn-cs"/>
+              </a:rPr>
+              <a:t> </a:t>
+            </a:r>
+            <a:r>
+              <a:rPr kumimoji="0" lang="de-DE" sz="1800" b="0" i="1" u="none" strike="noStrike" kern="1200" cap="none" spc="0" normalizeH="0" baseline="0" noProof="0" dirty="0" err="1">
+                <a:ln>
+                  <a:noFill/>
+                </a:ln>
+                <a:solidFill>
+                  <a:prstClr val="black"/>
+                </a:solidFill>
+                <a:effectLst/>
+                <a:uLnTx/>
+                <a:uFillTx/>
+                <a:latin typeface="Calibri" panose="020F0502020204030204"/>
+                <a:ea typeface="+mn-ea"/>
+                <a:cs typeface="+mn-cs"/>
+              </a:rPr>
+              <a:t>aplikace</a:t>
+            </a:r>
+            <a:r>
+              <a:rPr kumimoji="0" lang="de-DE" sz="1800" b="0" i="1" u="none" strike="noStrike" kern="1200" cap="none" spc="0" normalizeH="0" baseline="0" noProof="0" dirty="0">
+                <a:ln>
+                  <a:noFill/>
+                </a:ln>
+                <a:solidFill>
+                  <a:prstClr val="black"/>
+                </a:solidFill>
+                <a:effectLst/>
+                <a:uLnTx/>
+                <a:uFillTx/>
+                <a:latin typeface="Calibri" panose="020F0502020204030204"/>
+                <a:ea typeface="+mn-ea"/>
+                <a:cs typeface="+mn-cs"/>
+              </a:rPr>
+              <a:t> </a:t>
+            </a:r>
+            <a:r>
+              <a:rPr kumimoji="0" lang="de-DE" sz="1800" b="0" i="1" u="none" strike="noStrike" kern="1200" cap="none" spc="0" normalizeH="0" baseline="0" noProof="0" dirty="0" err="1">
+                <a:ln>
+                  <a:noFill/>
+                </a:ln>
+                <a:solidFill>
+                  <a:prstClr val="black"/>
+                </a:solidFill>
+                <a:effectLst/>
+                <a:uLnTx/>
+                <a:uFillTx/>
+                <a:latin typeface="Calibri" panose="020F0502020204030204"/>
+                <a:ea typeface="+mn-ea"/>
+                <a:cs typeface="+mn-cs"/>
+              </a:rPr>
+              <a:t>využije</a:t>
+            </a:r>
+            <a:r>
+              <a:rPr kumimoji="0" lang="de-DE" sz="1800" b="0" i="1" u="none" strike="noStrike" kern="1200" cap="none" spc="0" normalizeH="0" baseline="0" noProof="0" dirty="0">
+                <a:ln>
+                  <a:noFill/>
+                </a:ln>
+                <a:solidFill>
+                  <a:prstClr val="black"/>
+                </a:solidFill>
+                <a:effectLst/>
+                <a:uLnTx/>
+                <a:uFillTx/>
+                <a:latin typeface="Calibri" panose="020F0502020204030204"/>
+                <a:ea typeface="+mn-ea"/>
+                <a:cs typeface="+mn-cs"/>
+              </a:rPr>
+              <a:t>. </a:t>
+            </a:r>
+            <a:r>
+              <a:rPr kumimoji="0" lang="de-DE" sz="1800" b="0" i="1" u="none" strike="noStrike" kern="1200" cap="none" spc="0" normalizeH="0" baseline="0" noProof="0" dirty="0" err="1">
+                <a:ln>
+                  <a:noFill/>
+                </a:ln>
+                <a:solidFill>
+                  <a:prstClr val="black"/>
+                </a:solidFill>
+                <a:effectLst/>
+                <a:uLnTx/>
+                <a:uFillTx/>
+                <a:latin typeface="Calibri" panose="020F0502020204030204"/>
+                <a:ea typeface="+mn-ea"/>
+                <a:cs typeface="+mn-cs"/>
+              </a:rPr>
+              <a:t>Obrázky</a:t>
+            </a:r>
+            <a:r>
+              <a:rPr kumimoji="0" lang="de-DE" sz="1800" b="0" i="1" u="none" strike="noStrike" kern="1200" cap="none" spc="0" normalizeH="0" baseline="0" noProof="0" dirty="0">
+                <a:ln>
+                  <a:noFill/>
+                </a:ln>
+                <a:solidFill>
+                  <a:prstClr val="black"/>
+                </a:solidFill>
+                <a:effectLst/>
+                <a:uLnTx/>
+                <a:uFillTx/>
+                <a:latin typeface="Calibri" panose="020F0502020204030204"/>
+                <a:ea typeface="+mn-ea"/>
+                <a:cs typeface="+mn-cs"/>
+              </a:rPr>
+              <a:t> </a:t>
+            </a:r>
+            <a:r>
+              <a:rPr kumimoji="0" lang="de-DE" sz="1800" b="0" i="1" u="none" strike="noStrike" kern="1200" cap="none" spc="0" normalizeH="0" baseline="0" noProof="0" dirty="0" err="1">
+                <a:ln>
+                  <a:noFill/>
+                </a:ln>
+                <a:solidFill>
+                  <a:prstClr val="black"/>
+                </a:solidFill>
+                <a:effectLst/>
+                <a:uLnTx/>
+                <a:uFillTx/>
+                <a:latin typeface="Calibri" panose="020F0502020204030204"/>
+                <a:ea typeface="+mn-ea"/>
+                <a:cs typeface="+mn-cs"/>
+              </a:rPr>
+              <a:t>jsou</a:t>
+            </a:r>
+            <a:r>
+              <a:rPr kumimoji="0" lang="de-DE" sz="1800" b="0" i="1" u="none" strike="noStrike" kern="1200" cap="none" spc="0" normalizeH="0" baseline="0" noProof="0" dirty="0">
+                <a:ln>
+                  <a:noFill/>
+                </a:ln>
+                <a:solidFill>
+                  <a:prstClr val="black"/>
+                </a:solidFill>
+                <a:effectLst/>
+                <a:uLnTx/>
+                <a:uFillTx/>
+                <a:latin typeface="Calibri" panose="020F0502020204030204"/>
+                <a:ea typeface="+mn-ea"/>
+                <a:cs typeface="+mn-cs"/>
+              </a:rPr>
+              <a:t> </a:t>
+            </a:r>
+            <a:r>
+              <a:rPr kumimoji="0" lang="de-DE" sz="1800" b="0" i="1" u="none" strike="noStrike" kern="1200" cap="none" spc="0" normalizeH="0" baseline="0" noProof="0" dirty="0" err="1">
+                <a:ln>
+                  <a:noFill/>
+                </a:ln>
+                <a:solidFill>
+                  <a:prstClr val="black"/>
+                </a:solidFill>
+                <a:effectLst/>
+                <a:uLnTx/>
+                <a:uFillTx/>
+                <a:latin typeface="Calibri" panose="020F0502020204030204"/>
+                <a:ea typeface="+mn-ea"/>
+                <a:cs typeface="+mn-cs"/>
+              </a:rPr>
+              <a:t>zde</a:t>
+            </a:r>
+            <a:r>
+              <a:rPr kumimoji="0" lang="de-DE" sz="1800" b="0" i="1" u="none" strike="noStrike" kern="1200" cap="none" spc="0" normalizeH="0" baseline="0" noProof="0" dirty="0">
+                <a:ln>
+                  <a:noFill/>
+                </a:ln>
+                <a:solidFill>
+                  <a:prstClr val="black"/>
+                </a:solidFill>
+                <a:effectLst/>
+                <a:uLnTx/>
+                <a:uFillTx/>
+                <a:latin typeface="Calibri" panose="020F0502020204030204"/>
+                <a:ea typeface="+mn-ea"/>
+                <a:cs typeface="+mn-cs"/>
+              </a:rPr>
+              <a:t> </a:t>
+            </a:r>
+            <a:r>
+              <a:rPr kumimoji="0" lang="de-DE" sz="1800" b="0" i="1" u="none" strike="noStrike" kern="1200" cap="none" spc="0" normalizeH="0" baseline="0" noProof="0" dirty="0" err="1">
+                <a:ln>
+                  <a:noFill/>
+                </a:ln>
+                <a:solidFill>
+                  <a:prstClr val="black"/>
+                </a:solidFill>
+                <a:effectLst/>
+                <a:uLnTx/>
+                <a:uFillTx/>
+                <a:latin typeface="Calibri" panose="020F0502020204030204"/>
+                <a:ea typeface="+mn-ea"/>
+                <a:cs typeface="+mn-cs"/>
+              </a:rPr>
+              <a:t>pořád</a:t>
+            </a:r>
+            <a:r>
+              <a:rPr kumimoji="0" lang="de-DE" sz="1800" b="0" i="1" u="none" strike="noStrike" kern="1200" cap="none" spc="0" normalizeH="0" baseline="0" noProof="0" dirty="0">
+                <a:ln>
+                  <a:noFill/>
+                </a:ln>
+                <a:solidFill>
+                  <a:prstClr val="black"/>
+                </a:solidFill>
+                <a:effectLst/>
+                <a:uLnTx/>
+                <a:uFillTx/>
+                <a:latin typeface="Calibri" panose="020F0502020204030204"/>
+                <a:ea typeface="+mn-ea"/>
+                <a:cs typeface="+mn-cs"/>
+              </a:rPr>
+              <a:t> in. I </a:t>
+            </a:r>
+            <a:r>
+              <a:rPr kumimoji="0" lang="de-DE" sz="1800" b="0" i="1" u="none" strike="noStrike" kern="1200" cap="none" spc="0" normalizeH="0" baseline="0" noProof="0" dirty="0" err="1">
+                <a:ln>
+                  <a:noFill/>
+                </a:ln>
+                <a:solidFill>
+                  <a:prstClr val="black"/>
+                </a:solidFill>
+                <a:effectLst/>
+                <a:uLnTx/>
+                <a:uFillTx/>
+                <a:latin typeface="Calibri" panose="020F0502020204030204"/>
+                <a:ea typeface="+mn-ea"/>
+                <a:cs typeface="+mn-cs"/>
+              </a:rPr>
+              <a:t>když</a:t>
+            </a:r>
+            <a:r>
+              <a:rPr kumimoji="0" lang="de-DE" sz="1800" b="0" i="1" u="none" strike="noStrike" kern="1200" cap="none" spc="0" normalizeH="0" baseline="0" noProof="0" dirty="0">
+                <a:ln>
+                  <a:noFill/>
+                </a:ln>
+                <a:solidFill>
+                  <a:prstClr val="black"/>
+                </a:solidFill>
+                <a:effectLst/>
+                <a:uLnTx/>
+                <a:uFillTx/>
+                <a:latin typeface="Calibri" panose="020F0502020204030204"/>
+                <a:ea typeface="+mn-ea"/>
+                <a:cs typeface="+mn-cs"/>
+              </a:rPr>
+              <a:t> </a:t>
+            </a:r>
+            <a:r>
+              <a:rPr kumimoji="0" lang="de-DE" sz="1800" b="0" i="1" u="none" strike="noStrike" kern="1200" cap="none" spc="0" normalizeH="0" baseline="0" noProof="0" dirty="0" err="1">
+                <a:ln>
+                  <a:noFill/>
+                </a:ln>
+                <a:solidFill>
+                  <a:prstClr val="black"/>
+                </a:solidFill>
+                <a:effectLst/>
+                <a:uLnTx/>
+                <a:uFillTx/>
+                <a:latin typeface="Calibri" panose="020F0502020204030204"/>
+                <a:ea typeface="+mn-ea"/>
+                <a:cs typeface="+mn-cs"/>
+              </a:rPr>
+              <a:t>vaši</a:t>
+            </a:r>
+            <a:r>
+              <a:rPr kumimoji="0" lang="de-DE" sz="1800" b="0" i="1" u="none" strike="noStrike" kern="1200" cap="none" spc="0" normalizeH="0" baseline="0" noProof="0" dirty="0">
+                <a:ln>
+                  <a:noFill/>
+                </a:ln>
+                <a:solidFill>
+                  <a:prstClr val="black"/>
+                </a:solidFill>
+                <a:effectLst/>
+                <a:uLnTx/>
+                <a:uFillTx/>
+                <a:latin typeface="Calibri" panose="020F0502020204030204"/>
+                <a:ea typeface="+mn-ea"/>
+                <a:cs typeface="+mn-cs"/>
+              </a:rPr>
+              <a:t> </a:t>
+            </a:r>
+            <a:r>
+              <a:rPr kumimoji="0" lang="de-DE" sz="1800" b="0" i="1" u="none" strike="noStrike" kern="1200" cap="none" spc="0" normalizeH="0" baseline="0" noProof="0" dirty="0" err="1">
+                <a:ln>
+                  <a:noFill/>
+                </a:ln>
+                <a:solidFill>
+                  <a:prstClr val="black"/>
+                </a:solidFill>
+                <a:effectLst/>
+                <a:uLnTx/>
+                <a:uFillTx/>
+                <a:latin typeface="Calibri" panose="020F0502020204030204"/>
+                <a:ea typeface="+mn-ea"/>
+                <a:cs typeface="+mn-cs"/>
+              </a:rPr>
+              <a:t>aplikaci</a:t>
+            </a:r>
+            <a:r>
+              <a:rPr kumimoji="0" lang="de-DE" sz="1800" b="0" i="1" u="none" strike="noStrike" kern="1200" cap="none" spc="0" normalizeH="0" baseline="0" noProof="0" dirty="0">
+                <a:ln>
+                  <a:noFill/>
+                </a:ln>
+                <a:solidFill>
+                  <a:prstClr val="black"/>
+                </a:solidFill>
+                <a:effectLst/>
+                <a:uLnTx/>
+                <a:uFillTx/>
+                <a:latin typeface="Calibri" panose="020F0502020204030204"/>
+                <a:ea typeface="+mn-ea"/>
+                <a:cs typeface="+mn-cs"/>
+              </a:rPr>
+              <a:t> </a:t>
+            </a:r>
+            <a:r>
+              <a:rPr kumimoji="0" lang="de-DE" sz="1800" b="0" i="1" u="none" strike="noStrike" kern="1200" cap="none" spc="0" normalizeH="0" baseline="0" noProof="0" dirty="0" err="1">
+                <a:ln>
+                  <a:noFill/>
+                </a:ln>
+                <a:solidFill>
+                  <a:prstClr val="black"/>
+                </a:solidFill>
+                <a:effectLst/>
+                <a:uLnTx/>
+                <a:uFillTx/>
+                <a:latin typeface="Calibri" panose="020F0502020204030204"/>
+                <a:ea typeface="+mn-ea"/>
+                <a:cs typeface="+mn-cs"/>
+              </a:rPr>
+              <a:t>nevyužiji</a:t>
+            </a:r>
+            <a:r>
+              <a:rPr kumimoji="0" lang="de-DE" sz="1800" b="0" i="1" u="none" strike="noStrike" kern="1200" cap="none" spc="0" normalizeH="0" baseline="0" noProof="0" dirty="0">
+                <a:ln>
+                  <a:noFill/>
+                </a:ln>
+                <a:solidFill>
+                  <a:prstClr val="black"/>
+                </a:solidFill>
+                <a:effectLst/>
+                <a:uLnTx/>
+                <a:uFillTx/>
+                <a:latin typeface="Calibri" panose="020F0502020204030204"/>
+                <a:ea typeface="+mn-ea"/>
+                <a:cs typeface="+mn-cs"/>
+              </a:rPr>
+              <a:t>, </a:t>
+            </a:r>
+            <a:r>
+              <a:rPr kumimoji="0" lang="de-DE" sz="1800" b="0" i="1" u="none" strike="noStrike" kern="1200" cap="none" spc="0" normalizeH="0" baseline="0" noProof="0" dirty="0" err="1">
+                <a:ln>
+                  <a:noFill/>
+                </a:ln>
+                <a:solidFill>
+                  <a:prstClr val="black"/>
+                </a:solidFill>
+                <a:effectLst/>
+                <a:uLnTx/>
+                <a:uFillTx/>
+                <a:latin typeface="Calibri" panose="020F0502020204030204"/>
+                <a:ea typeface="+mn-ea"/>
+                <a:cs typeface="+mn-cs"/>
+              </a:rPr>
+              <a:t>tak</a:t>
+            </a:r>
+            <a:r>
+              <a:rPr kumimoji="0" lang="de-DE" sz="1800" b="0" i="1" u="none" strike="noStrike" kern="1200" cap="none" spc="0" normalizeH="0" baseline="0" noProof="0" dirty="0">
+                <a:ln>
+                  <a:noFill/>
+                </a:ln>
+                <a:solidFill>
+                  <a:prstClr val="black"/>
+                </a:solidFill>
+                <a:effectLst/>
+                <a:uLnTx/>
+                <a:uFillTx/>
+                <a:latin typeface="Calibri" panose="020F0502020204030204"/>
+                <a:ea typeface="+mn-ea"/>
+                <a:cs typeface="+mn-cs"/>
+              </a:rPr>
+              <a:t> </a:t>
+            </a:r>
+            <a:r>
+              <a:rPr kumimoji="0" lang="de-DE" sz="1800" b="0" i="1" u="none" strike="noStrike" kern="1200" cap="none" spc="0" normalizeH="0" baseline="0" noProof="0" dirty="0" err="1">
+                <a:ln>
+                  <a:noFill/>
+                </a:ln>
+                <a:solidFill>
+                  <a:prstClr val="black"/>
+                </a:solidFill>
+                <a:effectLst/>
+                <a:uLnTx/>
+                <a:uFillTx/>
+                <a:latin typeface="Calibri" panose="020F0502020204030204"/>
+                <a:ea typeface="+mn-ea"/>
+                <a:cs typeface="+mn-cs"/>
+              </a:rPr>
+              <a:t>obdivuji</a:t>
+            </a:r>
+            <a:r>
+              <a:rPr kumimoji="0" lang="de-DE" sz="1800" b="0" i="1" u="none" strike="noStrike" kern="1200" cap="none" spc="0" normalizeH="0" baseline="0" noProof="0" dirty="0">
+                <a:ln>
+                  <a:noFill/>
+                </a:ln>
+                <a:solidFill>
+                  <a:prstClr val="black"/>
+                </a:solidFill>
+                <a:effectLst/>
+                <a:uLnTx/>
+                <a:uFillTx/>
+                <a:latin typeface="Calibri" panose="020F0502020204030204"/>
+                <a:ea typeface="+mn-ea"/>
+                <a:cs typeface="+mn-cs"/>
+              </a:rPr>
+              <a:t>, </a:t>
+            </a:r>
+            <a:r>
+              <a:rPr kumimoji="0" lang="de-DE" sz="1800" b="0" i="1" u="none" strike="noStrike" kern="1200" cap="none" spc="0" normalizeH="0" baseline="0" noProof="0" dirty="0" err="1">
+                <a:ln>
+                  <a:noFill/>
+                </a:ln>
+                <a:solidFill>
+                  <a:prstClr val="black"/>
+                </a:solidFill>
+                <a:effectLst/>
+                <a:uLnTx/>
+                <a:uFillTx/>
+                <a:latin typeface="Calibri" panose="020F0502020204030204"/>
+                <a:ea typeface="+mn-ea"/>
+                <a:cs typeface="+mn-cs"/>
+              </a:rPr>
+              <a:t>jak</a:t>
+            </a:r>
+            <a:r>
+              <a:rPr kumimoji="0" lang="de-DE" sz="1800" b="0" i="1" u="none" strike="noStrike" kern="1200" cap="none" spc="0" normalizeH="0" baseline="0" noProof="0" dirty="0">
+                <a:ln>
+                  <a:noFill/>
+                </a:ln>
+                <a:solidFill>
+                  <a:prstClr val="black"/>
+                </a:solidFill>
+                <a:effectLst/>
+                <a:uLnTx/>
+                <a:uFillTx/>
+                <a:latin typeface="Calibri" panose="020F0502020204030204"/>
+                <a:ea typeface="+mn-ea"/>
+                <a:cs typeface="+mn-cs"/>
+              </a:rPr>
+              <a:t> </a:t>
+            </a:r>
+            <a:r>
+              <a:rPr kumimoji="0" lang="de-DE" sz="1800" b="0" i="1" u="none" strike="noStrike" kern="1200" cap="none" spc="0" normalizeH="0" baseline="0" noProof="0" dirty="0" err="1">
+                <a:ln>
+                  <a:noFill/>
+                </a:ln>
+                <a:solidFill>
+                  <a:prstClr val="black"/>
+                </a:solidFill>
+                <a:effectLst/>
+                <a:uLnTx/>
+                <a:uFillTx/>
+                <a:latin typeface="Calibri" panose="020F0502020204030204"/>
+                <a:ea typeface="+mn-ea"/>
+                <a:cs typeface="+mn-cs"/>
+              </a:rPr>
+              <a:t>dokážete</a:t>
+            </a:r>
+            <a:r>
+              <a:rPr kumimoji="0" lang="de-DE" sz="1800" b="0" i="1" u="none" strike="noStrike" kern="1200" cap="none" spc="0" normalizeH="0" baseline="0" noProof="0" dirty="0">
+                <a:ln>
+                  <a:noFill/>
+                </a:ln>
+                <a:solidFill>
+                  <a:prstClr val="black"/>
+                </a:solidFill>
+                <a:effectLst/>
+                <a:uLnTx/>
+                <a:uFillTx/>
+                <a:latin typeface="Calibri" panose="020F0502020204030204"/>
+                <a:ea typeface="+mn-ea"/>
+                <a:cs typeface="+mn-cs"/>
+              </a:rPr>
+              <a:t> </a:t>
+            </a:r>
+            <a:r>
+              <a:rPr kumimoji="0" lang="de-DE" sz="1800" b="0" i="1" u="none" strike="noStrike" kern="1200" cap="none" spc="0" normalizeH="0" baseline="0" noProof="0" dirty="0" err="1">
+                <a:ln>
+                  <a:noFill/>
+                </a:ln>
+                <a:solidFill>
+                  <a:prstClr val="black"/>
+                </a:solidFill>
+                <a:effectLst/>
+                <a:uLnTx/>
+                <a:uFillTx/>
+                <a:latin typeface="Calibri" panose="020F0502020204030204"/>
+                <a:ea typeface="+mn-ea"/>
+                <a:cs typeface="+mn-cs"/>
+              </a:rPr>
+              <a:t>pracovat</a:t>
+            </a:r>
+            <a:r>
+              <a:rPr kumimoji="0" lang="de-DE" sz="1800" b="0" i="1" u="none" strike="noStrike" kern="1200" cap="none" spc="0" normalizeH="0" baseline="0" noProof="0" dirty="0">
+                <a:ln>
+                  <a:noFill/>
+                </a:ln>
+                <a:solidFill>
+                  <a:prstClr val="black"/>
+                </a:solidFill>
+                <a:effectLst/>
+                <a:uLnTx/>
+                <a:uFillTx/>
+                <a:latin typeface="Calibri" panose="020F0502020204030204"/>
+                <a:ea typeface="+mn-ea"/>
+                <a:cs typeface="+mn-cs"/>
+              </a:rPr>
+              <a:t> s </a:t>
+            </a:r>
+            <a:r>
+              <a:rPr kumimoji="0" lang="de-DE" sz="1800" b="0" i="1" u="none" strike="noStrike" kern="1200" cap="none" spc="0" normalizeH="0" baseline="0" noProof="0" dirty="0" err="1">
+                <a:ln>
+                  <a:noFill/>
+                </a:ln>
+                <a:solidFill>
+                  <a:prstClr val="black"/>
+                </a:solidFill>
+                <a:effectLst/>
+                <a:uLnTx/>
+                <a:uFillTx/>
+                <a:latin typeface="Calibri" panose="020F0502020204030204"/>
+                <a:ea typeface="+mn-ea"/>
+                <a:cs typeface="+mn-cs"/>
+              </a:rPr>
+              <a:t>technikou</a:t>
+            </a:r>
+            <a:r>
+              <a:rPr kumimoji="0" lang="de-DE" sz="1800" b="0" i="1" u="none" strike="noStrike" kern="1200" cap="none" spc="0" normalizeH="0" baseline="0" noProof="0" dirty="0">
+                <a:ln>
+                  <a:noFill/>
+                </a:ln>
+                <a:solidFill>
+                  <a:prstClr val="black"/>
+                </a:solidFill>
+                <a:effectLst/>
+                <a:uLnTx/>
+                <a:uFillTx/>
+                <a:latin typeface="Calibri" panose="020F0502020204030204"/>
+                <a:ea typeface="+mn-ea"/>
+                <a:cs typeface="+mn-cs"/>
+              </a:rPr>
+              <a:t>. </a:t>
+            </a:r>
+            <a:r>
+              <a:rPr kumimoji="0" lang="de-DE" sz="1800" b="0" i="1" u="none" strike="noStrike" kern="1200" cap="none" spc="0" normalizeH="0" baseline="0" noProof="0" dirty="0" err="1">
+                <a:ln>
+                  <a:noFill/>
+                </a:ln>
+                <a:solidFill>
+                  <a:prstClr val="black"/>
+                </a:solidFill>
+                <a:effectLst/>
+                <a:uLnTx/>
+                <a:uFillTx/>
+                <a:latin typeface="Calibri" panose="020F0502020204030204"/>
+                <a:ea typeface="+mn-ea"/>
+                <a:cs typeface="+mn-cs"/>
+              </a:rPr>
+              <a:t>Klobouk</a:t>
+            </a:r>
+            <a:r>
+              <a:rPr kumimoji="0" lang="de-DE" sz="1800" b="0" i="1" u="none" strike="noStrike" kern="1200" cap="none" spc="0" normalizeH="0" baseline="0" noProof="0" dirty="0">
+                <a:ln>
+                  <a:noFill/>
+                </a:ln>
+                <a:solidFill>
+                  <a:prstClr val="black"/>
+                </a:solidFill>
+                <a:effectLst/>
+                <a:uLnTx/>
+                <a:uFillTx/>
+                <a:latin typeface="Calibri" panose="020F0502020204030204"/>
+                <a:ea typeface="+mn-ea"/>
+                <a:cs typeface="+mn-cs"/>
+              </a:rPr>
+              <a:t> </a:t>
+            </a:r>
+            <a:r>
+              <a:rPr kumimoji="0" lang="de-DE" sz="1800" b="0" i="1" u="none" strike="noStrike" kern="1200" cap="none" spc="0" normalizeH="0" baseline="0" noProof="0" dirty="0" err="1">
+                <a:ln>
+                  <a:noFill/>
+                </a:ln>
+                <a:solidFill>
+                  <a:prstClr val="black"/>
+                </a:solidFill>
+                <a:effectLst/>
+                <a:uLnTx/>
+                <a:uFillTx/>
+                <a:latin typeface="Calibri" panose="020F0502020204030204"/>
+                <a:ea typeface="+mn-ea"/>
+                <a:cs typeface="+mn-cs"/>
+              </a:rPr>
+              <a:t>dolů</a:t>
+            </a:r>
+            <a:r>
+              <a:rPr kumimoji="0" lang="de-DE" sz="1800" b="0" i="1" u="none" strike="noStrike" kern="1200" cap="none" spc="0" normalizeH="0" baseline="0" noProof="0" dirty="0">
+                <a:ln>
+                  <a:noFill/>
+                </a:ln>
+                <a:solidFill>
+                  <a:prstClr val="black"/>
+                </a:solidFill>
+                <a:effectLst/>
+                <a:uLnTx/>
+                <a:uFillTx/>
+                <a:latin typeface="Calibri" panose="020F0502020204030204"/>
+                <a:ea typeface="+mn-ea"/>
+                <a:cs typeface="+mn-cs"/>
+              </a:rPr>
+              <a:t>.</a:t>
+            </a:r>
+            <a:r>
+              <a:rPr kumimoji="0" lang="cs-CZ" sz="1800" b="0" i="1" u="none" strike="noStrike" kern="1200" cap="none" spc="0" normalizeH="0" baseline="0" noProof="0" dirty="0">
+                <a:ln>
+                  <a:noFill/>
+                </a:ln>
+                <a:solidFill>
+                  <a:prstClr val="black"/>
+                </a:solidFill>
+                <a:effectLst/>
+                <a:uLnTx/>
+                <a:uFillTx/>
+                <a:latin typeface="Calibri" panose="020F0502020204030204"/>
+                <a:ea typeface="+mn-ea"/>
+                <a:cs typeface="+mn-cs"/>
+              </a:rPr>
+              <a:t>“</a:t>
+            </a:r>
+            <a:endParaRPr lang="cs-CZ" dirty="0"/>
+          </a:p>
+          <a:p>
+            <a:r>
+              <a:rPr lang="cs-CZ" dirty="0"/>
+              <a:t>Ing. Michaela </a:t>
+            </a:r>
+            <a:r>
+              <a:rPr lang="cs-CZ" dirty="0" err="1"/>
+              <a:t>Sporková</a:t>
+            </a:r>
+            <a:r>
+              <a:rPr lang="cs-CZ" dirty="0"/>
+              <a:t> PhD. – poradkyně rané péče</a:t>
+            </a:r>
+          </a:p>
+          <a:p>
+            <a:pPr marL="0" marR="0" lvl="0" indent="0" algn="l" defTabSz="914400" rtl="0" eaLnBrk="1" fontAlgn="auto" latinLnBrk="0" hangingPunct="1">
+              <a:lnSpc>
+                <a:spcPct val="90000"/>
+              </a:lnSpc>
+              <a:spcBef>
+                <a:spcPts val="1000"/>
+              </a:spcBef>
+              <a:spcAft>
+                <a:spcPts val="0"/>
+              </a:spcAft>
+              <a:buClrTx/>
+              <a:buSzTx/>
+              <a:buFont typeface="Arial" panose="020B0604020202020204" pitchFamily="34" charset="0"/>
+              <a:buNone/>
+              <a:tabLst/>
+              <a:defRPr/>
+            </a:pPr>
+            <a:r>
+              <a:rPr kumimoji="0" lang="cs-CZ" sz="1800" b="0" i="1" u="none" strike="noStrike" kern="1200" cap="none" spc="0" normalizeH="0" baseline="0" noProof="0" dirty="0">
+                <a:ln>
+                  <a:noFill/>
+                </a:ln>
+                <a:solidFill>
+                  <a:prstClr val="black"/>
+                </a:solidFill>
+                <a:effectLst/>
+                <a:uLnTx/>
+                <a:uFillTx/>
+                <a:latin typeface="Calibri" panose="020F0502020204030204"/>
+                <a:ea typeface="+mn-ea"/>
+                <a:cs typeface="+mn-cs"/>
+              </a:rPr>
+              <a:t>„Dobrý den, pro ohodnocení aplikace bych jí potřebovala nejdřív vyzkoušet. Nicméně, po zhlédnutí vámi natočeného videa, musím říct, že mě návrh aplikace zaujal a myslím si, že pro spoustu rodin, či asistentů ve školkách může být přínosem v rozvoji komunikačních dovedností dětí s poruchou autistického spektra. Ráda bych si ji po dokončení vyzkoušela.“</a:t>
+            </a:r>
+          </a:p>
+          <a:p>
+            <a:pPr marL="0" indent="0">
+              <a:buNone/>
+            </a:pPr>
             <a:endParaRPr lang="cs-CZ" dirty="0"/>
           </a:p>
         </p:txBody>
@@ -6822,7 +11118,7 @@
           <p:cNvPr id="4" name="Zástupný symbol pro zápatí 3">
             <a:extLst>
               <a:ext uri="{FF2B5EF4-FFF2-40B4-BE49-F238E27FC236}">
-                <a16:creationId xmlns:a16="http://schemas.microsoft.com/office/drawing/2014/main" id="{5B27D3F6-3CB4-4850-8A53-BD5299C67252}"/>
+                <a16:creationId xmlns:a16="http://schemas.microsoft.com/office/drawing/2014/main" id="{AD1029C3-BC1D-3915-B2C4-4FA2DEA4E443}"/>
               </a:ext>
             </a:extLst>
           </p:cNvPr>
@@ -6845,118 +11141,10 @@
           </a:p>
         </p:txBody>
       </p:sp>
-      <p:pic>
-        <p:nvPicPr>
-          <p:cNvPr id="5" name="Obrázek 4">
-            <a:extLst>
-              <a:ext uri="{FF2B5EF4-FFF2-40B4-BE49-F238E27FC236}">
-                <a16:creationId xmlns:a16="http://schemas.microsoft.com/office/drawing/2014/main" id="{E88FA204-D2A3-A6E3-6B95-DCE93D772A6D}"/>
-              </a:ext>
-            </a:extLst>
-          </p:cNvPr>
-          <p:cNvPicPr>
-            <a:picLocks noChangeAspect="1"/>
-          </p:cNvPicPr>
-          <p:nvPr/>
-        </p:nvPicPr>
-        <p:blipFill rotWithShape="1">
-          <a:blip r:embed="rId2" cstate="print">
-            <a:extLst>
-              <a:ext uri="{28A0092B-C50C-407E-A947-70E740481C1C}">
-                <a14:useLocalDpi xmlns:a14="http://schemas.microsoft.com/office/drawing/2010/main" val="0"/>
-              </a:ext>
-            </a:extLst>
-          </a:blip>
-          <a:srcRect l="3952" r="6151"/>
-          <a:stretch/>
-        </p:blipFill>
-        <p:spPr bwMode="auto">
-          <a:xfrm>
-            <a:off x="6454689" y="1632791"/>
-            <a:ext cx="5457072" cy="2799558"/>
-          </a:xfrm>
-          <a:prstGeom prst="rect">
-            <a:avLst/>
-          </a:prstGeom>
-          <a:ln w="38100" cap="sq">
-            <a:solidFill>
-              <a:srgbClr val="000000"/>
-            </a:solidFill>
-            <a:prstDash val="solid"/>
-            <a:miter lim="800000"/>
-          </a:ln>
-          <a:effectLst>
-            <a:outerShdw blurRad="50800" dist="38100" dir="2700000" algn="tl" rotWithShape="0">
-              <a:srgbClr val="000000">
-                <a:alpha val="43000"/>
-              </a:srgbClr>
-            </a:outerShdw>
-          </a:effectLst>
-          <a:extLst>
-            <a:ext uri="{53640926-AAD7-44D8-BBD7-CCE9431645EC}">
-              <a14:shadowObscured xmlns:a14="http://schemas.microsoft.com/office/drawing/2010/main"/>
-            </a:ext>
-          </a:extLst>
-        </p:spPr>
-      </p:pic>
-      <p:pic>
-        <p:nvPicPr>
-          <p:cNvPr id="6" name="Obrázek 5">
-            <a:extLst>
-              <a:ext uri="{FF2B5EF4-FFF2-40B4-BE49-F238E27FC236}">
-                <a16:creationId xmlns:a16="http://schemas.microsoft.com/office/drawing/2014/main" id="{60426A61-B10E-DD09-7A4E-0B7A1980E7B2}"/>
-              </a:ext>
-            </a:extLst>
-          </p:cNvPr>
-          <p:cNvPicPr>
-            <a:picLocks noChangeAspect="1"/>
-          </p:cNvPicPr>
-          <p:nvPr/>
-        </p:nvPicPr>
-        <p:blipFill rotWithShape="1">
-          <a:blip r:embed="rId3" cstate="print">
-            <a:extLst>
-              <a:ext uri="{28A0092B-C50C-407E-A947-70E740481C1C}">
-                <a14:useLocalDpi xmlns:a14="http://schemas.microsoft.com/office/drawing/2010/main" val="0"/>
-              </a:ext>
-            </a:extLst>
-          </a:blip>
-          <a:srcRect l="3810" r="6433"/>
-          <a:stretch/>
-        </p:blipFill>
-        <p:spPr bwMode="auto">
-          <a:xfrm>
-            <a:off x="946825" y="3531741"/>
-            <a:ext cx="4091900" cy="2103976"/>
-          </a:xfrm>
-          <a:prstGeom prst="rect">
-            <a:avLst/>
-          </a:prstGeom>
-          <a:ln w="38100" cap="sq">
-            <a:solidFill>
-              <a:srgbClr val="000000"/>
-            </a:solidFill>
-            <a:prstDash val="solid"/>
-            <a:miter lim="800000"/>
-          </a:ln>
-          <a:effectLst>
-            <a:outerShdw blurRad="50800" dist="38100" dir="2700000" algn="tl" rotWithShape="0">
-              <a:srgbClr val="000000">
-                <a:alpha val="43000"/>
-              </a:srgbClr>
-            </a:outerShdw>
-          </a:effectLst>
-          <a:extLst>
-            <a:ext uri="{53640926-AAD7-44D8-BBD7-CCE9431645EC}">
-              <a14:shadowObscured xmlns:a14="http://schemas.microsoft.com/office/drawing/2010/main"/>
-            </a:ext>
-          </a:extLst>
-        </p:spPr>
-      </p:pic>
     </p:spTree>
     <p:extLst>
       <p:ext uri="{BB962C8B-B14F-4D97-AF65-F5344CB8AC3E}">
-        <p14:creationId xmlns:p14="http://schemas.microsoft.com/office/powerpoint/2010/main" val="1892261878"/>
+        <p14:creationId xmlns:p14="http://schemas.microsoft.com/office/powerpoint/2010/main" val="3439437192"/>
       </p:ext>
     </p:extLst>
   </p:cSld>
